--- a/GCP기반 Serverless 아키텍쳐.pptx
+++ b/GCP기반 Serverless 아키텍쳐.pptx
@@ -13,7 +13,11 @@
     <p:sldId id="261" r:id="rId7"/>
     <p:sldId id="265" r:id="rId8"/>
     <p:sldId id="268" r:id="rId9"/>
-    <p:sldId id="269" r:id="rId10"/>
+    <p:sldId id="272" r:id="rId10"/>
+    <p:sldId id="273" r:id="rId11"/>
+    <p:sldId id="275" r:id="rId12"/>
+    <p:sldId id="276" r:id="rId13"/>
+    <p:sldId id="269" r:id="rId14"/>
   </p:sldIdLst>
   <p:sldSz cx="12192000" cy="6858000"/>
   <p:notesSz cx="6858000" cy="9144000"/>
@@ -126,6 +130,7 @@
     <p1510:client id="{028DBDC0-A0D6-4A60-BA38-C07DFFDF0CC6}" v="1641" dt="2020-03-04T00:41:41.313"/>
     <p1510:client id="{10BD0A25-FB77-49D6-A009-9FC02A2FB252}" v="3566" dt="2020-02-25T08:51:01.633"/>
     <p1510:client id="{294EB63F-6092-4DBE-BB37-9ADE068DE868}" v="2" dt="2020-03-04T01:43:27.066"/>
+    <p1510:client id="{73AFE249-DAAE-433C-B2B3-D4439BEA4BFA}" v="1375" dt="2020-03-08T22:04:05.042"/>
     <p1510:client id="{A342DE91-562B-486A-8E94-E5262CFE1A7C}" v="342" dt="2020-03-03T19:31:20.211"/>
     <p1510:client id="{E9102FB3-97B8-4CAA-9647-81211387C0C1}" v="6045" dt="2020-03-08T21:46:14.094"/>
   </p1510:revLst>
@@ -3049,6 +3054,2356 @@
 </p:sld>
 </file>
 
+<file path=ppt/slides/slide10.xml><?xml version="1.0" encoding="utf-8"?>
+<p:sld xmlns:a="http://schemas.openxmlformats.org/drawingml/2006/main" xmlns:r="http://schemas.openxmlformats.org/officeDocument/2006/relationships" xmlns:p="http://schemas.openxmlformats.org/presentationml/2006/main">
+  <p:cSld>
+    <p:spTree>
+      <p:nvGrpSpPr>
+        <p:cNvPr id="1" name=""/>
+        <p:cNvGrpSpPr/>
+        <p:nvPr/>
+      </p:nvGrpSpPr>
+      <p:grpSpPr>
+        <a:xfrm>
+          <a:off x="0" y="0"/>
+          <a:ext cx="0" cy="0"/>
+          <a:chOff x="0" y="0"/>
+          <a:chExt cx="0" cy="0"/>
+        </a:xfrm>
+      </p:grpSpPr>
+      <p:sp>
+        <p:nvSpPr>
+          <p:cNvPr id="2" name="제목 1">
+            <a:extLst>
+              <a:ext uri="{FF2B5EF4-FFF2-40B4-BE49-F238E27FC236}">
+                <a16:creationId xmlns:a16="http://schemas.microsoft.com/office/drawing/2014/main" id="{4FEBD717-7115-4BDE-AB32-780C8A39273A}"/>
+              </a:ext>
+            </a:extLst>
+          </p:cNvPr>
+          <p:cNvSpPr>
+            <a:spLocks noGrp="1"/>
+          </p:cNvSpPr>
+          <p:nvPr>
+            <p:ph type="title"/>
+          </p:nvPr>
+        </p:nvSpPr>
+        <p:spPr/>
+        <p:txBody>
+          <a:bodyPr/>
+          <a:lstStyle/>
+          <a:p>
+            <a:r>
+              <a:rPr lang="ko-KR" altLang="en-US" dirty="0" err="1">
+                <a:ea typeface="맑은 고딕"/>
+              </a:rPr>
+              <a:t>Firestore의</a:t>
+            </a:r>
+            <a:r>
+              <a:rPr lang="ko-KR" altLang="en-US" dirty="0">
+                <a:ea typeface="맑은 고딕"/>
+              </a:rPr>
+              <a:t> 가격 책정(도쿄 기준)</a:t>
+            </a:r>
+          </a:p>
+        </p:txBody>
+      </p:sp>
+      <p:graphicFrame>
+        <p:nvGraphicFramePr>
+          <p:cNvPr id="6" name="표 6">
+            <a:extLst>
+              <a:ext uri="{FF2B5EF4-FFF2-40B4-BE49-F238E27FC236}">
+                <a16:creationId xmlns:a16="http://schemas.microsoft.com/office/drawing/2014/main" id="{4818F34B-458F-4691-9455-1BB2BEC6EF38}"/>
+              </a:ext>
+            </a:extLst>
+          </p:cNvPr>
+          <p:cNvGraphicFramePr>
+            <a:graphicFrameLocks noGrp="1"/>
+          </p:cNvGraphicFramePr>
+          <p:nvPr>
+            <p:ph sz="half" idx="1"/>
+            <p:extLst>
+              <p:ext uri="{D42A27DB-BD31-4B8C-83A1-F6EECF244321}">
+                <p14:modId xmlns:p14="http://schemas.microsoft.com/office/powerpoint/2010/main" val="1153423466"/>
+              </p:ext>
+            </p:extLst>
+          </p:nvPr>
+        </p:nvGraphicFramePr>
+        <p:xfrm>
+          <a:off x="838200" y="1825625"/>
+          <a:ext cx="9867088" cy="4269035"/>
+        </p:xfrm>
+        <a:graphic>
+          <a:graphicData uri="http://schemas.openxmlformats.org/drawingml/2006/table">
+            <a:tbl>
+              <a:tblPr firstRow="1" bandRow="1">
+                <a:tableStyleId>{5C22544A-7EE6-4342-B048-85BDC9FD1C3A}</a:tableStyleId>
+              </a:tblPr>
+              <a:tblGrid>
+                <a:gridCol w="4933544">
+                  <a:extLst>
+                    <a:ext uri="{9D8B030D-6E8A-4147-A177-3AD203B41FA5}">
+                      <a16:colId xmlns:a16="http://schemas.microsoft.com/office/drawing/2014/main" val="779221321"/>
+                    </a:ext>
+                  </a:extLst>
+                </a:gridCol>
+                <a:gridCol w="4933544">
+                  <a:extLst>
+                    <a:ext uri="{9D8B030D-6E8A-4147-A177-3AD203B41FA5}">
+                      <a16:colId xmlns:a16="http://schemas.microsoft.com/office/drawing/2014/main" val="636481357"/>
+                    </a:ext>
+                  </a:extLst>
+                </a:gridCol>
+              </a:tblGrid>
+              <a:tr h="853807">
+                <a:tc>
+                  <a:txBody>
+                    <a:bodyPr/>
+                    <a:lstStyle/>
+                    <a:p>
+                      <a:pPr algn="ctr" latinLnBrk="1"/>
+                      <a:endParaRPr lang="ko-KR" altLang="en-US"/>
+                    </a:p>
+                  </a:txBody>
+                  <a:tcPr anchor="ctr"/>
+                </a:tc>
+                <a:tc>
+                  <a:txBody>
+                    <a:bodyPr/>
+                    <a:lstStyle/>
+                    <a:p>
+                      <a:pPr algn="ctr" latinLnBrk="1"/>
+                      <a:r>
+                        <a:rPr lang="ko-KR" altLang="en-US" dirty="0"/>
+                        <a:t>무료 할당량 초과 시 가격</a:t>
+                      </a:r>
+                    </a:p>
+                  </a:txBody>
+                  <a:tcPr anchor="ctr"/>
+                </a:tc>
+                <a:extLst>
+                  <a:ext uri="{0D108BD9-81ED-4DB2-BD59-A6C34878D82A}">
+                    <a16:rowId xmlns:a16="http://schemas.microsoft.com/office/drawing/2014/main" val="141060451"/>
+                  </a:ext>
+                </a:extLst>
+              </a:tr>
+              <a:tr h="853807">
+                <a:tc>
+                  <a:txBody>
+                    <a:bodyPr/>
+                    <a:lstStyle/>
+                    <a:p>
+                      <a:pPr algn="ctr" latinLnBrk="1"/>
+                      <a:r>
+                        <a:rPr lang="ko-KR" altLang="en-US" dirty="0"/>
+                        <a:t>문서 읽기</a:t>
+                      </a:r>
+                    </a:p>
+                  </a:txBody>
+                  <a:tcPr anchor="ctr"/>
+                </a:tc>
+                <a:tc>
+                  <a:txBody>
+                    <a:bodyPr/>
+                    <a:lstStyle/>
+                    <a:p>
+                      <a:pPr lvl="0" algn="ctr">
+                        <a:buNone/>
+                      </a:pPr>
+                      <a:r>
+                        <a:rPr lang="ko-KR" sz="1800" b="0" i="0" u="none" strike="noStrike" noProof="0" dirty="0">
+                          <a:latin typeface="맑은 고딕"/>
+                          <a:ea typeface="맑은 고딕"/>
+                        </a:rPr>
+                        <a:t>문서 100,000개당 $</a:t>
+                      </a:r>
+                      <a:r>
+                        <a:rPr lang="en-US" altLang="ko-KR" sz="1800" b="0" i="0" u="none" strike="noStrike" noProof="0" dirty="0">
+                          <a:latin typeface="맑은 고딕"/>
+                          <a:ea typeface="맑은 고딕"/>
+                        </a:rPr>
+                        <a:t>0.038</a:t>
+                      </a:r>
+                      <a:endParaRPr lang="ko-KR" dirty="0"/>
+                    </a:p>
+                  </a:txBody>
+                  <a:tcPr anchor="ctr"/>
+                </a:tc>
+                <a:extLst>
+                  <a:ext uri="{0D108BD9-81ED-4DB2-BD59-A6C34878D82A}">
+                    <a16:rowId xmlns:a16="http://schemas.microsoft.com/office/drawing/2014/main" val="1496240924"/>
+                  </a:ext>
+                </a:extLst>
+              </a:tr>
+              <a:tr h="853807">
+                <a:tc>
+                  <a:txBody>
+                    <a:bodyPr/>
+                    <a:lstStyle/>
+                    <a:p>
+                      <a:pPr algn="ctr" latinLnBrk="1"/>
+                      <a:r>
+                        <a:rPr lang="ko-KR" altLang="en-US" dirty="0"/>
+                        <a:t>문서 쓰기</a:t>
+                      </a:r>
+                    </a:p>
+                  </a:txBody>
+                  <a:tcPr anchor="ctr"/>
+                </a:tc>
+                <a:tc>
+                  <a:txBody>
+                    <a:bodyPr/>
+                    <a:lstStyle/>
+                    <a:p>
+                      <a:pPr lvl="0" algn="ctr">
+                        <a:buNone/>
+                      </a:pPr>
+                      <a:r>
+                        <a:rPr lang="ko-KR" sz="1800" b="0" i="0" u="none" strike="noStrike" noProof="0" dirty="0">
+                          <a:latin typeface="맑은 고딕"/>
+                          <a:ea typeface="맑은 고딕"/>
+                        </a:rPr>
+                        <a:t>문서 100,000개당 $</a:t>
+                      </a:r>
+                      <a:r>
+                        <a:rPr lang="en-US" altLang="ko-KR" sz="1800" b="0" i="0" u="none" strike="noStrike" noProof="0" dirty="0">
+                          <a:latin typeface="맑은 고딕"/>
+                          <a:ea typeface="맑은 고딕"/>
+                        </a:rPr>
+                        <a:t>0.115</a:t>
+                      </a:r>
+                      <a:endParaRPr lang="ko-KR" dirty="0"/>
+                    </a:p>
+                  </a:txBody>
+                  <a:tcPr anchor="ctr"/>
+                </a:tc>
+                <a:extLst>
+                  <a:ext uri="{0D108BD9-81ED-4DB2-BD59-A6C34878D82A}">
+                    <a16:rowId xmlns:a16="http://schemas.microsoft.com/office/drawing/2014/main" val="3851676780"/>
+                  </a:ext>
+                </a:extLst>
+              </a:tr>
+              <a:tr h="853807">
+                <a:tc>
+                  <a:txBody>
+                    <a:bodyPr/>
+                    <a:lstStyle/>
+                    <a:p>
+                      <a:pPr algn="ctr" latinLnBrk="1"/>
+                      <a:r>
+                        <a:rPr lang="ko-KR" altLang="en-US" dirty="0"/>
+                        <a:t>문서 삭제</a:t>
+                      </a:r>
+                    </a:p>
+                  </a:txBody>
+                  <a:tcPr anchor="ctr"/>
+                </a:tc>
+                <a:tc>
+                  <a:txBody>
+                    <a:bodyPr/>
+                    <a:lstStyle/>
+                    <a:p>
+                      <a:pPr algn="ctr" latinLnBrk="1"/>
+                      <a:r>
+                        <a:rPr lang="ko-KR" altLang="en-US" dirty="0"/>
+                        <a:t>문서 100,000개당 $0.013</a:t>
+                      </a:r>
+                    </a:p>
+                  </a:txBody>
+                  <a:tcPr anchor="ctr"/>
+                </a:tc>
+                <a:extLst>
+                  <a:ext uri="{0D108BD9-81ED-4DB2-BD59-A6C34878D82A}">
+                    <a16:rowId xmlns:a16="http://schemas.microsoft.com/office/drawing/2014/main" val="2881918532"/>
+                  </a:ext>
+                </a:extLst>
+              </a:tr>
+              <a:tr h="853807">
+                <a:tc>
+                  <a:txBody>
+                    <a:bodyPr/>
+                    <a:lstStyle/>
+                    <a:p>
+                      <a:pPr algn="ctr" latinLnBrk="1"/>
+                      <a:r>
+                        <a:rPr lang="ko-KR" altLang="en-US" dirty="0"/>
+                        <a:t>저장된 데이터</a:t>
+                      </a:r>
+                    </a:p>
+                  </a:txBody>
+                  <a:tcPr anchor="ctr"/>
+                </a:tc>
+                <a:tc>
+                  <a:txBody>
+                    <a:bodyPr/>
+                    <a:lstStyle/>
+                    <a:p>
+                      <a:pPr algn="ctr" latinLnBrk="1"/>
+                      <a:r>
+                        <a:rPr lang="ko-KR" altLang="en-US" dirty="0"/>
+                        <a:t>$0.115/</a:t>
+                      </a:r>
+                      <a:r>
+                        <a:rPr lang="ko-KR" altLang="en-US" dirty="0" err="1"/>
+                        <a:t>GiB</a:t>
+                      </a:r>
+                      <a:r>
+                        <a:rPr lang="ko-KR" altLang="en-US" dirty="0"/>
+                        <a:t>/월</a:t>
+                      </a:r>
+                    </a:p>
+                  </a:txBody>
+                  <a:tcPr anchor="ctr"/>
+                </a:tc>
+                <a:extLst>
+                  <a:ext uri="{0D108BD9-81ED-4DB2-BD59-A6C34878D82A}">
+                    <a16:rowId xmlns:a16="http://schemas.microsoft.com/office/drawing/2014/main" val="2530412921"/>
+                  </a:ext>
+                </a:extLst>
+              </a:tr>
+            </a:tbl>
+          </a:graphicData>
+        </a:graphic>
+      </p:graphicFrame>
+    </p:spTree>
+    <p:extLst>
+      <p:ext uri="{BB962C8B-B14F-4D97-AF65-F5344CB8AC3E}">
+        <p14:creationId xmlns:p14="http://schemas.microsoft.com/office/powerpoint/2010/main" val="2215000048"/>
+      </p:ext>
+    </p:extLst>
+  </p:cSld>
+  <p:clrMapOvr>
+    <a:masterClrMapping/>
+  </p:clrMapOvr>
+</p:sld>
+</file>
+
+<file path=ppt/slides/slide11.xml><?xml version="1.0" encoding="utf-8"?>
+<p:sld xmlns:a="http://schemas.openxmlformats.org/drawingml/2006/main" xmlns:r="http://schemas.openxmlformats.org/officeDocument/2006/relationships" xmlns:p="http://schemas.openxmlformats.org/presentationml/2006/main">
+  <p:cSld>
+    <p:spTree>
+      <p:nvGrpSpPr>
+        <p:cNvPr id="1" name=""/>
+        <p:cNvGrpSpPr/>
+        <p:nvPr/>
+      </p:nvGrpSpPr>
+      <p:grpSpPr>
+        <a:xfrm>
+          <a:off x="0" y="0"/>
+          <a:ext cx="0" cy="0"/>
+          <a:chOff x="0" y="0"/>
+          <a:chExt cx="0" cy="0"/>
+        </a:xfrm>
+      </p:grpSpPr>
+      <p:sp>
+        <p:nvSpPr>
+          <p:cNvPr id="2" name="제목 1">
+            <a:extLst>
+              <a:ext uri="{FF2B5EF4-FFF2-40B4-BE49-F238E27FC236}">
+                <a16:creationId xmlns:a16="http://schemas.microsoft.com/office/drawing/2014/main" id="{4FEBD717-7115-4BDE-AB32-780C8A39273A}"/>
+              </a:ext>
+            </a:extLst>
+          </p:cNvPr>
+          <p:cNvSpPr>
+            <a:spLocks noGrp="1"/>
+          </p:cNvSpPr>
+          <p:nvPr>
+            <p:ph type="title"/>
+          </p:nvPr>
+        </p:nvSpPr>
+        <p:spPr/>
+        <p:txBody>
+          <a:bodyPr/>
+          <a:lstStyle/>
+          <a:p>
+            <a:r>
+              <a:rPr lang="ko-KR" altLang="en-US" sz="4000" dirty="0" err="1">
+                <a:ea typeface="맑은 고딕"/>
+              </a:rPr>
+              <a:t>Firestore의</a:t>
+            </a:r>
+            <a:r>
+              <a:rPr lang="ko-KR" altLang="en-US" sz="4000" dirty="0">
+                <a:ea typeface="맑은 고딕"/>
+              </a:rPr>
+              <a:t> 가격 예시(앱 설치 50000건 기준)</a:t>
+            </a:r>
+          </a:p>
+        </p:txBody>
+      </p:sp>
+      <p:sp>
+        <p:nvSpPr>
+          <p:cNvPr id="4" name="내용 개체 틀 3">
+            <a:extLst>
+              <a:ext uri="{FF2B5EF4-FFF2-40B4-BE49-F238E27FC236}">
+                <a16:creationId xmlns:a16="http://schemas.microsoft.com/office/drawing/2014/main" id="{AD768EB1-9988-482A-B92F-F0B2D935BBF1}"/>
+              </a:ext>
+            </a:extLst>
+          </p:cNvPr>
+          <p:cNvSpPr>
+            <a:spLocks noGrp="1"/>
+          </p:cNvSpPr>
+          <p:nvPr>
+            <p:ph sz="half" idx="1"/>
+          </p:nvPr>
+        </p:nvSpPr>
+        <p:spPr>
+          <a:xfrm>
+            <a:off x="838200" y="1825625"/>
+            <a:ext cx="10488057" cy="4351338"/>
+          </a:xfrm>
+        </p:spPr>
+        <p:txBody>
+          <a:bodyPr vert="horz" lIns="91440" tIns="45720" rIns="91440" bIns="45720" rtlCol="0" anchor="t">
+            <a:normAutofit/>
+          </a:bodyPr>
+          <a:lstStyle/>
+          <a:p>
+            <a:endParaRPr lang="ko-KR" altLang="en-US" dirty="0">
+              <a:ea typeface="맑은 고딕" panose="020B0503020000020004" pitchFamily="34" charset="-127"/>
+            </a:endParaRPr>
+          </a:p>
+          <a:p>
+            <a:endParaRPr lang="ko-KR" altLang="en-US" dirty="0">
+              <a:ea typeface="맑은 고딕"/>
+            </a:endParaRPr>
+          </a:p>
+          <a:p>
+            <a:endParaRPr lang="ko-KR" altLang="en-US" dirty="0">
+              <a:ea typeface="맑은 고딕"/>
+            </a:endParaRPr>
+          </a:p>
+        </p:txBody>
+      </p:sp>
+      <p:graphicFrame>
+        <p:nvGraphicFramePr>
+          <p:cNvPr id="6" name="표 6">
+            <a:extLst>
+              <a:ext uri="{FF2B5EF4-FFF2-40B4-BE49-F238E27FC236}">
+                <a16:creationId xmlns:a16="http://schemas.microsoft.com/office/drawing/2014/main" id="{3B2E1A87-0C41-4518-8421-4BA6B8067941}"/>
+              </a:ext>
+            </a:extLst>
+          </p:cNvPr>
+          <p:cNvGraphicFramePr>
+            <a:graphicFrameLocks noGrp="1"/>
+          </p:cNvGraphicFramePr>
+          <p:nvPr>
+            <p:extLst>
+              <p:ext uri="{D42A27DB-BD31-4B8C-83A1-F6EECF244321}">
+                <p14:modId xmlns:p14="http://schemas.microsoft.com/office/powerpoint/2010/main" val="4041686007"/>
+              </p:ext>
+            </p:extLst>
+          </p:nvPr>
+        </p:nvGraphicFramePr>
+        <p:xfrm>
+          <a:off x="781463" y="1447653"/>
+          <a:ext cx="10873120" cy="5232540"/>
+        </p:xfrm>
+        <a:graphic>
+          <a:graphicData uri="http://schemas.openxmlformats.org/drawingml/2006/table">
+            <a:tbl>
+              <a:tblPr firstRow="1" bandRow="1">
+                <a:tableStyleId>{5C22544A-7EE6-4342-B048-85BDC9FD1C3A}</a:tableStyleId>
+              </a:tblPr>
+              <a:tblGrid>
+                <a:gridCol w="2718280">
+                  <a:extLst>
+                    <a:ext uri="{9D8B030D-6E8A-4147-A177-3AD203B41FA5}">
+                      <a16:colId xmlns:a16="http://schemas.microsoft.com/office/drawing/2014/main" val="383251081"/>
+                    </a:ext>
+                  </a:extLst>
+                </a:gridCol>
+                <a:gridCol w="2718280">
+                  <a:extLst>
+                    <a:ext uri="{9D8B030D-6E8A-4147-A177-3AD203B41FA5}">
+                      <a16:colId xmlns:a16="http://schemas.microsoft.com/office/drawing/2014/main" val="1809287572"/>
+                    </a:ext>
+                  </a:extLst>
+                </a:gridCol>
+                <a:gridCol w="2718280">
+                  <a:extLst>
+                    <a:ext uri="{9D8B030D-6E8A-4147-A177-3AD203B41FA5}">
+                      <a16:colId xmlns:a16="http://schemas.microsoft.com/office/drawing/2014/main" val="430872065"/>
+                    </a:ext>
+                  </a:extLst>
+                </a:gridCol>
+                <a:gridCol w="2718280">
+                  <a:extLst>
+                    <a:ext uri="{9D8B030D-6E8A-4147-A177-3AD203B41FA5}">
+                      <a16:colId xmlns:a16="http://schemas.microsoft.com/office/drawing/2014/main" val="3331292672"/>
+                    </a:ext>
+                  </a:extLst>
+                </a:gridCol>
+              </a:tblGrid>
+              <a:tr h="616420">
+                <a:tc gridSpan="4">
+                  <a:txBody>
+                    <a:bodyPr/>
+                    <a:lstStyle/>
+                    <a:p>
+                      <a:pPr algn="ctr" latinLnBrk="1"/>
+                      <a:r>
+                        <a:rPr lang="ko-KR" altLang="en-US" dirty="0"/>
+                        <a:t>읽기/ 쓰기 비용</a:t>
+                      </a:r>
+                    </a:p>
+                  </a:txBody>
+                  <a:tcPr anchor="ctr"/>
+                </a:tc>
+                <a:tc hMerge="1">
+                  <a:txBody>
+                    <a:bodyPr/>
+                    <a:lstStyle/>
+                    <a:p>
+                      <a:endParaRPr lang="ko-KR"/>
+                    </a:p>
+                  </a:txBody>
+                  <a:tcPr anchor="ctr"/>
+                </a:tc>
+                <a:tc hMerge="1">
+                  <a:txBody>
+                    <a:bodyPr/>
+                    <a:lstStyle/>
+                    <a:p>
+                      <a:endParaRPr lang="ko-KR"/>
+                    </a:p>
+                  </a:txBody>
+                  <a:tcPr anchor="ctr"/>
+                </a:tc>
+                <a:tc hMerge="1">
+                  <a:txBody>
+                    <a:bodyPr/>
+                    <a:lstStyle/>
+                    <a:p>
+                      <a:endParaRPr lang="ko-KR"/>
+                    </a:p>
+                  </a:txBody>
+                  <a:tcPr anchor="ctr"/>
+                </a:tc>
+                <a:extLst>
+                  <a:ext uri="{0D108BD9-81ED-4DB2-BD59-A6C34878D82A}">
+                    <a16:rowId xmlns:a16="http://schemas.microsoft.com/office/drawing/2014/main" val="2911511395"/>
+                  </a:ext>
+                </a:extLst>
+              </a:tr>
+              <a:tr h="616420">
+                <a:tc rowSpan="6">
+                  <a:txBody>
+                    <a:bodyPr/>
+                    <a:lstStyle/>
+                    <a:p>
+                      <a:pPr algn="ctr" latinLnBrk="1"/>
+                      <a:r>
+                        <a:rPr lang="ko-KR" altLang="en-US" dirty="0"/>
+                        <a:t>월간 총 비용 </a:t>
+                      </a:r>
+                      <a:endParaRPr lang="ko-KR" dirty="0"/>
+                    </a:p>
+                    <a:p>
+                      <a:pPr lvl="0" algn="ctr">
+                        <a:buNone/>
+                      </a:pPr>
+                      <a:r>
+                        <a:rPr lang="ko-KR" altLang="en-US" dirty="0"/>
+                        <a:t>=  $11.10/월</a:t>
+                      </a:r>
+                      <a:endParaRPr lang="ko-KR" dirty="0"/>
+                    </a:p>
+                  </a:txBody>
+                  <a:tcPr anchor="ctr"/>
+                </a:tc>
+                <a:tc rowSpan="2">
+                  <a:txBody>
+                    <a:bodyPr/>
+                    <a:lstStyle/>
+                    <a:p>
+                      <a:pPr algn="ctr" latinLnBrk="1"/>
+                      <a:r>
+                        <a:rPr lang="ko-KR" altLang="en-US" dirty="0"/>
+                        <a:t>일일 총 읽기 400,000</a:t>
+                      </a:r>
+                    </a:p>
+                  </a:txBody>
+                  <a:tcPr anchor="ctr"/>
+                </a:tc>
+                <a:tc>
+                  <a:txBody>
+                    <a:bodyPr/>
+                    <a:lstStyle/>
+                    <a:p>
+                      <a:pPr algn="ctr" latinLnBrk="1"/>
+                      <a:r>
+                        <a:rPr lang="ko-KR" altLang="en-US" dirty="0"/>
+                        <a:t>무료 읽기 50,000+(읽기 350,000($0.06/100,000 기준))</a:t>
+                      </a:r>
+                    </a:p>
+                  </a:txBody>
+                  <a:tcPr anchor="ctr"/>
+                </a:tc>
+                <a:tc rowSpan="2">
+                  <a:txBody>
+                    <a:bodyPr/>
+                    <a:lstStyle/>
+                    <a:p>
+                      <a:pPr algn="ctr" latinLnBrk="1"/>
+                      <a:r>
+                        <a:rPr lang="ko-KR" altLang="en-US" dirty="0"/>
+                        <a:t>3.5*$0.06</a:t>
+                      </a:r>
+                    </a:p>
+                  </a:txBody>
+                  <a:tcPr anchor="ctr"/>
+                </a:tc>
+                <a:extLst>
+                  <a:ext uri="{0D108BD9-81ED-4DB2-BD59-A6C34878D82A}">
+                    <a16:rowId xmlns:a16="http://schemas.microsoft.com/office/drawing/2014/main" val="1689873716"/>
+                  </a:ext>
+                </a:extLst>
+              </a:tr>
+              <a:tr h="616420">
+                <a:tc vMerge="1">
+                  <a:txBody>
+                    <a:bodyPr/>
+                    <a:lstStyle/>
+                    <a:p>
+                      <a:endParaRPr lang="ko-KR"/>
+                    </a:p>
+                  </a:txBody>
+                  <a:tcPr anchor="ctr"/>
+                </a:tc>
+                <a:tc vMerge="1">
+                  <a:txBody>
+                    <a:bodyPr/>
+                    <a:lstStyle/>
+                    <a:p>
+                      <a:endParaRPr lang="ko-KR"/>
+                    </a:p>
+                  </a:txBody>
+                  <a:tcPr anchor="ctr"/>
+                </a:tc>
+                <a:tc>
+                  <a:txBody>
+                    <a:bodyPr/>
+                    <a:lstStyle/>
+                    <a:p>
+                      <a:pPr lvl="0" algn="ctr">
+                        <a:lnSpc>
+                          <a:spcPct val="100000"/>
+                        </a:lnSpc>
+                        <a:spcBef>
+                          <a:spcPts val="0"/>
+                        </a:spcBef>
+                        <a:spcAft>
+                          <a:spcPts val="0"/>
+                        </a:spcAft>
+                        <a:buNone/>
+                      </a:pPr>
+                      <a:r>
+                        <a:rPr lang="en-US" altLang="ko-KR" sz="1800" b="0" i="0" u="none" strike="noStrike" noProof="0" dirty="0"/>
+                        <a:t>$0.21/</a:t>
+                      </a:r>
+                      <a:r>
+                        <a:rPr lang="ko-KR" altLang="en-US" sz="1800" b="0" i="0" u="none" strike="noStrike" noProof="0" dirty="0"/>
+                        <a:t>일*</a:t>
+                      </a:r>
+                      <a:r>
+                        <a:rPr lang="en-US" altLang="ko-KR" sz="1800" b="0" i="0" u="none" strike="noStrike" noProof="0" dirty="0"/>
+                        <a:t>30</a:t>
+                      </a:r>
+                      <a:r>
+                        <a:rPr lang="ko-KR" altLang="en-US" sz="1800" b="0" i="0" u="none" strike="noStrike" noProof="0" dirty="0"/>
+                        <a:t> </a:t>
+                      </a:r>
+                      <a:r>
+                        <a:rPr lang="en-US" altLang="ko-KR" sz="1800" b="0" i="0" u="none" strike="noStrike" noProof="0" dirty="0"/>
+                        <a:t>=</a:t>
+                      </a:r>
+                      <a:r>
+                        <a:rPr lang="ko-KR" altLang="en-US" sz="1800" b="0" i="0" u="none" strike="noStrike" noProof="0" dirty="0"/>
+                        <a:t> </a:t>
+                      </a:r>
+                      <a:r>
+                        <a:rPr lang="en-US" altLang="ko-KR" sz="1800" b="0" i="0" u="none" strike="noStrike" noProof="0" dirty="0"/>
+                        <a:t>$6.30</a:t>
+                      </a:r>
+                      <a:endParaRPr lang="ko-KR" altLang="en-US" sz="1800" b="0" i="0" u="none" strike="noStrike" noProof="0" dirty="0"/>
+                    </a:p>
+                    <a:p>
+                      <a:pPr lvl="0" algn="ctr">
+                        <a:buNone/>
+                      </a:pPr>
+                      <a:endParaRPr lang="ko-KR" sz="1800" b="0" i="0" u="none" strike="noStrike" noProof="0" dirty="0">
+                        <a:latin typeface="맑은 고딕"/>
+                        <a:ea typeface="맑은 고딕"/>
+                      </a:endParaRPr>
+                    </a:p>
+                  </a:txBody>
+                  <a:tcPr anchor="ctr"/>
+                </a:tc>
+                <a:tc vMerge="1">
+                  <a:txBody>
+                    <a:bodyPr/>
+                    <a:lstStyle/>
+                    <a:p>
+                      <a:endParaRPr lang="ko-KR"/>
+                    </a:p>
+                  </a:txBody>
+                  <a:tcPr anchor="ctr"/>
+                </a:tc>
+                <a:extLst>
+                  <a:ext uri="{0D108BD9-81ED-4DB2-BD59-A6C34878D82A}">
+                    <a16:rowId xmlns:a16="http://schemas.microsoft.com/office/drawing/2014/main" val="2900673640"/>
+                  </a:ext>
+                </a:extLst>
+              </a:tr>
+              <a:tr h="616420">
+                <a:tc vMerge="1">
+                  <a:txBody>
+                    <a:bodyPr/>
+                    <a:lstStyle/>
+                    <a:p>
+                      <a:endParaRPr lang="ko-KR"/>
+                    </a:p>
+                  </a:txBody>
+                  <a:tcPr anchor="ctr"/>
+                </a:tc>
+                <a:tc rowSpan="2">
+                  <a:txBody>
+                    <a:bodyPr/>
+                    <a:lstStyle/>
+                    <a:p>
+                      <a:pPr lvl="0" algn="ctr">
+                        <a:buNone/>
+                      </a:pPr>
+                      <a:r>
+                        <a:rPr lang="ko-KR" altLang="en-US" dirty="0"/>
+                        <a:t>일일 총 쓰기 100,000</a:t>
+                      </a:r>
+                      <a:endParaRPr lang="ko-KR" dirty="0"/>
+                    </a:p>
+                  </a:txBody>
+                  <a:tcPr anchor="ctr"/>
+                </a:tc>
+                <a:tc>
+                  <a:txBody>
+                    <a:bodyPr/>
+                    <a:lstStyle/>
+                    <a:p>
+                      <a:pPr lvl="0" algn="ctr">
+                        <a:buNone/>
+                      </a:pPr>
+                      <a:r>
+                        <a:rPr lang="ko-KR" sz="1800" b="0" i="0" u="none" strike="noStrike" noProof="0" dirty="0">
+                          <a:latin typeface="맑은 고딕"/>
+                          <a:ea typeface="맑은 고딕"/>
+                        </a:rPr>
+                        <a:t>무료 쓰기 20,000+(쓰기 80,000($0.18/100,000 기준))</a:t>
+                      </a:r>
+                      <a:endParaRPr lang="ko-KR" altLang="en-US" dirty="0"/>
+                    </a:p>
+                  </a:txBody>
+                  <a:tcPr anchor="ctr"/>
+                </a:tc>
+                <a:tc rowSpan="2">
+                  <a:txBody>
+                    <a:bodyPr/>
+                    <a:lstStyle/>
+                    <a:p>
+                      <a:pPr lvl="0" algn="ctr">
+                        <a:buNone/>
+                      </a:pPr>
+                      <a:r>
+                        <a:rPr lang="ko-KR" sz="1800" b="0" i="0" u="none" strike="noStrike" noProof="0" dirty="0">
+                          <a:latin typeface="맑은 고딕"/>
+                          <a:ea typeface="맑은 고딕"/>
+                        </a:rPr>
+                        <a:t>0.8*$0.18</a:t>
+                      </a:r>
+                      <a:endParaRPr lang="ko-KR" dirty="0"/>
+                    </a:p>
+                  </a:txBody>
+                  <a:tcPr anchor="ctr"/>
+                </a:tc>
+                <a:extLst>
+                  <a:ext uri="{0D108BD9-81ED-4DB2-BD59-A6C34878D82A}">
+                    <a16:rowId xmlns:a16="http://schemas.microsoft.com/office/drawing/2014/main" val="647626902"/>
+                  </a:ext>
+                </a:extLst>
+              </a:tr>
+              <a:tr h="616420">
+                <a:tc vMerge="1">
+                  <a:txBody>
+                    <a:bodyPr/>
+                    <a:lstStyle/>
+                    <a:p>
+                      <a:endParaRPr lang="ko-KR"/>
+                    </a:p>
+                  </a:txBody>
+                  <a:tcPr anchor="ctr"/>
+                </a:tc>
+                <a:tc vMerge="1">
+                  <a:txBody>
+                    <a:bodyPr/>
+                    <a:lstStyle/>
+                    <a:p>
+                      <a:endParaRPr lang="ko-KR"/>
+                    </a:p>
+                  </a:txBody>
+                  <a:tcPr anchor="ctr"/>
+                </a:tc>
+                <a:tc>
+                  <a:txBody>
+                    <a:bodyPr/>
+                    <a:lstStyle/>
+                    <a:p>
+                      <a:pPr lvl="0" algn="ctr">
+                        <a:buNone/>
+                      </a:pPr>
+                      <a:r>
+                        <a:rPr lang="ko-KR" sz="1800" b="0" i="0" u="none" strike="noStrike" noProof="0" dirty="0">
+                          <a:latin typeface="맑은 고딕"/>
+                          <a:ea typeface="맑은 고딕"/>
+                        </a:rPr>
+                        <a:t>$0.14/일*30 = $4.20</a:t>
+                      </a:r>
+                      <a:endParaRPr lang="ko-KR" dirty="0"/>
+                    </a:p>
+                  </a:txBody>
+                  <a:tcPr anchor="ctr"/>
+                </a:tc>
+                <a:tc vMerge="1">
+                  <a:txBody>
+                    <a:bodyPr/>
+                    <a:lstStyle/>
+                    <a:p>
+                      <a:endParaRPr lang="ko-KR"/>
+                    </a:p>
+                  </a:txBody>
+                  <a:tcPr anchor="ctr"/>
+                </a:tc>
+                <a:extLst>
+                  <a:ext uri="{0D108BD9-81ED-4DB2-BD59-A6C34878D82A}">
+                    <a16:rowId xmlns:a16="http://schemas.microsoft.com/office/drawing/2014/main" val="4113075863"/>
+                  </a:ext>
+                </a:extLst>
+              </a:tr>
+              <a:tr h="616420">
+                <a:tc vMerge="1">
+                  <a:txBody>
+                    <a:bodyPr/>
+                    <a:lstStyle/>
+                    <a:p>
+                      <a:endParaRPr lang="ko-KR"/>
+                    </a:p>
+                  </a:txBody>
+                  <a:tcPr anchor="ctr"/>
+                </a:tc>
+                <a:tc rowSpan="2">
+                  <a:txBody>
+                    <a:bodyPr/>
+                    <a:lstStyle/>
+                    <a:p>
+                      <a:pPr lvl="0" algn="ctr">
+                        <a:buNone/>
+                      </a:pPr>
+                      <a:r>
+                        <a:rPr lang="ko-KR" sz="1800" b="0" i="0" u="none" strike="noStrike" noProof="0" dirty="0">
+                          <a:latin typeface="맑은 고딕"/>
+                          <a:ea typeface="맑은 고딕"/>
+                        </a:rPr>
+                        <a:t>일일 총 삭제 100,000</a:t>
+                      </a:r>
+                      <a:endParaRPr lang="ko-KR" dirty="0"/>
+                    </a:p>
+                  </a:txBody>
+                  <a:tcPr anchor="ctr"/>
+                </a:tc>
+                <a:tc>
+                  <a:txBody>
+                    <a:bodyPr/>
+                    <a:lstStyle/>
+                    <a:p>
+                      <a:pPr lvl="0" algn="ctr">
+                        <a:buNone/>
+                      </a:pPr>
+                      <a:r>
+                        <a:rPr lang="ko-KR" sz="1800" b="0" i="0" u="none" strike="noStrike" noProof="0" dirty="0">
+                          <a:latin typeface="맑은 고딕"/>
+                          <a:ea typeface="맑은 고딕"/>
+                        </a:rPr>
+                        <a:t>무료 삭제 20,000+(삭제 80,00만($0.02/100,000 기준))</a:t>
+                      </a:r>
+                      <a:endParaRPr lang="ko-KR" dirty="0"/>
+                    </a:p>
+                  </a:txBody>
+                  <a:tcPr anchor="ctr"/>
+                </a:tc>
+                <a:tc rowSpan="2">
+                  <a:txBody>
+                    <a:bodyPr/>
+                    <a:lstStyle/>
+                    <a:p>
+                      <a:pPr lvl="0" algn="ctr">
+                        <a:buNone/>
+                      </a:pPr>
+                      <a:r>
+                        <a:rPr lang="ko-KR" sz="1800" b="0" i="0" u="none" strike="noStrike" noProof="0" dirty="0">
+                          <a:latin typeface="맑은 고딕"/>
+                          <a:ea typeface="맑은 고딕"/>
+                        </a:rPr>
+                        <a:t>0.8*$0.02</a:t>
+                      </a:r>
+                      <a:endParaRPr lang="ko-KR" dirty="0"/>
+                    </a:p>
+                  </a:txBody>
+                  <a:tcPr anchor="ctr"/>
+                </a:tc>
+                <a:extLst>
+                  <a:ext uri="{0D108BD9-81ED-4DB2-BD59-A6C34878D82A}">
+                    <a16:rowId xmlns:a16="http://schemas.microsoft.com/office/drawing/2014/main" val="3887483648"/>
+                  </a:ext>
+                </a:extLst>
+              </a:tr>
+              <a:tr h="616420">
+                <a:tc vMerge="1">
+                  <a:txBody>
+                    <a:bodyPr/>
+                    <a:lstStyle/>
+                    <a:p>
+                      <a:endParaRPr lang="ko-KR"/>
+                    </a:p>
+                  </a:txBody>
+                  <a:tcPr anchor="ctr"/>
+                </a:tc>
+                <a:tc vMerge="1">
+                  <a:txBody>
+                    <a:bodyPr/>
+                    <a:lstStyle/>
+                    <a:p>
+                      <a:endParaRPr lang="ko-KR"/>
+                    </a:p>
+                  </a:txBody>
+                  <a:tcPr anchor="ctr"/>
+                </a:tc>
+                <a:tc>
+                  <a:txBody>
+                    <a:bodyPr/>
+                    <a:lstStyle/>
+                    <a:p>
+                      <a:pPr lvl="0" algn="ctr">
+                        <a:buNone/>
+                      </a:pPr>
+                      <a:r>
+                        <a:rPr lang="ko-KR" sz="1800" b="0" i="0" u="none" strike="noStrike" noProof="0" dirty="0">
+                          <a:latin typeface="맑은 고딕"/>
+                          <a:ea typeface="맑은 고딕"/>
+                        </a:rPr>
+                        <a:t>$0.02/일*30 = $0.60</a:t>
+                      </a:r>
+                      <a:endParaRPr lang="ko-KR" dirty="0"/>
+                    </a:p>
+                  </a:txBody>
+                  <a:tcPr anchor="ctr"/>
+                </a:tc>
+                <a:tc vMerge="1">
+                  <a:txBody>
+                    <a:bodyPr/>
+                    <a:lstStyle/>
+                    <a:p>
+                      <a:endParaRPr lang="ko-KR"/>
+                    </a:p>
+                  </a:txBody>
+                  <a:tcPr anchor="ctr"/>
+                </a:tc>
+                <a:extLst>
+                  <a:ext uri="{0D108BD9-81ED-4DB2-BD59-A6C34878D82A}">
+                    <a16:rowId xmlns:a16="http://schemas.microsoft.com/office/drawing/2014/main" val="953887148"/>
+                  </a:ext>
+                </a:extLst>
+              </a:tr>
+            </a:tbl>
+          </a:graphicData>
+        </a:graphic>
+      </p:graphicFrame>
+    </p:spTree>
+    <p:extLst>
+      <p:ext uri="{BB962C8B-B14F-4D97-AF65-F5344CB8AC3E}">
+        <p14:creationId xmlns:p14="http://schemas.microsoft.com/office/powerpoint/2010/main" val="1391619514"/>
+      </p:ext>
+    </p:extLst>
+  </p:cSld>
+  <p:clrMapOvr>
+    <a:masterClrMapping/>
+  </p:clrMapOvr>
+</p:sld>
+</file>
+
+<file path=ppt/slides/slide12.xml><?xml version="1.0" encoding="utf-8"?>
+<p:sld xmlns:a="http://schemas.openxmlformats.org/drawingml/2006/main" xmlns:r="http://schemas.openxmlformats.org/officeDocument/2006/relationships" xmlns:p="http://schemas.openxmlformats.org/presentationml/2006/main">
+  <p:cSld>
+    <p:spTree>
+      <p:nvGrpSpPr>
+        <p:cNvPr id="1" name=""/>
+        <p:cNvGrpSpPr/>
+        <p:nvPr/>
+      </p:nvGrpSpPr>
+      <p:grpSpPr>
+        <a:xfrm>
+          <a:off x="0" y="0"/>
+          <a:ext cx="0" cy="0"/>
+          <a:chOff x="0" y="0"/>
+          <a:chExt cx="0" cy="0"/>
+        </a:xfrm>
+      </p:grpSpPr>
+      <p:sp>
+        <p:nvSpPr>
+          <p:cNvPr id="2" name="제목 1">
+            <a:extLst>
+              <a:ext uri="{FF2B5EF4-FFF2-40B4-BE49-F238E27FC236}">
+                <a16:creationId xmlns:a16="http://schemas.microsoft.com/office/drawing/2014/main" id="{4FEBD717-7115-4BDE-AB32-780C8A39273A}"/>
+              </a:ext>
+            </a:extLst>
+          </p:cNvPr>
+          <p:cNvSpPr>
+            <a:spLocks noGrp="1"/>
+          </p:cNvSpPr>
+          <p:nvPr>
+            <p:ph type="title"/>
+          </p:nvPr>
+        </p:nvSpPr>
+        <p:spPr/>
+        <p:txBody>
+          <a:bodyPr/>
+          <a:lstStyle/>
+          <a:p>
+            <a:r>
+              <a:rPr lang="ko-KR" altLang="en-US" sz="4000" dirty="0" err="1">
+                <a:ea typeface="맑은 고딕"/>
+              </a:rPr>
+              <a:t>Firestore의</a:t>
+            </a:r>
+            <a:r>
+              <a:rPr lang="ko-KR" altLang="en-US" sz="4000" dirty="0">
+                <a:ea typeface="맑은 고딕"/>
+              </a:rPr>
+              <a:t> 가격 예시(앱 설치 50000건 기준)</a:t>
+            </a:r>
+          </a:p>
+        </p:txBody>
+      </p:sp>
+      <p:sp>
+        <p:nvSpPr>
+          <p:cNvPr id="4" name="내용 개체 틀 3">
+            <a:extLst>
+              <a:ext uri="{FF2B5EF4-FFF2-40B4-BE49-F238E27FC236}">
+                <a16:creationId xmlns:a16="http://schemas.microsoft.com/office/drawing/2014/main" id="{AD768EB1-9988-482A-B92F-F0B2D935BBF1}"/>
+              </a:ext>
+            </a:extLst>
+          </p:cNvPr>
+          <p:cNvSpPr>
+            <a:spLocks noGrp="1"/>
+          </p:cNvSpPr>
+          <p:nvPr>
+            <p:ph sz="half" idx="1"/>
+          </p:nvPr>
+        </p:nvSpPr>
+        <p:spPr>
+          <a:xfrm>
+            <a:off x="755574" y="5415287"/>
+            <a:ext cx="10488057" cy="1147266"/>
+          </a:xfrm>
+        </p:spPr>
+        <p:txBody>
+          <a:bodyPr vert="horz" lIns="91440" tIns="45720" rIns="91440" bIns="45720" rtlCol="0" anchor="t">
+            <a:normAutofit/>
+          </a:bodyPr>
+          <a:lstStyle/>
+          <a:p>
+            <a:endParaRPr lang="ko-KR" altLang="en-US" dirty="0">
+              <a:ea typeface="맑은 고딕" panose="020B0503020000020004" pitchFamily="34" charset="-127"/>
+            </a:endParaRPr>
+          </a:p>
+          <a:p>
+            <a:endParaRPr lang="ko-KR" altLang="en-US" dirty="0">
+              <a:ea typeface="맑은 고딕"/>
+            </a:endParaRPr>
+          </a:p>
+          <a:p>
+            <a:endParaRPr lang="ko-KR" altLang="en-US" dirty="0">
+              <a:ea typeface="맑은 고딕"/>
+            </a:endParaRPr>
+          </a:p>
+        </p:txBody>
+      </p:sp>
+      <p:graphicFrame>
+        <p:nvGraphicFramePr>
+          <p:cNvPr id="6" name="표 6">
+            <a:extLst>
+              <a:ext uri="{FF2B5EF4-FFF2-40B4-BE49-F238E27FC236}">
+                <a16:creationId xmlns:a16="http://schemas.microsoft.com/office/drawing/2014/main" id="{3B2E1A87-0C41-4518-8421-4BA6B8067941}"/>
+              </a:ext>
+            </a:extLst>
+          </p:cNvPr>
+          <p:cNvGraphicFramePr>
+            <a:graphicFrameLocks noGrp="1"/>
+          </p:cNvGraphicFramePr>
+          <p:nvPr>
+            <p:extLst>
+              <p:ext uri="{D42A27DB-BD31-4B8C-83A1-F6EECF244321}">
+                <p14:modId xmlns:p14="http://schemas.microsoft.com/office/powerpoint/2010/main" val="14794647"/>
+              </p:ext>
+            </p:extLst>
+          </p:nvPr>
+        </p:nvGraphicFramePr>
+        <p:xfrm>
+          <a:off x="781463" y="1447653"/>
+          <a:ext cx="10872331" cy="3846721"/>
+        </p:xfrm>
+        <a:graphic>
+          <a:graphicData uri="http://schemas.openxmlformats.org/drawingml/2006/table">
+            <a:tbl>
+              <a:tblPr firstRow="1" bandRow="1">
+                <a:tableStyleId>{5C22544A-7EE6-4342-B048-85BDC9FD1C3A}</a:tableStyleId>
+              </a:tblPr>
+              <a:tblGrid>
+                <a:gridCol w="2718279">
+                  <a:extLst>
+                    <a:ext uri="{9D8B030D-6E8A-4147-A177-3AD203B41FA5}">
+                      <a16:colId xmlns:a16="http://schemas.microsoft.com/office/drawing/2014/main" val="383251081"/>
+                    </a:ext>
+                  </a:extLst>
+                </a:gridCol>
+                <a:gridCol w="2718279">
+                  <a:extLst>
+                    <a:ext uri="{9D8B030D-6E8A-4147-A177-3AD203B41FA5}">
+                      <a16:colId xmlns:a16="http://schemas.microsoft.com/office/drawing/2014/main" val="1809287572"/>
+                    </a:ext>
+                  </a:extLst>
+                </a:gridCol>
+                <a:gridCol w="1358747">
+                  <a:extLst>
+                    <a:ext uri="{9D8B030D-6E8A-4147-A177-3AD203B41FA5}">
+                      <a16:colId xmlns:a16="http://schemas.microsoft.com/office/drawing/2014/main" val="430872065"/>
+                    </a:ext>
+                  </a:extLst>
+                </a:gridCol>
+                <a:gridCol w="1358747">
+                  <a:extLst>
+                    <a:ext uri="{9D8B030D-6E8A-4147-A177-3AD203B41FA5}">
+                      <a16:colId xmlns:a16="http://schemas.microsoft.com/office/drawing/2014/main" val="2949759311"/>
+                    </a:ext>
+                  </a:extLst>
+                </a:gridCol>
+                <a:gridCol w="2718279">
+                  <a:extLst>
+                    <a:ext uri="{9D8B030D-6E8A-4147-A177-3AD203B41FA5}">
+                      <a16:colId xmlns:a16="http://schemas.microsoft.com/office/drawing/2014/main" val="3331292672"/>
+                    </a:ext>
+                  </a:extLst>
+                </a:gridCol>
+              </a:tblGrid>
+              <a:tr h="463355">
+                <a:tc gridSpan="5">
+                  <a:txBody>
+                    <a:bodyPr/>
+                    <a:lstStyle/>
+                    <a:p>
+                      <a:pPr lvl="0" algn="ctr">
+                        <a:buNone/>
+                      </a:pPr>
+                      <a:r>
+                        <a:rPr lang="ko-KR" altLang="en-US" dirty="0"/>
+                        <a:t>저장소/네트워킹 비용</a:t>
+                      </a:r>
+                    </a:p>
+                  </a:txBody>
+                  <a:tcPr anchor="ctr"/>
+                </a:tc>
+                <a:tc hMerge="1">
+                  <a:txBody>
+                    <a:bodyPr/>
+                    <a:lstStyle/>
+                    <a:p>
+                      <a:endParaRPr lang="ko-KR"/>
+                    </a:p>
+                  </a:txBody>
+                  <a:tcPr anchor="ctr"/>
+                </a:tc>
+                <a:tc hMerge="1">
+                  <a:txBody>
+                    <a:bodyPr/>
+                    <a:lstStyle/>
+                    <a:p>
+                      <a:endParaRPr lang="ko-KR"/>
+                    </a:p>
+                  </a:txBody>
+                  <a:tcPr anchor="ctr"/>
+                </a:tc>
+                <a:tc hMerge="1">
+                  <a:txBody>
+                    <a:bodyPr/>
+                    <a:lstStyle/>
+                    <a:p>
+                      <a:pPr latinLnBrk="1"/>
+                      <a:endParaRPr lang="ko-KR" altLang="en-US"/>
+                    </a:p>
+                  </a:txBody>
+                  <a:tcPr/>
+                </a:tc>
+                <a:tc hMerge="1">
+                  <a:txBody>
+                    <a:bodyPr/>
+                    <a:lstStyle/>
+                    <a:p>
+                      <a:endParaRPr lang="ko-KR"/>
+                    </a:p>
+                  </a:txBody>
+                  <a:tcPr anchor="ctr"/>
+                </a:tc>
+                <a:extLst>
+                  <a:ext uri="{0D108BD9-81ED-4DB2-BD59-A6C34878D82A}">
+                    <a16:rowId xmlns:a16="http://schemas.microsoft.com/office/drawing/2014/main" val="2911511395"/>
+                  </a:ext>
+                </a:extLst>
+              </a:tr>
+              <a:tr h="917967">
+                <a:tc rowSpan="4">
+                  <a:txBody>
+                    <a:bodyPr/>
+                    <a:lstStyle/>
+                    <a:p>
+                      <a:pPr lvl="0" algn="ctr">
+                        <a:buNone/>
+                      </a:pPr>
+                      <a:r>
+                        <a:rPr lang="ko-KR" altLang="en-US" sz="1800" b="0" i="0" u="none" strike="noStrike" noProof="0" dirty="0"/>
+                        <a:t>월간 총 비용 </a:t>
+                      </a:r>
+                      <a:endParaRPr lang="ko-KR" altLang="en-US" dirty="0"/>
+                    </a:p>
+                    <a:p>
+                      <a:pPr lvl="0" algn="ctr">
+                        <a:buNone/>
+                      </a:pPr>
+                      <a:r>
+                        <a:rPr lang="en-US" altLang="ko-KR" sz="1800" b="0" i="0" u="none" strike="noStrike" noProof="0" dirty="0"/>
+                        <a:t>=</a:t>
+                      </a:r>
+                      <a:r>
+                        <a:rPr lang="ko-KR" altLang="en-US" sz="1800" b="0" i="0" u="none" strike="noStrike" noProof="0" dirty="0"/>
+                        <a:t> </a:t>
+                      </a:r>
+                      <a:r>
+                        <a:rPr lang="en-US" altLang="ko-KR" sz="1800" b="0" i="0" u="none" strike="noStrike" noProof="0" dirty="0"/>
+                        <a:t>$1.04/</a:t>
+                      </a:r>
+                      <a:r>
+                        <a:rPr lang="ko-KR" altLang="en-US" sz="1800" b="0" i="0" u="none" strike="noStrike" noProof="0" dirty="0"/>
+                        <a:t>월</a:t>
+                      </a:r>
+                      <a:endParaRPr lang="ko-KR" dirty="0"/>
+                    </a:p>
+                  </a:txBody>
+                  <a:tcPr anchor="ctr"/>
+                </a:tc>
+                <a:tc>
+                  <a:txBody>
+                    <a:bodyPr/>
+                    <a:lstStyle/>
+                    <a:p>
+                      <a:pPr lvl="0" algn="ctr">
+                        <a:buNone/>
+                      </a:pPr>
+                      <a:r>
+                        <a:rPr lang="ko-KR" altLang="en-US" sz="1800" b="0" i="0" u="none" strike="noStrike" noProof="0" dirty="0">
+                          <a:latin typeface="맑은 고딕"/>
+                          <a:ea typeface="맑은 고딕"/>
+                        </a:rPr>
+                        <a:t>일일 송신 </a:t>
+                      </a:r>
+                      <a:r>
+                        <a:rPr lang="en-US" altLang="ko-KR" sz="1800" b="0" i="0" u="none" strike="noStrike" noProof="0" dirty="0">
+                          <a:latin typeface="맑은 고딕"/>
+                          <a:ea typeface="맑은 고딕"/>
+                        </a:rPr>
+                        <a:t>20KB/DAU</a:t>
+                      </a:r>
+                      <a:r>
+                        <a:rPr lang="ko-KR" altLang="en-US" sz="1800" b="0" i="0" u="none" strike="noStrike" noProof="0" dirty="0">
+                          <a:latin typeface="맑은 고딕"/>
+                          <a:ea typeface="맑은 고딕"/>
+                        </a:rPr>
+                        <a:t>*</a:t>
+                      </a:r>
+                      <a:r>
+                        <a:rPr lang="en-US" altLang="ko-KR" sz="1800" b="0" i="0" u="none" strike="noStrike" noProof="0" dirty="0">
+                          <a:latin typeface="맑은 고딕"/>
+                          <a:ea typeface="맑은 고딕"/>
+                        </a:rPr>
+                        <a:t>5,000</a:t>
+                      </a:r>
+                      <a:r>
+                        <a:rPr lang="ko-KR" altLang="en-US" sz="1800" b="0" i="0" u="none" strike="noStrike" noProof="0" dirty="0">
+                          <a:latin typeface="맑은 고딕"/>
+                          <a:ea typeface="맑은 고딕"/>
+                        </a:rPr>
+                        <a:t> </a:t>
+                      </a:r>
+                      <a:r>
+                        <a:rPr lang="en-US" altLang="ko-KR" sz="1800" b="0" i="0" u="none" strike="noStrike" noProof="0" dirty="0">
+                          <a:latin typeface="맑은 고딕"/>
+                          <a:ea typeface="맑은 고딕"/>
+                        </a:rPr>
+                        <a:t>DAU</a:t>
+                      </a:r>
+                      <a:endParaRPr lang="ko-KR"/>
+                    </a:p>
+                  </a:txBody>
+                  <a:tcPr anchor="ctr"/>
+                </a:tc>
+                <a:tc gridSpan="2">
+                  <a:txBody>
+                    <a:bodyPr/>
+                    <a:lstStyle/>
+                    <a:p>
+                      <a:pPr lvl="0" algn="ctr">
+                        <a:lnSpc>
+                          <a:spcPct val="100000"/>
+                        </a:lnSpc>
+                        <a:spcBef>
+                          <a:spcPts val="0"/>
+                        </a:spcBef>
+                        <a:spcAft>
+                          <a:spcPts val="0"/>
+                        </a:spcAft>
+                        <a:buNone/>
+                      </a:pPr>
+                      <a:r>
+                        <a:rPr lang="en-US" sz="1800" b="0" i="0" u="none" strike="noStrike" noProof="0" dirty="0" err="1">
+                          <a:latin typeface="맑은 고딕"/>
+                        </a:rPr>
+                        <a:t>일일</a:t>
+                      </a:r>
+                      <a:r>
+                        <a:rPr lang="en-US" altLang="ko-KR" sz="1800" b="0" i="0" u="none" strike="noStrike" noProof="0" dirty="0">
+                          <a:latin typeface="맑은 고딕"/>
+                        </a:rPr>
+                        <a:t> </a:t>
+                      </a:r>
+                      <a:r>
+                        <a:rPr lang="en-US" sz="1800" b="0" i="0" u="none" strike="noStrike" noProof="0" dirty="0" err="1">
+                          <a:latin typeface="맑은 고딕"/>
+                        </a:rPr>
+                        <a:t>송신</a:t>
+                      </a:r>
+                      <a:r>
+                        <a:rPr lang="en-US" sz="1800" b="0" i="0" u="none" strike="noStrike" noProof="0" dirty="0">
+                          <a:latin typeface="맑은 고딕"/>
+                        </a:rPr>
+                        <a:t> 100MB</a:t>
+                      </a:r>
+                      <a:r>
+                        <a:rPr lang="en-US" altLang="ko-KR" sz="1800" b="0" i="0" u="none" strike="noStrike" noProof="0" dirty="0">
+                          <a:latin typeface="맑은 고딕"/>
+                        </a:rPr>
+                        <a:t>*</a:t>
+                      </a:r>
+                      <a:r>
+                        <a:rPr lang="en-US" sz="1800" b="0" i="0" u="none" strike="noStrike" noProof="0" dirty="0">
+                          <a:latin typeface="맑은 고딕"/>
+                        </a:rPr>
+                        <a:t>30</a:t>
+                      </a:r>
+                      <a:endParaRPr lang="ko-KR" altLang="en-US">
+                        <a:latin typeface="맑은 고딕"/>
+                      </a:endParaRPr>
+                    </a:p>
+                    <a:p>
+                      <a:pPr lvl="0" algn="ctr">
+                        <a:buNone/>
+                      </a:pPr>
+                      <a:endParaRPr lang="ko-KR" altLang="en-US" sz="1800" b="0" i="0" u="none" strike="noStrike" noProof="0" dirty="0">
+                        <a:latin typeface="맑은 고딕"/>
+                        <a:ea typeface="맑은 고딕"/>
+                      </a:endParaRPr>
+                    </a:p>
+                  </a:txBody>
+                  <a:tcPr anchor="ctr"/>
+                </a:tc>
+                <a:tc hMerge="1">
+                  <a:txBody>
+                    <a:bodyPr/>
+                    <a:lstStyle/>
+                    <a:p>
+                      <a:pPr lvl="0" algn="ctr">
+                        <a:buNone/>
+                      </a:pPr>
+                      <a:endParaRPr lang="ko-KR" altLang="en-US" sz="1800" b="0" i="0" u="none" strike="noStrike" noProof="0" dirty="0">
+                        <a:latin typeface="맑은 고딕"/>
+                        <a:ea typeface="맑은 고딕"/>
+                      </a:endParaRPr>
+                    </a:p>
+                  </a:txBody>
+                  <a:tcPr anchor="ctr"/>
+                </a:tc>
+                <a:tc>
+                  <a:txBody>
+                    <a:bodyPr/>
+                    <a:lstStyle/>
+                    <a:p>
+                      <a:pPr lvl="0" algn="ctr">
+                        <a:buNone/>
+                      </a:pPr>
+                      <a:r>
+                        <a:rPr lang="ko-KR" altLang="en-US" sz="1800" b="0" i="0" u="none" strike="noStrike" noProof="0" dirty="0">
+                          <a:latin typeface="맑은 고딕"/>
+                          <a:ea typeface="맑은 고딕"/>
+                        </a:rPr>
+                        <a:t>월간 네트워크 송신 </a:t>
+                      </a:r>
+                      <a:r>
+                        <a:rPr lang="en-US" altLang="ko-KR" sz="1800" b="0" i="0" u="none" strike="noStrike" noProof="0" dirty="0">
+                          <a:latin typeface="맑은 고딕"/>
+                          <a:ea typeface="맑은 고딕"/>
+                        </a:rPr>
+                        <a:t>3GB</a:t>
+                      </a:r>
+                      <a:endParaRPr lang="ko-KR" altLang="en-US" dirty="0"/>
+                    </a:p>
+                  </a:txBody>
+                  <a:tcPr anchor="ctr"/>
+                </a:tc>
+                <a:extLst>
+                  <a:ext uri="{0D108BD9-81ED-4DB2-BD59-A6C34878D82A}">
+                    <a16:rowId xmlns:a16="http://schemas.microsoft.com/office/drawing/2014/main" val="1689873716"/>
+                  </a:ext>
+                </a:extLst>
+              </a:tr>
+              <a:tr h="367187">
+                <a:tc vMerge="1">
+                  <a:txBody>
+                    <a:bodyPr/>
+                    <a:lstStyle/>
+                    <a:p>
+                      <a:endParaRPr lang="ko-KR"/>
+                    </a:p>
+                  </a:txBody>
+                  <a:tcPr anchor="ctr"/>
+                </a:tc>
+                <a:tc gridSpan="4">
+                  <a:txBody>
+                    <a:bodyPr/>
+                    <a:lstStyle/>
+                    <a:p>
+                      <a:pPr lvl="0" algn="ctr">
+                        <a:buNone/>
+                      </a:pPr>
+                      <a:r>
+                        <a:rPr lang="ko-KR" sz="1800" b="0" i="0" u="none" strike="noStrike" noProof="0" dirty="0">
+                          <a:latin typeface="맑은 고딕"/>
+                          <a:ea typeface="맑은 고딕"/>
+                        </a:rPr>
+                        <a:t>무료 송신 3GB = 무료</a:t>
+                      </a:r>
+                      <a:r>
+                        <a:rPr lang="ko-KR" sz="1800" b="0" i="0" u="none" strike="noStrike" baseline="30000" noProof="0" dirty="0">
+                          <a:latin typeface="맑은 고딕"/>
+                          <a:ea typeface="맑은 고딕"/>
+                        </a:rPr>
+                        <a:t>1</a:t>
+                      </a:r>
+                      <a:endParaRPr lang="ko-KR" dirty="0"/>
+                    </a:p>
+                  </a:txBody>
+                  <a:tcPr anchor="ctr"/>
+                </a:tc>
+                <a:tc hMerge="1">
+                  <a:txBody>
+                    <a:bodyPr/>
+                    <a:lstStyle/>
+                    <a:p>
+                      <a:endParaRPr lang="ko-KR"/>
+                    </a:p>
+                  </a:txBody>
+                  <a:tcPr anchor="ctr"/>
+                </a:tc>
+                <a:tc hMerge="1">
+                  <a:txBody>
+                    <a:bodyPr/>
+                    <a:lstStyle/>
+                    <a:p>
+                      <a:pPr latinLnBrk="1"/>
+                      <a:endParaRPr lang="ko-KR" altLang="en-US"/>
+                    </a:p>
+                  </a:txBody>
+                  <a:tcPr/>
+                </a:tc>
+                <a:tc hMerge="1">
+                  <a:txBody>
+                    <a:bodyPr/>
+                    <a:lstStyle/>
+                    <a:p>
+                      <a:endParaRPr lang="ko-KR"/>
+                    </a:p>
+                  </a:txBody>
+                  <a:tcPr anchor="ctr"/>
+                </a:tc>
+                <a:extLst>
+                  <a:ext uri="{0D108BD9-81ED-4DB2-BD59-A6C34878D82A}">
+                    <a16:rowId xmlns:a16="http://schemas.microsoft.com/office/drawing/2014/main" val="647626902"/>
+                  </a:ext>
+                </a:extLst>
+              </a:tr>
+              <a:tr h="1634857">
+                <a:tc vMerge="1">
+                  <a:txBody>
+                    <a:bodyPr/>
+                    <a:lstStyle/>
+                    <a:p>
+                      <a:pPr latinLnBrk="1"/>
+                      <a:endParaRPr lang="ko-KR" altLang="en-US"/>
+                    </a:p>
+                  </a:txBody>
+                  <a:tcPr/>
+                </a:tc>
+                <a:tc>
+                  <a:txBody>
+                    <a:bodyPr/>
+                    <a:lstStyle/>
+                    <a:p>
+                      <a:pPr lvl="0" algn="ctr">
+                        <a:buNone/>
+                      </a:pPr>
+                      <a:r>
+                        <a:rPr lang="en-US" sz="1800" b="0" i="0" u="none" strike="noStrike" noProof="0" dirty="0" err="1"/>
+                        <a:t>일일</a:t>
+                      </a:r>
+                      <a:r>
+                        <a:rPr lang="en-US" sz="1800" b="0" i="0" u="none" strike="noStrike" noProof="0" dirty="0"/>
+                        <a:t> </a:t>
+                      </a:r>
+                      <a:r>
+                        <a:rPr lang="en-US" sz="1800" b="0" i="0" u="none" strike="noStrike" noProof="0" dirty="0" err="1"/>
+                        <a:t>메시지</a:t>
+                      </a:r>
+                      <a:r>
+                        <a:rPr lang="en-US" sz="1800" b="0" i="0" u="none" strike="noStrike" noProof="0" dirty="0"/>
+                        <a:t> </a:t>
+                      </a:r>
+                      <a:r>
+                        <a:rPr lang="en-US" sz="1800" b="0" i="0" u="none" strike="noStrike" noProof="0" dirty="0" err="1"/>
+                        <a:t>저장소</a:t>
+                      </a:r>
+                      <a:r>
+                        <a:rPr lang="en-US" sz="1800" b="0" i="0" u="none" strike="noStrike" noProof="0" dirty="0"/>
+                        <a:t> 15KB/</a:t>
+                      </a:r>
+                      <a:r>
+                        <a:rPr lang="en-US" sz="1800" b="0" i="0" u="none" strike="noStrike" noProof="0" dirty="0" err="1"/>
+                        <a:t>DAU+저장소</a:t>
+                      </a:r>
+                      <a:r>
+                        <a:rPr lang="en-US" sz="1800" b="0" i="0" u="none" strike="noStrike" noProof="0" dirty="0"/>
+                        <a:t> 3KB/설치</a:t>
+                      </a:r>
+                      <a:r>
+                        <a:rPr lang="en-US" sz="1800" b="0" i="0" u="none" strike="noStrike" baseline="30000" noProof="0" dirty="0"/>
+                        <a:t>2</a:t>
+                      </a:r>
+                      <a:endParaRPr lang="ko-KR" altLang="en-US" dirty="0"/>
+                    </a:p>
+                  </a:txBody>
+                  <a:tcPr anchor="ctr"/>
+                </a:tc>
+                <a:tc>
+                  <a:txBody>
+                    <a:bodyPr/>
+                    <a:lstStyle/>
+                    <a:p>
+                      <a:pPr lvl="0" algn="ctr">
+                        <a:buNone/>
+                      </a:pPr>
+                      <a:r>
+                        <a:rPr lang="en-US" sz="1800" b="0" i="0" u="none" strike="noStrike" noProof="0" dirty="0" err="1"/>
+                        <a:t>저장소</a:t>
+                      </a:r>
+                      <a:r>
+                        <a:rPr lang="en-US" sz="1800" b="0" i="0" u="none" strike="noStrike" noProof="0" dirty="0"/>
+                        <a:t> 45KB/DAU*5,000 DAU</a:t>
+                      </a:r>
+                      <a:endParaRPr lang="ko-KR" altLang="en-US" dirty="0"/>
+                    </a:p>
+                  </a:txBody>
+                  <a:tcPr anchor="ctr"/>
+                </a:tc>
+                <a:tc>
+                  <a:txBody>
+                    <a:bodyPr/>
+                    <a:lstStyle/>
+                    <a:p>
+                      <a:pPr lvl="0" algn="ctr">
+                        <a:buNone/>
+                      </a:pPr>
+                      <a:r>
+                        <a:rPr lang="en-US" sz="1800" b="0" i="0" u="none" strike="noStrike" noProof="0" dirty="0" err="1"/>
+                        <a:t>일일</a:t>
+                      </a:r>
+                      <a:r>
+                        <a:rPr lang="en-US" sz="1800" b="0" i="0" u="none" strike="noStrike" noProof="0" dirty="0"/>
+                        <a:t> </a:t>
+                      </a:r>
+                      <a:r>
+                        <a:rPr lang="en-US" sz="1800" b="0" i="0" u="none" strike="noStrike" noProof="0" dirty="0" err="1"/>
+                        <a:t>저장소</a:t>
+                      </a:r>
+                      <a:r>
+                        <a:rPr lang="en-US" sz="1800" b="0" i="0" u="none" strike="noStrike" noProof="0" dirty="0"/>
+                        <a:t> 225MB/DAU*30</a:t>
+                      </a:r>
+                      <a:endParaRPr lang="ko-KR" altLang="en-US" dirty="0"/>
+                    </a:p>
+                  </a:txBody>
+                  <a:tcPr anchor="ctr"/>
+                </a:tc>
+                <a:tc>
+                  <a:txBody>
+                    <a:bodyPr/>
+                    <a:lstStyle/>
+                    <a:p>
+                      <a:pPr lvl="0" algn="ctr">
+                        <a:buNone/>
+                      </a:pPr>
+                      <a:r>
+                        <a:rPr lang="en-US" sz="1800" b="0" i="0" u="none" strike="noStrike" noProof="0" dirty="0" err="1"/>
+                        <a:t>월간</a:t>
+                      </a:r>
+                      <a:r>
+                        <a:rPr lang="en-US" sz="1800" b="0" i="0" u="none" strike="noStrike" noProof="0" dirty="0"/>
+                        <a:t> </a:t>
+                      </a:r>
+                      <a:r>
+                        <a:rPr lang="en-US" sz="1800" b="0" i="0" u="none" strike="noStrike" noProof="0" dirty="0" err="1"/>
+                        <a:t>저장소</a:t>
+                      </a:r>
+                      <a:r>
+                        <a:rPr lang="en-US" sz="1800" b="0" i="0" u="none" strike="noStrike" noProof="0" dirty="0"/>
+                        <a:t> </a:t>
+                      </a:r>
+                      <a:r>
+                        <a:rPr lang="en-US" sz="1800" b="0" i="0" u="none" strike="noStrike" noProof="0" dirty="0" err="1"/>
+                        <a:t>사용량</a:t>
+                      </a:r>
+                      <a:r>
+                        <a:rPr lang="en-US" sz="1800" b="0" i="0" u="none" strike="noStrike" noProof="0" dirty="0"/>
+                        <a:t> 6.75GB</a:t>
+                      </a:r>
+                      <a:endParaRPr lang="ko-KR" altLang="en-US" dirty="0"/>
+                    </a:p>
+                  </a:txBody>
+                  <a:tcPr anchor="ctr"/>
+                </a:tc>
+                <a:extLst>
+                  <a:ext uri="{0D108BD9-81ED-4DB2-BD59-A6C34878D82A}">
+                    <a16:rowId xmlns:a16="http://schemas.microsoft.com/office/drawing/2014/main" val="1074474773"/>
+                  </a:ext>
+                </a:extLst>
+              </a:tr>
+              <a:tr h="463355">
+                <a:tc vMerge="1">
+                  <a:txBody>
+                    <a:bodyPr/>
+                    <a:lstStyle/>
+                    <a:p>
+                      <a:endParaRPr lang="ko-KR"/>
+                    </a:p>
+                  </a:txBody>
+                  <a:tcPr anchor="ctr"/>
+                </a:tc>
+                <a:tc gridSpan="4">
+                  <a:txBody>
+                    <a:bodyPr/>
+                    <a:lstStyle/>
+                    <a:p>
+                      <a:pPr lvl="0" algn="ctr">
+                        <a:buNone/>
+                      </a:pPr>
+                      <a:r>
+                        <a:rPr lang="ko-KR" sz="1800" b="0" i="0" u="none" strike="noStrike" noProof="0" dirty="0"/>
+                        <a:t>무료 저장소 1GB</a:t>
+                      </a:r>
+                      <a:r>
+                        <a:rPr lang="en-US" altLang="ko-KR" sz="1800" b="0" i="0" u="none" strike="noStrike" noProof="0" dirty="0"/>
+                        <a:t>+(</a:t>
+                      </a:r>
+                      <a:r>
+                        <a:rPr lang="ko-KR" sz="1800" b="0" i="0" u="none" strike="noStrike" noProof="0" dirty="0"/>
+                        <a:t>5.75*$0.18) </a:t>
+                      </a:r>
+                      <a:r>
+                        <a:rPr lang="en-US" altLang="ko-KR" sz="1800" b="0" i="0" u="none" strike="noStrike" noProof="0" dirty="0"/>
+                        <a:t>=</a:t>
+                      </a:r>
+                      <a:r>
+                        <a:rPr lang="ko-KR" sz="1800" b="0" i="0" u="none" strike="noStrike" noProof="0" dirty="0"/>
+                        <a:t> </a:t>
+                      </a:r>
+                      <a:r>
+                        <a:rPr lang="en-US" altLang="ko-KR" sz="1800" b="0" i="0" u="none" strike="noStrike" noProof="0" dirty="0"/>
+                        <a:t>$1.04/</a:t>
+                      </a:r>
+                      <a:r>
+                        <a:rPr lang="ko-KR" altLang="en-US" sz="1800" b="0" i="0" u="none" strike="noStrike" noProof="0" dirty="0"/>
+                        <a:t>월</a:t>
+                      </a:r>
+                      <a:endParaRPr lang="ko-KR" dirty="0"/>
+                    </a:p>
+                  </a:txBody>
+                  <a:tcPr anchor="ctr"/>
+                </a:tc>
+                <a:tc hMerge="1">
+                  <a:txBody>
+                    <a:bodyPr/>
+                    <a:lstStyle/>
+                    <a:p>
+                      <a:endParaRPr lang="ko-KR"/>
+                    </a:p>
+                  </a:txBody>
+                  <a:tcPr anchor="ctr"/>
+                </a:tc>
+                <a:tc hMerge="1">
+                  <a:txBody>
+                    <a:bodyPr/>
+                    <a:lstStyle/>
+                    <a:p>
+                      <a:pPr lvl="0" algn="ctr">
+                        <a:buNone/>
+                      </a:pPr>
+                      <a:endParaRPr lang="ko-KR" altLang="en-US"/>
+                    </a:p>
+                  </a:txBody>
+                  <a:tcPr anchor="ctr"/>
+                </a:tc>
+                <a:tc hMerge="1">
+                  <a:txBody>
+                    <a:bodyPr/>
+                    <a:lstStyle/>
+                    <a:p>
+                      <a:endParaRPr lang="ko-KR"/>
+                    </a:p>
+                  </a:txBody>
+                  <a:tcPr anchor="ctr"/>
+                </a:tc>
+                <a:extLst>
+                  <a:ext uri="{0D108BD9-81ED-4DB2-BD59-A6C34878D82A}">
+                    <a16:rowId xmlns:a16="http://schemas.microsoft.com/office/drawing/2014/main" val="3887483648"/>
+                  </a:ext>
+                </a:extLst>
+              </a:tr>
+            </a:tbl>
+          </a:graphicData>
+        </a:graphic>
+      </p:graphicFrame>
+      <p:sp>
+        <p:nvSpPr>
+          <p:cNvPr id="12" name="TextBox 11">
+            <a:extLst>
+              <a:ext uri="{FF2B5EF4-FFF2-40B4-BE49-F238E27FC236}">
+                <a16:creationId xmlns:a16="http://schemas.microsoft.com/office/drawing/2014/main" id="{4BC43630-2E32-4CA7-A54B-5BC10A145497}"/>
+              </a:ext>
+            </a:extLst>
+          </p:cNvPr>
+          <p:cNvSpPr txBox="1"/>
+          <p:nvPr/>
+        </p:nvSpPr>
+        <p:spPr>
+          <a:xfrm>
+            <a:off x="755458" y="5492711"/>
+            <a:ext cx="10840596" cy="369332"/>
+          </a:xfrm>
+          <a:prstGeom prst="rect">
+            <a:avLst/>
+          </a:prstGeom>
+          <a:noFill/>
+        </p:spPr>
+        <p:txBody>
+          <a:bodyPr rot="0" spcFirstLastPara="0" vertOverflow="overflow" horzOverflow="overflow" vert="horz" wrap="square" lIns="91440" tIns="45720" rIns="91440" bIns="45720" numCol="1" spcCol="0" rtlCol="0" fromWordArt="0" anchor="t" anchorCtr="0" forceAA="0" compatLnSpc="1">
+            <a:prstTxWarp prst="textNoShape">
+              <a:avLst/>
+            </a:prstTxWarp>
+            <a:spAutoFit/>
+          </a:bodyPr>
+          <a:lstStyle/>
+          <a:p>
+            <a:pPr algn="l"/>
+            <a:r>
+              <a:rPr lang="ko-KR" altLang="en-US" dirty="0" err="1">
+                <a:ea typeface="맑은 고딕"/>
+              </a:rPr>
+              <a:t>ㅇ</a:t>
+            </a:r>
+            <a:endParaRPr lang="ko-KR" altLang="en-US" dirty="0" err="1"/>
+          </a:p>
+        </p:txBody>
+      </p:sp>
+    </p:spTree>
+    <p:extLst>
+      <p:ext uri="{BB962C8B-B14F-4D97-AF65-F5344CB8AC3E}">
+        <p14:creationId xmlns:p14="http://schemas.microsoft.com/office/powerpoint/2010/main" val="309405295"/>
+      </p:ext>
+    </p:extLst>
+  </p:cSld>
+  <p:clrMapOvr>
+    <a:masterClrMapping/>
+  </p:clrMapOvr>
+</p:sld>
+</file>
+
+<file path=ppt/slides/slide13.xml><?xml version="1.0" encoding="utf-8"?>
+<p:sld xmlns:a="http://schemas.openxmlformats.org/drawingml/2006/main" xmlns:r="http://schemas.openxmlformats.org/officeDocument/2006/relationships" xmlns:p="http://schemas.openxmlformats.org/presentationml/2006/main">
+  <p:cSld>
+    <p:spTree>
+      <p:nvGrpSpPr>
+        <p:cNvPr id="1" name=""/>
+        <p:cNvGrpSpPr/>
+        <p:nvPr/>
+      </p:nvGrpSpPr>
+      <p:grpSpPr>
+        <a:xfrm>
+          <a:off x="0" y="0"/>
+          <a:ext cx="0" cy="0"/>
+          <a:chOff x="0" y="0"/>
+          <a:chExt cx="0" cy="0"/>
+        </a:xfrm>
+      </p:grpSpPr>
+      <p:sp>
+        <p:nvSpPr>
+          <p:cNvPr id="2" name="제목 1">
+            <a:extLst>
+              <a:ext uri="{FF2B5EF4-FFF2-40B4-BE49-F238E27FC236}">
+                <a16:creationId xmlns:a16="http://schemas.microsoft.com/office/drawing/2014/main" id="{05C94654-70EF-4A98-8C88-B2E338F7E6D0}"/>
+              </a:ext>
+            </a:extLst>
+          </p:cNvPr>
+          <p:cNvSpPr>
+            <a:spLocks noGrp="1"/>
+          </p:cNvSpPr>
+          <p:nvPr>
+            <p:ph type="title"/>
+          </p:nvPr>
+        </p:nvSpPr>
+        <p:spPr/>
+        <p:txBody>
+          <a:bodyPr/>
+          <a:lstStyle/>
+          <a:p>
+            <a:r>
+              <a:rPr lang="ko-KR" altLang="en-US">
+                <a:ea typeface="맑은 고딕"/>
+              </a:rPr>
+              <a:t>GCP기반 Firebase/ Firestore</a:t>
+            </a:r>
+          </a:p>
+        </p:txBody>
+      </p:sp>
+      <p:sp>
+        <p:nvSpPr>
+          <p:cNvPr id="6" name="직사각형 5">
+            <a:extLst>
+              <a:ext uri="{FF2B5EF4-FFF2-40B4-BE49-F238E27FC236}">
+                <a16:creationId xmlns:a16="http://schemas.microsoft.com/office/drawing/2014/main" id="{9715AA52-566E-4794-BE22-2DB58A3C278B}"/>
+              </a:ext>
+            </a:extLst>
+          </p:cNvPr>
+          <p:cNvSpPr/>
+          <p:nvPr/>
+        </p:nvSpPr>
+        <p:spPr>
+          <a:xfrm>
+            <a:off x="1669065" y="2495346"/>
+            <a:ext cx="1622611" cy="1021976"/>
+          </a:xfrm>
+          <a:prstGeom prst="rect">
+            <a:avLst/>
+          </a:prstGeom>
+        </p:spPr>
+        <p:style>
+          <a:lnRef idx="2">
+            <a:schemeClr val="accent1">
+              <a:shade val="50000"/>
+            </a:schemeClr>
+          </a:lnRef>
+          <a:fillRef idx="1">
+            <a:schemeClr val="accent1"/>
+          </a:fillRef>
+          <a:effectRef idx="0">
+            <a:schemeClr val="accent1"/>
+          </a:effectRef>
+          <a:fontRef idx="minor">
+            <a:schemeClr val="lt1"/>
+          </a:fontRef>
+        </p:style>
+        <p:txBody>
+          <a:bodyPr rtlCol="0" anchor="ctr"/>
+          <a:lstStyle/>
+          <a:p>
+            <a:pPr algn="ctr"/>
+            <a:r>
+              <a:rPr lang="ko-KR" altLang="en-US" dirty="0">
+                <a:ea typeface="맑은 고딕"/>
+              </a:rPr>
+              <a:t>클라이언트</a:t>
+            </a:r>
+          </a:p>
+        </p:txBody>
+      </p:sp>
+      <p:sp>
+        <p:nvSpPr>
+          <p:cNvPr id="14" name="사각형: 둥근 모서리 13">
+            <a:extLst>
+              <a:ext uri="{FF2B5EF4-FFF2-40B4-BE49-F238E27FC236}">
+                <a16:creationId xmlns:a16="http://schemas.microsoft.com/office/drawing/2014/main" id="{A0463B50-7D89-4BA1-A9A5-3492C7F1EE63}"/>
+              </a:ext>
+            </a:extLst>
+          </p:cNvPr>
+          <p:cNvSpPr/>
+          <p:nvPr/>
+        </p:nvSpPr>
+        <p:spPr>
+          <a:xfrm>
+            <a:off x="7813504" y="2370298"/>
+            <a:ext cx="2087757" cy="1120588"/>
+          </a:xfrm>
+          <a:prstGeom prst="roundRect">
+            <a:avLst/>
+          </a:prstGeom>
+        </p:spPr>
+        <p:style>
+          <a:lnRef idx="0">
+            <a:schemeClr val="accent2"/>
+          </a:lnRef>
+          <a:fillRef idx="3">
+            <a:schemeClr val="accent2"/>
+          </a:fillRef>
+          <a:effectRef idx="3">
+            <a:schemeClr val="accent2"/>
+          </a:effectRef>
+          <a:fontRef idx="minor">
+            <a:schemeClr val="lt1"/>
+          </a:fontRef>
+        </p:style>
+        <p:txBody>
+          <a:bodyPr rtlCol="0" anchor="ctr"/>
+          <a:lstStyle/>
+          <a:p>
+            <a:pPr algn="ctr"/>
+            <a:r>
+              <a:rPr lang="ko-KR" altLang="en-US">
+                <a:ea typeface="맑은 고딕"/>
+              </a:rPr>
+              <a:t>Cloud</a:t>
+            </a:r>
+            <a:endParaRPr lang="ko-KR" altLang="en-US" dirty="0">
+              <a:ea typeface="맑은 고딕"/>
+            </a:endParaRPr>
+          </a:p>
+          <a:p>
+            <a:pPr algn="ctr"/>
+            <a:r>
+              <a:rPr lang="ko-KR" altLang="en-US">
+                <a:ea typeface="맑은 고딕"/>
+              </a:rPr>
+              <a:t>Firestore</a:t>
+            </a:r>
+            <a:endParaRPr lang="ko-KR" altLang="en-US" dirty="0">
+              <a:ea typeface="맑은 고딕"/>
+            </a:endParaRPr>
+          </a:p>
+        </p:txBody>
+      </p:sp>
+      <p:sp>
+        <p:nvSpPr>
+          <p:cNvPr id="18" name="사각형: 둥근 모서리 17">
+            <a:extLst>
+              <a:ext uri="{FF2B5EF4-FFF2-40B4-BE49-F238E27FC236}">
+                <a16:creationId xmlns:a16="http://schemas.microsoft.com/office/drawing/2014/main" id="{BCE36FF8-0B9E-42BE-820D-850B5D348766}"/>
+              </a:ext>
+            </a:extLst>
+          </p:cNvPr>
+          <p:cNvSpPr/>
+          <p:nvPr/>
+        </p:nvSpPr>
+        <p:spPr>
+          <a:xfrm>
+            <a:off x="4964663" y="2448230"/>
+            <a:ext cx="1550894" cy="1120588"/>
+          </a:xfrm>
+          <a:prstGeom prst="roundRect">
+            <a:avLst/>
+          </a:prstGeom>
+        </p:spPr>
+        <p:style>
+          <a:lnRef idx="0">
+            <a:schemeClr val="accent2"/>
+          </a:lnRef>
+          <a:fillRef idx="3">
+            <a:schemeClr val="accent2"/>
+          </a:fillRef>
+          <a:effectRef idx="3">
+            <a:schemeClr val="accent2"/>
+          </a:effectRef>
+          <a:fontRef idx="minor">
+            <a:schemeClr val="lt1"/>
+          </a:fontRef>
+        </p:style>
+        <p:txBody>
+          <a:bodyPr rtlCol="0" anchor="ctr"/>
+          <a:lstStyle/>
+          <a:p>
+            <a:pPr algn="ctr"/>
+            <a:r>
+              <a:rPr lang="ko-KR" altLang="en-US">
+                <a:ea typeface="맑은 고딕"/>
+              </a:rPr>
+              <a:t>Cloud</a:t>
+            </a:r>
+            <a:endParaRPr lang="ko-KR" altLang="en-US" dirty="0">
+              <a:ea typeface="맑은 고딕"/>
+            </a:endParaRPr>
+          </a:p>
+          <a:p>
+            <a:pPr algn="ctr"/>
+            <a:r>
+              <a:rPr lang="ko-KR" altLang="en-US">
+                <a:ea typeface="맑은 고딕"/>
+              </a:rPr>
+              <a:t>Firebase</a:t>
+            </a:r>
+            <a:endParaRPr lang="ko-KR"/>
+          </a:p>
+        </p:txBody>
+      </p:sp>
+      <p:sp>
+        <p:nvSpPr>
+          <p:cNvPr id="19" name="사각형: 둥근 모서리 18">
+            <a:extLst>
+              <a:ext uri="{FF2B5EF4-FFF2-40B4-BE49-F238E27FC236}">
+                <a16:creationId xmlns:a16="http://schemas.microsoft.com/office/drawing/2014/main" id="{D84961CA-7AFE-451E-B079-68DE02986FB4}"/>
+              </a:ext>
+            </a:extLst>
+          </p:cNvPr>
+          <p:cNvSpPr/>
+          <p:nvPr/>
+        </p:nvSpPr>
+        <p:spPr>
+          <a:xfrm>
+            <a:off x="7813504" y="3894298"/>
+            <a:ext cx="1550894" cy="1120588"/>
+          </a:xfrm>
+          <a:prstGeom prst="roundRect">
+            <a:avLst/>
+          </a:prstGeom>
+        </p:spPr>
+        <p:style>
+          <a:lnRef idx="0">
+            <a:schemeClr val="accent2"/>
+          </a:lnRef>
+          <a:fillRef idx="3">
+            <a:schemeClr val="accent2"/>
+          </a:fillRef>
+          <a:effectRef idx="3">
+            <a:schemeClr val="accent2"/>
+          </a:effectRef>
+          <a:fontRef idx="minor">
+            <a:schemeClr val="lt1"/>
+          </a:fontRef>
+        </p:style>
+        <p:txBody>
+          <a:bodyPr rtlCol="0" anchor="ctr"/>
+          <a:lstStyle/>
+          <a:p>
+            <a:pPr algn="ctr"/>
+            <a:r>
+              <a:rPr lang="ko-KR" altLang="en-US">
+                <a:ea typeface="맑은 고딕"/>
+              </a:rPr>
+              <a:t>Cloud</a:t>
+            </a:r>
+            <a:endParaRPr lang="ko-KR">
+              <a:ea typeface="맑은 고딕" panose="020B0503020000020004" pitchFamily="34" charset="-127"/>
+            </a:endParaRPr>
+          </a:p>
+          <a:p>
+            <a:pPr algn="ctr"/>
+            <a:r>
+              <a:rPr lang="en-US" altLang="ko-KR">
+                <a:ea typeface="맑은 고딕"/>
+              </a:rPr>
+              <a:t>Auth</a:t>
+            </a:r>
+            <a:endParaRPr lang="ko-KR" altLang="en-US" dirty="0">
+              <a:ea typeface="맑은 고딕"/>
+            </a:endParaRPr>
+          </a:p>
+        </p:txBody>
+      </p:sp>
+      <p:cxnSp>
+        <p:nvCxnSpPr>
+          <p:cNvPr id="21" name="직선 화살표 연결선 20">
+            <a:extLst>
+              <a:ext uri="{FF2B5EF4-FFF2-40B4-BE49-F238E27FC236}">
+                <a16:creationId xmlns:a16="http://schemas.microsoft.com/office/drawing/2014/main" id="{CBBEFB83-E08F-4D3A-9F12-BDCB2F32F68E}"/>
+              </a:ext>
+            </a:extLst>
+          </p:cNvPr>
+          <p:cNvCxnSpPr>
+            <a:cxnSpLocks/>
+          </p:cNvCxnSpPr>
+          <p:nvPr/>
+        </p:nvCxnSpPr>
+        <p:spPr>
+          <a:xfrm>
+            <a:off x="6573573" y="3924094"/>
+            <a:ext cx="978683" cy="492041"/>
+          </a:xfrm>
+          <a:prstGeom prst="straightConnector1">
+            <a:avLst/>
+          </a:prstGeom>
+          <a:ln>
+            <a:tailEnd type="triangle"/>
+          </a:ln>
+        </p:spPr>
+        <p:style>
+          <a:lnRef idx="3">
+            <a:schemeClr val="dk1"/>
+          </a:lnRef>
+          <a:fillRef idx="0">
+            <a:schemeClr val="dk1"/>
+          </a:fillRef>
+          <a:effectRef idx="2">
+            <a:schemeClr val="dk1"/>
+          </a:effectRef>
+          <a:fontRef idx="minor">
+            <a:schemeClr val="tx1"/>
+          </a:fontRef>
+        </p:style>
+      </p:cxnSp>
+      <p:cxnSp>
+        <p:nvCxnSpPr>
+          <p:cNvPr id="22" name="직선 화살표 연결선 21">
+            <a:extLst>
+              <a:ext uri="{FF2B5EF4-FFF2-40B4-BE49-F238E27FC236}">
+                <a16:creationId xmlns:a16="http://schemas.microsoft.com/office/drawing/2014/main" id="{1C1DAE08-AC66-4383-B590-52B8F0C46794}"/>
+              </a:ext>
+            </a:extLst>
+          </p:cNvPr>
+          <p:cNvCxnSpPr>
+            <a:cxnSpLocks/>
+          </p:cNvCxnSpPr>
+          <p:nvPr/>
+        </p:nvCxnSpPr>
+        <p:spPr>
+          <a:xfrm flipH="1" flipV="1">
+            <a:off x="3551755" y="3212518"/>
+            <a:ext cx="1038885" cy="1529"/>
+          </a:xfrm>
+          <a:prstGeom prst="straightConnector1">
+            <a:avLst/>
+          </a:prstGeom>
+          <a:ln>
+            <a:tailEnd type="triangle"/>
+          </a:ln>
+        </p:spPr>
+        <p:style>
+          <a:lnRef idx="3">
+            <a:schemeClr val="dk1"/>
+          </a:lnRef>
+          <a:fillRef idx="0">
+            <a:schemeClr val="dk1"/>
+          </a:fillRef>
+          <a:effectRef idx="2">
+            <a:schemeClr val="dk1"/>
+          </a:effectRef>
+          <a:fontRef idx="minor">
+            <a:schemeClr val="tx1"/>
+          </a:fontRef>
+        </p:style>
+      </p:cxnSp>
+      <p:cxnSp>
+        <p:nvCxnSpPr>
+          <p:cNvPr id="23" name="직선 화살표 연결선 22">
+            <a:extLst>
+              <a:ext uri="{FF2B5EF4-FFF2-40B4-BE49-F238E27FC236}">
+                <a16:creationId xmlns:a16="http://schemas.microsoft.com/office/drawing/2014/main" id="{A28E20EF-860C-4328-9569-97B6B60E4403}"/>
+              </a:ext>
+            </a:extLst>
+          </p:cNvPr>
+          <p:cNvCxnSpPr>
+            <a:cxnSpLocks/>
+          </p:cNvCxnSpPr>
+          <p:nvPr/>
+        </p:nvCxnSpPr>
+        <p:spPr>
+          <a:xfrm flipV="1">
+            <a:off x="3534231" y="2857498"/>
+            <a:ext cx="1108569" cy="1526"/>
+          </a:xfrm>
+          <a:prstGeom prst="straightConnector1">
+            <a:avLst/>
+          </a:prstGeom>
+          <a:ln>
+            <a:tailEnd type="triangle"/>
+          </a:ln>
+        </p:spPr>
+        <p:style>
+          <a:lnRef idx="3">
+            <a:schemeClr val="dk1"/>
+          </a:lnRef>
+          <a:fillRef idx="0">
+            <a:schemeClr val="dk1"/>
+          </a:fillRef>
+          <a:effectRef idx="2">
+            <a:schemeClr val="dk1"/>
+          </a:effectRef>
+          <a:fontRef idx="minor">
+            <a:schemeClr val="tx1"/>
+          </a:fontRef>
+        </p:style>
+      </p:cxnSp>
+      <p:cxnSp>
+        <p:nvCxnSpPr>
+          <p:cNvPr id="24" name="직선 화살표 연결선 23">
+            <a:extLst>
+              <a:ext uri="{FF2B5EF4-FFF2-40B4-BE49-F238E27FC236}">
+                <a16:creationId xmlns:a16="http://schemas.microsoft.com/office/drawing/2014/main" id="{BCBB64F7-E331-497E-826B-856C19D4D858}"/>
+              </a:ext>
+            </a:extLst>
+          </p:cNvPr>
+          <p:cNvCxnSpPr>
+            <a:cxnSpLocks/>
+          </p:cNvCxnSpPr>
+          <p:nvPr/>
+        </p:nvCxnSpPr>
+        <p:spPr>
+          <a:xfrm flipV="1">
+            <a:off x="6746752" y="2857497"/>
+            <a:ext cx="848798" cy="1527"/>
+          </a:xfrm>
+          <a:prstGeom prst="straightConnector1">
+            <a:avLst/>
+          </a:prstGeom>
+          <a:ln>
+            <a:tailEnd type="triangle"/>
+          </a:ln>
+        </p:spPr>
+        <p:style>
+          <a:lnRef idx="3">
+            <a:schemeClr val="dk1"/>
+          </a:lnRef>
+          <a:fillRef idx="0">
+            <a:schemeClr val="dk1"/>
+          </a:fillRef>
+          <a:effectRef idx="2">
+            <a:schemeClr val="dk1"/>
+          </a:effectRef>
+          <a:fontRef idx="minor">
+            <a:schemeClr val="tx1"/>
+          </a:fontRef>
+        </p:style>
+      </p:cxnSp>
+      <p:cxnSp>
+        <p:nvCxnSpPr>
+          <p:cNvPr id="25" name="직선 화살표 연결선 24">
+            <a:extLst>
+              <a:ext uri="{FF2B5EF4-FFF2-40B4-BE49-F238E27FC236}">
+                <a16:creationId xmlns:a16="http://schemas.microsoft.com/office/drawing/2014/main" id="{062320EE-3EEF-430A-A1F8-329E8ABCE418}"/>
+              </a:ext>
+            </a:extLst>
+          </p:cNvPr>
+          <p:cNvCxnSpPr>
+            <a:cxnSpLocks/>
+          </p:cNvCxnSpPr>
+          <p:nvPr/>
+        </p:nvCxnSpPr>
+        <p:spPr>
+          <a:xfrm flipH="1" flipV="1">
+            <a:off x="6746960" y="3212519"/>
+            <a:ext cx="822409" cy="1527"/>
+          </a:xfrm>
+          <a:prstGeom prst="straightConnector1">
+            <a:avLst/>
+          </a:prstGeom>
+          <a:ln>
+            <a:tailEnd type="triangle"/>
+          </a:ln>
+        </p:spPr>
+        <p:style>
+          <a:lnRef idx="3">
+            <a:schemeClr val="dk1"/>
+          </a:lnRef>
+          <a:fillRef idx="0">
+            <a:schemeClr val="dk1"/>
+          </a:fillRef>
+          <a:effectRef idx="2">
+            <a:schemeClr val="dk1"/>
+          </a:effectRef>
+          <a:fontRef idx="minor">
+            <a:schemeClr val="tx1"/>
+          </a:fontRef>
+        </p:style>
+      </p:cxnSp>
+      <p:cxnSp>
+        <p:nvCxnSpPr>
+          <p:cNvPr id="31" name="직선 화살표 연결선 30">
+            <a:extLst>
+              <a:ext uri="{FF2B5EF4-FFF2-40B4-BE49-F238E27FC236}">
+                <a16:creationId xmlns:a16="http://schemas.microsoft.com/office/drawing/2014/main" id="{95045552-28C0-4EAE-8635-03FA7A4D84AF}"/>
+              </a:ext>
+            </a:extLst>
+          </p:cNvPr>
+          <p:cNvCxnSpPr>
+            <a:cxnSpLocks/>
+          </p:cNvCxnSpPr>
+          <p:nvPr/>
+        </p:nvCxnSpPr>
+        <p:spPr>
+          <a:xfrm flipH="1" flipV="1">
+            <a:off x="6790254" y="3610840"/>
+            <a:ext cx="839726" cy="460457"/>
+          </a:xfrm>
+          <a:prstGeom prst="straightConnector1">
+            <a:avLst/>
+          </a:prstGeom>
+          <a:ln>
+            <a:tailEnd type="triangle"/>
+          </a:ln>
+        </p:spPr>
+        <p:style>
+          <a:lnRef idx="3">
+            <a:schemeClr val="dk1"/>
+          </a:lnRef>
+          <a:fillRef idx="0">
+            <a:schemeClr val="dk1"/>
+          </a:fillRef>
+          <a:effectRef idx="2">
+            <a:schemeClr val="dk1"/>
+          </a:effectRef>
+          <a:fontRef idx="minor">
+            <a:schemeClr val="tx1"/>
+          </a:fontRef>
+        </p:style>
+      </p:cxnSp>
+    </p:spTree>
+    <p:extLst>
+      <p:ext uri="{BB962C8B-B14F-4D97-AF65-F5344CB8AC3E}">
+        <p14:creationId xmlns:p14="http://schemas.microsoft.com/office/powerpoint/2010/main" val="3116766577"/>
+      </p:ext>
+    </p:extLst>
+  </p:cSld>
+  <p:clrMapOvr>
+    <a:masterClrMapping/>
+  </p:clrMapOvr>
+</p:sld>
+</file>
+
 <file path=ppt/slides/slide2.xml><?xml version="1.0" encoding="utf-8"?>
 <p:sld xmlns:a="http://schemas.openxmlformats.org/drawingml/2006/main" xmlns:r="http://schemas.openxmlformats.org/officeDocument/2006/relationships" xmlns:p="http://schemas.openxmlformats.org/presentationml/2006/main">
   <p:cSld>
@@ -4886,7 +7241,7 @@
           <p:cNvPr id="2" name="제목 1">
             <a:extLst>
               <a:ext uri="{FF2B5EF4-FFF2-40B4-BE49-F238E27FC236}">
-                <a16:creationId xmlns:a16="http://schemas.microsoft.com/office/drawing/2014/main" id="{05C94654-70EF-4A98-8C88-B2E338F7E6D0}"/>
+                <a16:creationId xmlns:a16="http://schemas.microsoft.com/office/drawing/2014/main" id="{4FEBD717-7115-4BDE-AB32-780C8A39273A}"/>
               </a:ext>
             </a:extLst>
           </p:cNvPr>
@@ -4903,505 +7258,110 @@
           <a:lstStyle/>
           <a:p>
             <a:r>
-              <a:rPr lang="ko-KR" altLang="en-US">
+              <a:rPr lang="ko-KR" altLang="en-US" dirty="0" err="1">
                 <a:ea typeface="맑은 고딕"/>
               </a:rPr>
-              <a:t>GCP기반 Firebase/ Firestore</a:t>
-            </a:r>
-          </a:p>
-        </p:txBody>
-      </p:sp>
-      <p:sp>
-        <p:nvSpPr>
-          <p:cNvPr id="6" name="직사각형 5">
+              <a:t>Firestore의</a:t>
+            </a:r>
+            <a:r>
+              <a:rPr lang="ko-KR" altLang="en-US" dirty="0">
+                <a:ea typeface="맑은 고딕"/>
+              </a:rPr>
+              <a:t> 요금 계산</a:t>
+            </a:r>
+          </a:p>
+        </p:txBody>
+      </p:sp>
+      <p:sp>
+        <p:nvSpPr>
+          <p:cNvPr id="3" name="내용 개체 틀 2">
             <a:extLst>
               <a:ext uri="{FF2B5EF4-FFF2-40B4-BE49-F238E27FC236}">
-                <a16:creationId xmlns:a16="http://schemas.microsoft.com/office/drawing/2014/main" id="{9715AA52-566E-4794-BE22-2DB58A3C278B}"/>
+                <a16:creationId xmlns:a16="http://schemas.microsoft.com/office/drawing/2014/main" id="{FC2685EE-3FFB-4E55-BA76-ED0CBEEB8A76}"/>
               </a:ext>
             </a:extLst>
           </p:cNvPr>
-          <p:cNvSpPr/>
-          <p:nvPr/>
+          <p:cNvSpPr>
+            <a:spLocks noGrp="1"/>
+          </p:cNvSpPr>
+          <p:nvPr>
+            <p:ph sz="half" idx="1"/>
+          </p:nvPr>
         </p:nvSpPr>
         <p:spPr>
           <a:xfrm>
-            <a:off x="1669065" y="2495346"/>
-            <a:ext cx="1622611" cy="1021976"/>
+            <a:off x="838200" y="1825625"/>
+            <a:ext cx="10801349" cy="4351338"/>
           </a:xfrm>
-          <a:prstGeom prst="rect">
-            <a:avLst/>
-          </a:prstGeom>
         </p:spPr>
-        <p:style>
-          <a:lnRef idx="2">
-            <a:schemeClr val="accent1">
-              <a:shade val="50000"/>
-            </a:schemeClr>
-          </a:lnRef>
-          <a:fillRef idx="1">
-            <a:schemeClr val="accent1"/>
-          </a:fillRef>
-          <a:effectRef idx="0">
-            <a:schemeClr val="accent1"/>
-          </a:effectRef>
-          <a:fontRef idx="minor">
-            <a:schemeClr val="lt1"/>
-          </a:fontRef>
-        </p:style>
-        <p:txBody>
-          <a:bodyPr rtlCol="0" anchor="ctr"/>
-          <a:lstStyle/>
-          <a:p>
-            <a:pPr algn="ctr"/>
+        <p:txBody>
+          <a:bodyPr vert="horz" lIns="91440" tIns="45720" rIns="91440" bIns="45720" rtlCol="0" anchor="t">
+            <a:normAutofit/>
+          </a:bodyPr>
+          <a:lstStyle/>
+          <a:p>
             <a:r>
               <a:rPr lang="ko-KR" altLang="en-US" dirty="0">
                 <a:ea typeface="맑은 고딕"/>
               </a:rPr>
-              <a:t>클라이언트</a:t>
-            </a:r>
-          </a:p>
-        </p:txBody>
-      </p:sp>
-      <p:sp>
-        <p:nvSpPr>
-          <p:cNvPr id="14" name="사각형: 둥근 모서리 13">
-            <a:extLst>
-              <a:ext uri="{FF2B5EF4-FFF2-40B4-BE49-F238E27FC236}">
-                <a16:creationId xmlns:a16="http://schemas.microsoft.com/office/drawing/2014/main" id="{A0463B50-7D89-4BA1-A9A5-3492C7F1EE63}"/>
-              </a:ext>
-            </a:extLst>
-          </p:cNvPr>
-          <p:cNvSpPr/>
-          <p:nvPr/>
-        </p:nvSpPr>
-        <p:spPr>
-          <a:xfrm>
-            <a:off x="7813504" y="2370298"/>
-            <a:ext cx="2087757" cy="1120588"/>
-          </a:xfrm>
-          <a:prstGeom prst="roundRect">
-            <a:avLst/>
-          </a:prstGeom>
-        </p:spPr>
-        <p:style>
-          <a:lnRef idx="0">
-            <a:schemeClr val="accent2"/>
-          </a:lnRef>
-          <a:fillRef idx="3">
-            <a:schemeClr val="accent2"/>
-          </a:fillRef>
-          <a:effectRef idx="3">
-            <a:schemeClr val="accent2"/>
-          </a:effectRef>
-          <a:fontRef idx="minor">
-            <a:schemeClr val="lt1"/>
-          </a:fontRef>
-        </p:style>
-        <p:txBody>
-          <a:bodyPr rtlCol="0" anchor="ctr"/>
-          <a:lstStyle/>
-          <a:p>
-            <a:pPr algn="ctr"/>
-            <a:r>
-              <a:rPr lang="ko-KR" altLang="en-US">
-                <a:ea typeface="맑은 고딕"/>
-              </a:rPr>
-              <a:t>Cloud</a:t>
-            </a:r>
+              <a:t>사용자가 수행하는 읽기, 쓰기, 삭제 횟수</a:t>
+            </a:r>
+          </a:p>
+          <a:p>
             <a:endParaRPr lang="ko-KR" altLang="en-US" dirty="0">
               <a:ea typeface="맑은 고딕"/>
             </a:endParaRPr>
           </a:p>
           <a:p>
-            <a:pPr algn="ctr"/>
-            <a:r>
-              <a:rPr lang="ko-KR" altLang="en-US">
+            <a:r>
+              <a:rPr lang="ko-KR" altLang="en-US" dirty="0">
                 <a:ea typeface="맑은 고딕"/>
               </a:rPr>
-              <a:t>Firestore</a:t>
-            </a:r>
+              <a:t>메타데이터 및 색인에 대한 오버헤드 등의 데이터베이스에서 사용되는 저장 용량</a:t>
+            </a:r>
+          </a:p>
+          <a:p>
             <a:endParaRPr lang="ko-KR" altLang="en-US" dirty="0">
               <a:ea typeface="맑은 고딕"/>
             </a:endParaRPr>
           </a:p>
-        </p:txBody>
-      </p:sp>
-      <p:sp>
-        <p:nvSpPr>
-          <p:cNvPr id="18" name="사각형: 둥근 모서리 17">
-            <a:extLst>
-              <a:ext uri="{FF2B5EF4-FFF2-40B4-BE49-F238E27FC236}">
-                <a16:creationId xmlns:a16="http://schemas.microsoft.com/office/drawing/2014/main" id="{BCE36FF8-0B9E-42BE-820D-850B5D348766}"/>
-              </a:ext>
-            </a:extLst>
-          </p:cNvPr>
-          <p:cNvSpPr/>
-          <p:nvPr/>
-        </p:nvSpPr>
-        <p:spPr>
-          <a:xfrm>
-            <a:off x="4964663" y="2448230"/>
-            <a:ext cx="1550894" cy="1120588"/>
-          </a:xfrm>
-          <a:prstGeom prst="roundRect">
-            <a:avLst/>
-          </a:prstGeom>
-        </p:spPr>
-        <p:style>
-          <a:lnRef idx="0">
-            <a:schemeClr val="accent2"/>
-          </a:lnRef>
-          <a:fillRef idx="3">
-            <a:schemeClr val="accent2"/>
-          </a:fillRef>
-          <a:effectRef idx="3">
-            <a:schemeClr val="accent2"/>
-          </a:effectRef>
-          <a:fontRef idx="minor">
-            <a:schemeClr val="lt1"/>
-          </a:fontRef>
-        </p:style>
-        <p:txBody>
-          <a:bodyPr rtlCol="0" anchor="ctr"/>
-          <a:lstStyle/>
-          <a:p>
-            <a:pPr algn="ctr"/>
-            <a:r>
-              <a:rPr lang="ko-KR" altLang="en-US">
+          <a:p>
+            <a:r>
+              <a:rPr lang="ko-KR" altLang="en-US" dirty="0">
                 <a:ea typeface="맑은 고딕"/>
               </a:rPr>
-              <a:t>Cloud</a:t>
-            </a:r>
-            <a:endParaRPr lang="ko-KR" altLang="en-US" dirty="0">
-              <a:ea typeface="맑은 고딕"/>
-            </a:endParaRPr>
-          </a:p>
-          <a:p>
-            <a:pPr algn="ctr"/>
-            <a:r>
-              <a:rPr lang="ko-KR" altLang="en-US">
+              <a:t>사용하는 네트워크 대역폭의 양</a:t>
+            </a:r>
+          </a:p>
+          <a:p>
+            <a:pPr marL="0" indent="0">
+              <a:buNone/>
+            </a:pPr>
+            <a:r>
+              <a:rPr lang="ko-KR" altLang="en-US" dirty="0">
                 <a:ea typeface="맑은 고딕"/>
               </a:rPr>
-              <a:t>Firebase</a:t>
-            </a:r>
-            <a:endParaRPr lang="ko-KR"/>
-          </a:p>
-        </p:txBody>
-      </p:sp>
-      <p:sp>
-        <p:nvSpPr>
-          <p:cNvPr id="19" name="사각형: 둥근 모서리 18">
-            <a:extLst>
-              <a:ext uri="{FF2B5EF4-FFF2-40B4-BE49-F238E27FC236}">
-                <a16:creationId xmlns:a16="http://schemas.microsoft.com/office/drawing/2014/main" id="{D84961CA-7AFE-451E-B079-68DE02986FB4}"/>
-              </a:ext>
-            </a:extLst>
-          </p:cNvPr>
-          <p:cNvSpPr/>
-          <p:nvPr/>
-        </p:nvSpPr>
-        <p:spPr>
-          <a:xfrm>
-            <a:off x="7813504" y="3894298"/>
-            <a:ext cx="1550894" cy="1120588"/>
-          </a:xfrm>
-          <a:prstGeom prst="roundRect">
-            <a:avLst/>
-          </a:prstGeom>
-        </p:spPr>
-        <p:style>
-          <a:lnRef idx="0">
-            <a:schemeClr val="accent2"/>
-          </a:lnRef>
-          <a:fillRef idx="3">
-            <a:schemeClr val="accent2"/>
-          </a:fillRef>
-          <a:effectRef idx="3">
-            <a:schemeClr val="accent2"/>
-          </a:effectRef>
-          <a:fontRef idx="minor">
-            <a:schemeClr val="lt1"/>
-          </a:fontRef>
-        </p:style>
-        <p:txBody>
-          <a:bodyPr rtlCol="0" anchor="ctr"/>
-          <a:lstStyle/>
-          <a:p>
-            <a:pPr algn="ctr"/>
-            <a:r>
-              <a:rPr lang="ko-KR" altLang="en-US">
+              <a:t>  - 저장소 및 대역폭 사용량을 기가바이트(</a:t>
+            </a:r>
+            <a:r>
+              <a:rPr lang="ko-KR" altLang="en-US" dirty="0" err="1">
                 <a:ea typeface="맑은 고딕"/>
               </a:rPr>
-              <a:t>Cloud</a:t>
-            </a:r>
-            <a:endParaRPr lang="ko-KR">
-              <a:ea typeface="맑은 고딕" panose="020B0503020000020004" pitchFamily="34" charset="-127"/>
-            </a:endParaRPr>
-          </a:p>
-          <a:p>
-            <a:pPr algn="ctr"/>
-            <a:r>
-              <a:rPr lang="en-US" altLang="ko-KR">
+              <a:t>GiB</a:t>
+            </a:r>
+            <a:r>
+              <a:rPr lang="ko-KR" altLang="en-US" dirty="0">
                 <a:ea typeface="맑은 고딕"/>
               </a:rPr>
-              <a:t>Auth</a:t>
-            </a:r>
-            <a:endParaRPr lang="ko-KR" altLang="en-US" dirty="0">
-              <a:ea typeface="맑은 고딕"/>
-            </a:endParaRPr>
-          </a:p>
-        </p:txBody>
-      </p:sp>
-      <p:cxnSp>
-        <p:nvCxnSpPr>
-          <p:cNvPr id="21" name="직선 화살표 연결선 20">
-            <a:extLst>
-              <a:ext uri="{FF2B5EF4-FFF2-40B4-BE49-F238E27FC236}">
-                <a16:creationId xmlns:a16="http://schemas.microsoft.com/office/drawing/2014/main" id="{CBBEFB83-E08F-4D3A-9F12-BDCB2F32F68E}"/>
-              </a:ext>
-            </a:extLst>
-          </p:cNvPr>
-          <p:cNvCxnSpPr>
-            <a:cxnSpLocks/>
-          </p:cNvCxnSpPr>
-          <p:nvPr/>
-        </p:nvCxnSpPr>
-        <p:spPr>
-          <a:xfrm>
-            <a:off x="6573573" y="3924094"/>
-            <a:ext cx="978683" cy="492041"/>
-          </a:xfrm>
-          <a:prstGeom prst="straightConnector1">
-            <a:avLst/>
-          </a:prstGeom>
-          <a:ln>
-            <a:tailEnd type="triangle"/>
-          </a:ln>
-        </p:spPr>
-        <p:style>
-          <a:lnRef idx="3">
-            <a:schemeClr val="dk1"/>
-          </a:lnRef>
-          <a:fillRef idx="0">
-            <a:schemeClr val="dk1"/>
-          </a:fillRef>
-          <a:effectRef idx="2">
-            <a:schemeClr val="dk1"/>
-          </a:effectRef>
-          <a:fontRef idx="minor">
-            <a:schemeClr val="tx1"/>
-          </a:fontRef>
-        </p:style>
-      </p:cxnSp>
-      <p:cxnSp>
-        <p:nvCxnSpPr>
-          <p:cNvPr id="22" name="직선 화살표 연결선 21">
-            <a:extLst>
-              <a:ext uri="{FF2B5EF4-FFF2-40B4-BE49-F238E27FC236}">
-                <a16:creationId xmlns:a16="http://schemas.microsoft.com/office/drawing/2014/main" id="{1C1DAE08-AC66-4383-B590-52B8F0C46794}"/>
-              </a:ext>
-            </a:extLst>
-          </p:cNvPr>
-          <p:cNvCxnSpPr>
-            <a:cxnSpLocks/>
-          </p:cNvCxnSpPr>
-          <p:nvPr/>
-        </p:nvCxnSpPr>
-        <p:spPr>
-          <a:xfrm flipH="1" flipV="1">
-            <a:off x="3551755" y="3212518"/>
-            <a:ext cx="1038885" cy="1529"/>
-          </a:xfrm>
-          <a:prstGeom prst="straightConnector1">
-            <a:avLst/>
-          </a:prstGeom>
-          <a:ln>
-            <a:tailEnd type="triangle"/>
-          </a:ln>
-        </p:spPr>
-        <p:style>
-          <a:lnRef idx="3">
-            <a:schemeClr val="dk1"/>
-          </a:lnRef>
-          <a:fillRef idx="0">
-            <a:schemeClr val="dk1"/>
-          </a:fillRef>
-          <a:effectRef idx="2">
-            <a:schemeClr val="dk1"/>
-          </a:effectRef>
-          <a:fontRef idx="minor">
-            <a:schemeClr val="tx1"/>
-          </a:fontRef>
-        </p:style>
-      </p:cxnSp>
-      <p:cxnSp>
-        <p:nvCxnSpPr>
-          <p:cNvPr id="23" name="직선 화살표 연결선 22">
-            <a:extLst>
-              <a:ext uri="{FF2B5EF4-FFF2-40B4-BE49-F238E27FC236}">
-                <a16:creationId xmlns:a16="http://schemas.microsoft.com/office/drawing/2014/main" id="{A28E20EF-860C-4328-9569-97B6B60E4403}"/>
-              </a:ext>
-            </a:extLst>
-          </p:cNvPr>
-          <p:cNvCxnSpPr>
-            <a:cxnSpLocks/>
-          </p:cNvCxnSpPr>
-          <p:nvPr/>
-        </p:nvCxnSpPr>
-        <p:spPr>
-          <a:xfrm flipV="1">
-            <a:off x="3534231" y="2857498"/>
-            <a:ext cx="1108569" cy="1526"/>
-          </a:xfrm>
-          <a:prstGeom prst="straightConnector1">
-            <a:avLst/>
-          </a:prstGeom>
-          <a:ln>
-            <a:tailEnd type="triangle"/>
-          </a:ln>
-        </p:spPr>
-        <p:style>
-          <a:lnRef idx="3">
-            <a:schemeClr val="dk1"/>
-          </a:lnRef>
-          <a:fillRef idx="0">
-            <a:schemeClr val="dk1"/>
-          </a:fillRef>
-          <a:effectRef idx="2">
-            <a:schemeClr val="dk1"/>
-          </a:effectRef>
-          <a:fontRef idx="minor">
-            <a:schemeClr val="tx1"/>
-          </a:fontRef>
-        </p:style>
-      </p:cxnSp>
-      <p:cxnSp>
-        <p:nvCxnSpPr>
-          <p:cNvPr id="24" name="직선 화살표 연결선 23">
-            <a:extLst>
-              <a:ext uri="{FF2B5EF4-FFF2-40B4-BE49-F238E27FC236}">
-                <a16:creationId xmlns:a16="http://schemas.microsoft.com/office/drawing/2014/main" id="{BCBB64F7-E331-497E-826B-856C19D4D858}"/>
-              </a:ext>
-            </a:extLst>
-          </p:cNvPr>
-          <p:cNvCxnSpPr>
-            <a:cxnSpLocks/>
-          </p:cNvCxnSpPr>
-          <p:nvPr/>
-        </p:nvCxnSpPr>
-        <p:spPr>
-          <a:xfrm flipV="1">
-            <a:off x="6746752" y="2857497"/>
-            <a:ext cx="848798" cy="1527"/>
-          </a:xfrm>
-          <a:prstGeom prst="straightConnector1">
-            <a:avLst/>
-          </a:prstGeom>
-          <a:ln>
-            <a:tailEnd type="triangle"/>
-          </a:ln>
-        </p:spPr>
-        <p:style>
-          <a:lnRef idx="3">
-            <a:schemeClr val="dk1"/>
-          </a:lnRef>
-          <a:fillRef idx="0">
-            <a:schemeClr val="dk1"/>
-          </a:fillRef>
-          <a:effectRef idx="2">
-            <a:schemeClr val="dk1"/>
-          </a:effectRef>
-          <a:fontRef idx="minor">
-            <a:schemeClr val="tx1"/>
-          </a:fontRef>
-        </p:style>
-      </p:cxnSp>
-      <p:cxnSp>
-        <p:nvCxnSpPr>
-          <p:cNvPr id="25" name="직선 화살표 연결선 24">
-            <a:extLst>
-              <a:ext uri="{FF2B5EF4-FFF2-40B4-BE49-F238E27FC236}">
-                <a16:creationId xmlns:a16="http://schemas.microsoft.com/office/drawing/2014/main" id="{062320EE-3EEF-430A-A1F8-329E8ABCE418}"/>
-              </a:ext>
-            </a:extLst>
-          </p:cNvPr>
-          <p:cNvCxnSpPr>
-            <a:cxnSpLocks/>
-          </p:cNvCxnSpPr>
-          <p:nvPr/>
-        </p:nvCxnSpPr>
-        <p:spPr>
-          <a:xfrm flipH="1" flipV="1">
-            <a:off x="6746960" y="3212519"/>
-            <a:ext cx="822409" cy="1527"/>
-          </a:xfrm>
-          <a:prstGeom prst="straightConnector1">
-            <a:avLst/>
-          </a:prstGeom>
-          <a:ln>
-            <a:tailEnd type="triangle"/>
-          </a:ln>
-        </p:spPr>
-        <p:style>
-          <a:lnRef idx="3">
-            <a:schemeClr val="dk1"/>
-          </a:lnRef>
-          <a:fillRef idx="0">
-            <a:schemeClr val="dk1"/>
-          </a:fillRef>
-          <a:effectRef idx="2">
-            <a:schemeClr val="dk1"/>
-          </a:effectRef>
-          <a:fontRef idx="minor">
-            <a:schemeClr val="tx1"/>
-          </a:fontRef>
-        </p:style>
-      </p:cxnSp>
-      <p:cxnSp>
-        <p:nvCxnSpPr>
-          <p:cNvPr id="31" name="직선 화살표 연결선 30">
-            <a:extLst>
-              <a:ext uri="{FF2B5EF4-FFF2-40B4-BE49-F238E27FC236}">
-                <a16:creationId xmlns:a16="http://schemas.microsoft.com/office/drawing/2014/main" id="{95045552-28C0-4EAE-8635-03FA7A4D84AF}"/>
-              </a:ext>
-            </a:extLst>
-          </p:cNvPr>
-          <p:cNvCxnSpPr>
-            <a:cxnSpLocks/>
-          </p:cNvCxnSpPr>
-          <p:nvPr/>
-        </p:nvCxnSpPr>
-        <p:spPr>
-          <a:xfrm flipH="1" flipV="1">
-            <a:off x="6790254" y="3610840"/>
-            <a:ext cx="839726" cy="460457"/>
-          </a:xfrm>
-          <a:prstGeom prst="straightConnector1">
-            <a:avLst/>
-          </a:prstGeom>
-          <a:ln>
-            <a:tailEnd type="triangle"/>
-          </a:ln>
-        </p:spPr>
-        <p:style>
-          <a:lnRef idx="3">
-            <a:schemeClr val="dk1"/>
-          </a:lnRef>
-          <a:fillRef idx="0">
-            <a:schemeClr val="dk1"/>
-          </a:fillRef>
-          <a:effectRef idx="2">
-            <a:schemeClr val="dk1"/>
-          </a:effectRef>
-          <a:fontRef idx="minor">
-            <a:schemeClr val="tx1"/>
-          </a:fontRef>
-        </p:style>
-      </p:cxnSp>
+              <a:t>)로 계산되며, 모든 요금은 일 단위로 발생한다.</a:t>
+            </a:r>
+          </a:p>
+        </p:txBody>
+      </p:sp>
     </p:spTree>
     <p:extLst>
       <p:ext uri="{BB962C8B-B14F-4D97-AF65-F5344CB8AC3E}">
-        <p14:creationId xmlns:p14="http://schemas.microsoft.com/office/powerpoint/2010/main" val="3116766577"/>
+        <p14:creationId xmlns:p14="http://schemas.microsoft.com/office/powerpoint/2010/main" val="1619812541"/>
       </p:ext>
     </p:extLst>
   </p:cSld>

--- a/GCP기반 Serverless 아키텍쳐.pptx
+++ b/GCP기반 Serverless 아키텍쳐.pptx
@@ -15,9 +15,12 @@
     <p:sldId id="268" r:id="rId9"/>
     <p:sldId id="272" r:id="rId10"/>
     <p:sldId id="273" r:id="rId11"/>
-    <p:sldId id="275" r:id="rId12"/>
-    <p:sldId id="276" r:id="rId13"/>
-    <p:sldId id="269" r:id="rId14"/>
+    <p:sldId id="277" r:id="rId12"/>
+    <p:sldId id="278" r:id="rId13"/>
+    <p:sldId id="279" r:id="rId14"/>
+    <p:sldId id="275" r:id="rId15"/>
+    <p:sldId id="276" r:id="rId16"/>
+    <p:sldId id="269" r:id="rId17"/>
   </p:sldIdLst>
   <p:sldSz cx="12192000" cy="6858000"/>
   <p:notesSz cx="6858000" cy="9144000"/>
@@ -128,6 +131,7 @@
 <p1510:revInfo xmlns:a="http://schemas.openxmlformats.org/drawingml/2006/main" xmlns:r="http://schemas.openxmlformats.org/officeDocument/2006/relationships" xmlns:p1510="http://schemas.microsoft.com/office/powerpoint/2015/10/main">
   <p1510:revLst>
     <p1510:client id="{028DBDC0-A0D6-4A60-BA38-C07DFFDF0CC6}" v="1641" dt="2020-03-04T00:41:41.313"/>
+    <p1510:client id="{04C046E8-73C8-42BF-9A99-E940BC98C301}" v="521" dt="2020-03-10T19:28:57.664"/>
     <p1510:client id="{10BD0A25-FB77-49D6-A009-9FC02A2FB252}" v="3566" dt="2020-02-25T08:51:01.633"/>
     <p1510:client id="{294EB63F-6092-4DBE-BB37-9ADE068DE868}" v="2" dt="2020-03-04T01:43:27.066"/>
     <p1510:client id="{73AFE249-DAAE-433C-B2B3-D4439BEA4BFA}" v="1375" dt="2020-03-08T22:04:05.042"/>
@@ -266,7 +270,7 @@
           <a:p>
             <a:fld id="{2566825D-2B69-4989-8861-A6901ABADB6C}" type="datetimeFigureOut">
               <a:rPr lang="ko-KR" altLang="en-US" smtClean="0"/>
-              <a:t>2020-03-08</a:t>
+              <a:t>2020-03-10</a:t>
             </a:fld>
             <a:endParaRPr lang="ko-KR" altLang="en-US"/>
           </a:p>
@@ -434,7 +438,7 @@
           <a:p>
             <a:fld id="{2566825D-2B69-4989-8861-A6901ABADB6C}" type="datetimeFigureOut">
               <a:rPr lang="ko-KR" altLang="en-US" smtClean="0"/>
-              <a:t>2020-03-08</a:t>
+              <a:t>2020-03-10</a:t>
             </a:fld>
             <a:endParaRPr lang="ko-KR" altLang="en-US"/>
           </a:p>
@@ -612,7 +616,7 @@
           <a:p>
             <a:fld id="{2566825D-2B69-4989-8861-A6901ABADB6C}" type="datetimeFigureOut">
               <a:rPr lang="ko-KR" altLang="en-US" smtClean="0"/>
-              <a:t>2020-03-08</a:t>
+              <a:t>2020-03-10</a:t>
             </a:fld>
             <a:endParaRPr lang="ko-KR" altLang="en-US"/>
           </a:p>
@@ -780,7 +784,7 @@
           <a:p>
             <a:fld id="{2566825D-2B69-4989-8861-A6901ABADB6C}" type="datetimeFigureOut">
               <a:rPr lang="ko-KR" altLang="en-US" smtClean="0"/>
-              <a:t>2020-03-08</a:t>
+              <a:t>2020-03-10</a:t>
             </a:fld>
             <a:endParaRPr lang="ko-KR" altLang="en-US"/>
           </a:p>
@@ -1025,7 +1029,7 @@
           <a:p>
             <a:fld id="{2566825D-2B69-4989-8861-A6901ABADB6C}" type="datetimeFigureOut">
               <a:rPr lang="ko-KR" altLang="en-US" smtClean="0"/>
-              <a:t>2020-03-08</a:t>
+              <a:t>2020-03-10</a:t>
             </a:fld>
             <a:endParaRPr lang="ko-KR" altLang="en-US"/>
           </a:p>
@@ -1254,7 +1258,7 @@
           <a:p>
             <a:fld id="{2566825D-2B69-4989-8861-A6901ABADB6C}" type="datetimeFigureOut">
               <a:rPr lang="ko-KR" altLang="en-US" smtClean="0"/>
-              <a:t>2020-03-08</a:t>
+              <a:t>2020-03-10</a:t>
             </a:fld>
             <a:endParaRPr lang="ko-KR" altLang="en-US"/>
           </a:p>
@@ -1618,7 +1622,7 @@
           <a:p>
             <a:fld id="{2566825D-2B69-4989-8861-A6901ABADB6C}" type="datetimeFigureOut">
               <a:rPr lang="ko-KR" altLang="en-US" smtClean="0"/>
-              <a:t>2020-03-08</a:t>
+              <a:t>2020-03-10</a:t>
             </a:fld>
             <a:endParaRPr lang="ko-KR" altLang="en-US"/>
           </a:p>
@@ -1735,7 +1739,7 @@
           <a:p>
             <a:fld id="{2566825D-2B69-4989-8861-A6901ABADB6C}" type="datetimeFigureOut">
               <a:rPr lang="ko-KR" altLang="en-US" smtClean="0"/>
-              <a:t>2020-03-08</a:t>
+              <a:t>2020-03-10</a:t>
             </a:fld>
             <a:endParaRPr lang="ko-KR" altLang="en-US"/>
           </a:p>
@@ -1830,7 +1834,7 @@
           <a:p>
             <a:fld id="{2566825D-2B69-4989-8861-A6901ABADB6C}" type="datetimeFigureOut">
               <a:rPr lang="ko-KR" altLang="en-US" smtClean="0"/>
-              <a:t>2020-03-08</a:t>
+              <a:t>2020-03-10</a:t>
             </a:fld>
             <a:endParaRPr lang="ko-KR" altLang="en-US"/>
           </a:p>
@@ -2105,7 +2109,7 @@
           <a:p>
             <a:fld id="{2566825D-2B69-4989-8861-A6901ABADB6C}" type="datetimeFigureOut">
               <a:rPr lang="ko-KR" altLang="en-US" smtClean="0"/>
-              <a:t>2020-03-08</a:t>
+              <a:t>2020-03-10</a:t>
             </a:fld>
             <a:endParaRPr lang="ko-KR" altLang="en-US"/>
           </a:p>
@@ -2357,7 +2361,7 @@
           <a:p>
             <a:fld id="{2566825D-2B69-4989-8861-A6901ABADB6C}" type="datetimeFigureOut">
               <a:rPr lang="ko-KR" altLang="en-US" smtClean="0"/>
-              <a:t>2020-03-08</a:t>
+              <a:t>2020-03-10</a:t>
             </a:fld>
             <a:endParaRPr lang="ko-KR" altLang="en-US"/>
           </a:p>
@@ -2568,7 +2572,7 @@
           <a:p>
             <a:fld id="{2566825D-2B69-4989-8861-A6901ABADB6C}" type="datetimeFigureOut">
               <a:rPr lang="ko-KR" altLang="en-US" smtClean="0"/>
-              <a:t>2020-03-08</a:t>
+              <a:t>2020-03-10</a:t>
             </a:fld>
             <a:endParaRPr lang="ko-KR" altLang="en-US"/>
           </a:p>
@@ -3416,6 +3420,1292 @@
           <a:lstStyle/>
           <a:p>
             <a:r>
+              <a:rPr lang="ko-KR" altLang="en-US" dirty="0" err="1">
+                <a:ea typeface="맑은 고딕"/>
+              </a:rPr>
+              <a:t>Firestore의</a:t>
+            </a:r>
+            <a:r>
+              <a:rPr lang="ko-KR" altLang="en-US" dirty="0">
+                <a:ea typeface="맑은 고딕"/>
+              </a:rPr>
+              <a:t> 가격 책정(CDN)</a:t>
+            </a:r>
+          </a:p>
+        </p:txBody>
+      </p:sp>
+      <p:graphicFrame>
+        <p:nvGraphicFramePr>
+          <p:cNvPr id="6" name="표 6">
+            <a:extLst>
+              <a:ext uri="{FF2B5EF4-FFF2-40B4-BE49-F238E27FC236}">
+                <a16:creationId xmlns:a16="http://schemas.microsoft.com/office/drawing/2014/main" id="{4818F34B-458F-4691-9455-1BB2BEC6EF38}"/>
+              </a:ext>
+            </a:extLst>
+          </p:cNvPr>
+          <p:cNvGraphicFramePr>
+            <a:graphicFrameLocks noGrp="1"/>
+          </p:cNvGraphicFramePr>
+          <p:nvPr>
+            <p:ph sz="half" idx="1"/>
+            <p:extLst>
+              <p:ext uri="{D42A27DB-BD31-4B8C-83A1-F6EECF244321}">
+                <p14:modId xmlns:p14="http://schemas.microsoft.com/office/powerpoint/2010/main" val="2448448595"/>
+              </p:ext>
+            </p:extLst>
+          </p:nvPr>
+        </p:nvGraphicFramePr>
+        <p:xfrm>
+          <a:off x="838200" y="1825625"/>
+          <a:ext cx="10361308" cy="4468080"/>
+        </p:xfrm>
+        <a:graphic>
+          <a:graphicData uri="http://schemas.openxmlformats.org/drawingml/2006/table">
+            <a:tbl>
+              <a:tblPr firstRow="1" bandRow="1">
+                <a:tableStyleId>{5C22544A-7EE6-4342-B048-85BDC9FD1C3A}</a:tableStyleId>
+              </a:tblPr>
+              <a:tblGrid>
+                <a:gridCol w="5180654">
+                  <a:extLst>
+                    <a:ext uri="{9D8B030D-6E8A-4147-A177-3AD203B41FA5}">
+                      <a16:colId xmlns:a16="http://schemas.microsoft.com/office/drawing/2014/main" val="779221321"/>
+                    </a:ext>
+                  </a:extLst>
+                </a:gridCol>
+                <a:gridCol w="5180654">
+                  <a:extLst>
+                    <a:ext uri="{9D8B030D-6E8A-4147-A177-3AD203B41FA5}">
+                      <a16:colId xmlns:a16="http://schemas.microsoft.com/office/drawing/2014/main" val="636481357"/>
+                    </a:ext>
+                  </a:extLst>
+                </a:gridCol>
+              </a:tblGrid>
+              <a:tr h="927336">
+                <a:tc>
+                  <a:txBody>
+                    <a:bodyPr/>
+                    <a:lstStyle/>
+                    <a:p>
+                      <a:pPr algn="ctr" latinLnBrk="1"/>
+                      <a:r>
+                        <a:rPr lang="ko-KR" altLang="en-US" dirty="0"/>
+                        <a:t>사례</a:t>
+                      </a:r>
+                    </a:p>
+                  </a:txBody>
+                  <a:tcPr anchor="ctr"/>
+                </a:tc>
+                <a:tc>
+                  <a:txBody>
+                    <a:bodyPr/>
+                    <a:lstStyle/>
+                    <a:p>
+                      <a:pPr lvl="0" algn="ctr">
+                        <a:buNone/>
+                      </a:pPr>
+                      <a:r>
+                        <a:rPr lang="ko-KR" altLang="en-US" dirty="0"/>
+                        <a:t>결제 대상</a:t>
+                      </a:r>
+                    </a:p>
+                  </a:txBody>
+                  <a:tcPr anchor="ctr"/>
+                </a:tc>
+                <a:extLst>
+                  <a:ext uri="{0D108BD9-81ED-4DB2-BD59-A6C34878D82A}">
+                    <a16:rowId xmlns:a16="http://schemas.microsoft.com/office/drawing/2014/main" val="141060451"/>
+                  </a:ext>
+                </a:extLst>
+              </a:tr>
+              <a:tr h="927336">
+                <a:tc>
+                  <a:txBody>
+                    <a:bodyPr/>
+                    <a:lstStyle/>
+                    <a:p>
+                      <a:pPr lvl="0" algn="ctr">
+                        <a:buNone/>
+                      </a:pPr>
+                      <a:r>
+                        <a:rPr lang="ko-KR" altLang="en-US" dirty="0"/>
+                        <a:t>캐시 가능한 콘텐츠, 캐시 적중</a:t>
+                      </a:r>
+                    </a:p>
+                  </a:txBody>
+                  <a:tcPr anchor="ctr"/>
+                </a:tc>
+                <a:tc>
+                  <a:txBody>
+                    <a:bodyPr/>
+                    <a:lstStyle/>
+                    <a:p>
+                      <a:pPr lvl="0" algn="ctr">
+                        <a:buNone/>
+                      </a:pPr>
+                      <a:r>
+                        <a:rPr lang="ko-KR" altLang="en-US" sz="1800" b="0" i="0" u="none" strike="noStrike" noProof="0" dirty="0" err="1"/>
+                        <a:t>캐시</a:t>
+                      </a:r>
+                      <a:r>
+                        <a:rPr lang="en-US" sz="1800" b="0" i="0" u="none" strike="noStrike" noProof="0" dirty="0"/>
+                        <a:t> </a:t>
+                      </a:r>
+                      <a:r>
+                        <a:rPr lang="en-US" sz="1800" b="0" i="0" u="none" strike="noStrike" noProof="0" dirty="0" err="1"/>
+                        <a:t>조회</a:t>
+                      </a:r>
+                      <a:r>
+                        <a:rPr lang="en-US" sz="1800" b="0" i="0" u="none" strike="noStrike" noProof="0" dirty="0"/>
+                        <a:t> </a:t>
+                      </a:r>
+                      <a:r>
+                        <a:rPr lang="en-US" altLang="ko-KR" sz="1800" b="0" i="0" u="none" strike="noStrike" noProof="0" dirty="0"/>
+                        <a:t>+</a:t>
+                      </a:r>
+                      <a:br>
+                        <a:rPr lang="en-US" altLang="ko-KR" sz="1800" b="0" i="0" u="none" strike="noStrike" noProof="0" dirty="0"/>
+                      </a:br>
+                      <a:r>
+                        <a:rPr lang="en-US" sz="1800" b="0" i="0" u="none" strike="noStrike" noProof="0" dirty="0" err="1"/>
+                        <a:t>캐시</a:t>
+                      </a:r>
+                      <a:r>
+                        <a:rPr lang="en-US" sz="1800" b="0" i="0" u="none" strike="noStrike" noProof="0" dirty="0"/>
+                        <a:t> </a:t>
+                      </a:r>
+                      <a:r>
+                        <a:rPr lang="en-US" sz="1800" b="0" i="0" u="none" strike="noStrike" noProof="0" dirty="0" err="1"/>
+                        <a:t>이그레스</a:t>
+                      </a:r>
+                      <a:endParaRPr lang="ko-KR" dirty="0" err="1"/>
+                    </a:p>
+                  </a:txBody>
+                  <a:tcPr anchor="ctr"/>
+                </a:tc>
+                <a:extLst>
+                  <a:ext uri="{0D108BD9-81ED-4DB2-BD59-A6C34878D82A}">
+                    <a16:rowId xmlns:a16="http://schemas.microsoft.com/office/drawing/2014/main" val="1496240924"/>
+                  </a:ext>
+                </a:extLst>
+              </a:tr>
+              <a:tr h="1686072">
+                <a:tc>
+                  <a:txBody>
+                    <a:bodyPr/>
+                    <a:lstStyle/>
+                    <a:p>
+                      <a:pPr lvl="0" algn="ctr">
+                        <a:buNone/>
+                      </a:pPr>
+                      <a:r>
+                        <a:rPr lang="ko-KR" sz="1800" b="0" i="0" u="none" strike="noStrike" noProof="0" dirty="0">
+                          <a:latin typeface="맑은 고딕"/>
+                          <a:ea typeface="맑은 고딕"/>
+                        </a:rPr>
+                        <a:t>캐시 가능한 콘텐츠, 캐시 </a:t>
+                      </a:r>
+                      <a:r>
+                        <a:rPr lang="ko-KR" altLang="en-US" sz="1800" b="0" i="0" u="none" strike="noStrike" noProof="0" dirty="0" err="1">
+                          <a:latin typeface="맑은 고딕"/>
+                          <a:ea typeface="맑은 고딕"/>
+                        </a:rPr>
+                        <a:t>부적중</a:t>
+                      </a:r>
+                      <a:endParaRPr lang="ko-KR" dirty="0" err="1"/>
+                    </a:p>
+                  </a:txBody>
+                  <a:tcPr anchor="ctr"/>
+                </a:tc>
+                <a:tc>
+                  <a:txBody>
+                    <a:bodyPr/>
+                    <a:lstStyle/>
+                    <a:p>
+                      <a:pPr lvl="0" algn="ctr">
+                        <a:buNone/>
+                      </a:pPr>
+                      <a:r>
+                        <a:rPr lang="ko-KR" altLang="en-US" sz="1800" b="0" i="0" u="none" strike="noStrike" noProof="0" dirty="0" err="1"/>
+                        <a:t>캐시</a:t>
+                      </a:r>
+                      <a:r>
+                        <a:rPr lang="en-US" altLang="ko-KR" sz="1800" b="0" i="0" u="none" strike="noStrike" noProof="0" dirty="0"/>
+                        <a:t> </a:t>
+                      </a:r>
+                      <a:r>
+                        <a:rPr lang="ko-KR" altLang="en-US" sz="1800" b="0" i="0" u="none" strike="noStrike" noProof="0" dirty="0" err="1"/>
+                        <a:t>조회</a:t>
+                      </a:r>
+                      <a:r>
+                        <a:rPr lang="en-US" altLang="ko-KR" sz="1800" b="0" i="0" u="none" strike="noStrike" noProof="0" dirty="0"/>
+                        <a:t> +</a:t>
+                      </a:r>
+                      <a:br>
+                        <a:rPr lang="en-US" altLang="ko-KR" sz="1800" b="0" i="0" u="none" strike="noStrike" noProof="0" dirty="0"/>
+                      </a:br>
+                      <a:r>
+                        <a:rPr lang="ko-KR" altLang="en-US" sz="1800" b="0" i="0" u="none" strike="noStrike" noProof="0" dirty="0" err="1"/>
+                        <a:t>캐시</a:t>
+                      </a:r>
+                      <a:r>
+                        <a:rPr lang="en-US" altLang="ko-KR" sz="1800" b="0" i="0" u="none" strike="noStrike" noProof="0" dirty="0"/>
+                        <a:t> </a:t>
+                      </a:r>
+                      <a:r>
+                        <a:rPr lang="ko-KR" altLang="en-US" sz="1800" b="0" i="0" u="none" strike="noStrike" noProof="0" dirty="0" err="1"/>
+                        <a:t>이그레스</a:t>
+                      </a:r>
+                      <a:r>
+                        <a:rPr lang="en-US" altLang="ko-KR" sz="1800" b="0" i="0" u="none" strike="noStrike" noProof="0" dirty="0"/>
+                        <a:t> +</a:t>
+                      </a:r>
+                      <a:br>
+                        <a:rPr lang="en-US" altLang="ko-KR" sz="1800" b="0" i="0" u="none" strike="noStrike" noProof="0" dirty="0"/>
+                      </a:br>
+                      <a:r>
+                        <a:rPr lang="ko-KR" altLang="en-US" sz="1800" b="0" i="0" u="none" strike="noStrike" noProof="0" dirty="0" err="1"/>
+                        <a:t>캐시</a:t>
+                      </a:r>
+                      <a:r>
+                        <a:rPr lang="en-US" altLang="ko-KR" sz="1800" b="0" i="0" u="none" strike="noStrike" noProof="0" dirty="0"/>
+                        <a:t> </a:t>
+                      </a:r>
+                      <a:r>
+                        <a:rPr lang="ko-KR" altLang="en-US" sz="1800" b="0" i="0" u="none" strike="noStrike" noProof="0" dirty="0" err="1"/>
+                        <a:t>채우기</a:t>
+                      </a:r>
+                      <a:r>
+                        <a:rPr lang="en-US" altLang="ko-KR" sz="1800" b="0" i="0" u="none" strike="noStrike" noProof="0" dirty="0"/>
+                        <a:t> +</a:t>
+                      </a:r>
+                      <a:br>
+                        <a:rPr lang="en-US" altLang="ko-KR" sz="1800" b="0" i="0" u="none" strike="noStrike" noProof="0" dirty="0"/>
+                      </a:br>
+                      <a:r>
+                        <a:rPr lang="ko-KR" altLang="en-US" sz="1800" b="0" i="0" u="none" strike="noStrike" noProof="0" dirty="0" err="1"/>
+                        <a:t>적용</a:t>
+                      </a:r>
+                      <a:r>
+                        <a:rPr lang="en-US" altLang="ko-KR" sz="1800" b="0" i="0" u="none" strike="noStrike" noProof="0" dirty="0"/>
+                        <a:t> </a:t>
+                      </a:r>
+                      <a:r>
+                        <a:rPr lang="ko-KR" altLang="en-US" sz="1800" b="0" i="0" u="none" strike="noStrike" noProof="0" dirty="0" err="1"/>
+                        <a:t>가능한</a:t>
+                      </a:r>
+                      <a:r>
+                        <a:rPr lang="en-US" altLang="ko-KR" sz="1800" b="0" i="0" u="none" strike="noStrike" noProof="0" dirty="0"/>
+                        <a:t> Cloud Load Balancing </a:t>
+                      </a:r>
+                      <a:r>
+                        <a:rPr lang="ko-KR" altLang="en-US" sz="1800" b="0" i="0" u="none" strike="noStrike" noProof="0" dirty="0" err="1"/>
+                        <a:t>데이터</a:t>
+                      </a:r>
+                      <a:r>
+                        <a:rPr lang="en-US" altLang="ko-KR" sz="1800" b="0" i="0" u="none" strike="noStrike" noProof="0" dirty="0"/>
+                        <a:t> </a:t>
+                      </a:r>
+                      <a:r>
+                        <a:rPr lang="ko-KR" altLang="en-US" sz="1800" b="0" i="0" u="none" strike="noStrike" noProof="0" dirty="0" err="1"/>
+                        <a:t>처리</a:t>
+                      </a:r>
+                      <a:r>
+                        <a:rPr lang="en-US" altLang="ko-KR" sz="1800" b="0" i="0" u="none" strike="noStrike" noProof="0" dirty="0"/>
+                        <a:t> </a:t>
+                      </a:r>
+                      <a:r>
+                        <a:rPr lang="ko-KR" altLang="en-US" sz="1800" b="0" i="0" u="none" strike="noStrike" noProof="0" dirty="0" err="1"/>
+                        <a:t>또는</a:t>
+                      </a:r>
+                      <a:r>
+                        <a:rPr lang="en-US" altLang="ko-KR" sz="1800" b="0" i="0" u="none" strike="noStrike" noProof="0" dirty="0"/>
+                        <a:t> </a:t>
+                      </a:r>
+                      <a:r>
+                        <a:rPr lang="en-US" sz="1800" b="0" i="0" u="none" strike="noStrike" noProof="0" dirty="0"/>
+                        <a:t>Cloud </a:t>
+                      </a:r>
+                      <a:r>
+                        <a:rPr lang="en-US" altLang="ko-KR" sz="1800" b="0" i="0" u="none" strike="noStrike" noProof="0" dirty="0"/>
+                        <a:t>Storage</a:t>
+                      </a:r>
+                      <a:r>
+                        <a:rPr lang="en-US" sz="1800" b="0" i="0" u="none" strike="noStrike" noProof="0" dirty="0"/>
+                        <a:t> </a:t>
+                      </a:r>
+                      <a:r>
+                        <a:rPr lang="en-US" sz="1800" b="0" i="0" u="none" strike="noStrike" noProof="0" dirty="0" err="1"/>
+                        <a:t>작업</a:t>
+                      </a:r>
+                      <a:r>
+                        <a:rPr lang="en-US" sz="1800" b="0" i="0" u="none" strike="noStrike" noProof="0" dirty="0"/>
+                        <a:t> </a:t>
+                      </a:r>
+                      <a:r>
+                        <a:rPr lang="en-US" sz="1800" b="0" i="0" u="none" strike="noStrike" noProof="0" dirty="0" err="1"/>
+                        <a:t>요금</a:t>
+                      </a:r>
+                      <a:endParaRPr lang="ko-KR" dirty="0" err="1"/>
+                    </a:p>
+                  </a:txBody>
+                  <a:tcPr anchor="ctr"/>
+                </a:tc>
+                <a:extLst>
+                  <a:ext uri="{0D108BD9-81ED-4DB2-BD59-A6C34878D82A}">
+                    <a16:rowId xmlns:a16="http://schemas.microsoft.com/office/drawing/2014/main" val="3851676780"/>
+                  </a:ext>
+                </a:extLst>
+              </a:tr>
+              <a:tr h="927336">
+                <a:tc>
+                  <a:txBody>
+                    <a:bodyPr/>
+                    <a:lstStyle/>
+                    <a:p>
+                      <a:pPr algn="ctr" latinLnBrk="1"/>
+                      <a:r>
+                        <a:rPr lang="ko-KR" altLang="en-US" dirty="0" err="1"/>
+                        <a:t>캐시할</a:t>
+                      </a:r>
+                      <a:r>
+                        <a:rPr lang="ko-KR" altLang="en-US" dirty="0"/>
+                        <a:t> 수 없는 콘텐츠</a:t>
+                      </a:r>
+                      <a:endParaRPr lang="ko-KR" dirty="0"/>
+                    </a:p>
+                  </a:txBody>
+                  <a:tcPr anchor="ctr"/>
+                </a:tc>
+                <a:tc>
+                  <a:txBody>
+                    <a:bodyPr/>
+                    <a:lstStyle/>
+                    <a:p>
+                      <a:pPr lvl="0" algn="ctr">
+                        <a:buNone/>
+                      </a:pPr>
+                      <a:r>
+                        <a:rPr lang="ko-KR" sz="1800" b="0" i="0" u="none" strike="noStrike" noProof="0" dirty="0">
+                          <a:latin typeface="맑은 고딕"/>
+                          <a:ea typeface="맑은 고딕"/>
+                        </a:rPr>
+                        <a:t>표준 </a:t>
+                      </a:r>
+                      <a:r>
+                        <a:rPr lang="ko-KR" sz="1800" b="0" i="0" u="none" strike="noStrike" noProof="0" dirty="0" err="1">
+                          <a:latin typeface="맑은 고딕"/>
+                          <a:ea typeface="맑은 고딕"/>
+                        </a:rPr>
+                        <a:t>Compute</a:t>
+                      </a:r>
+                      <a:r>
+                        <a:rPr lang="ko-KR" sz="1800" b="0" i="0" u="none" strike="noStrike" noProof="0" dirty="0">
+                          <a:latin typeface="맑은 고딕"/>
+                          <a:ea typeface="맑은 고딕"/>
+                        </a:rPr>
+                        <a:t> </a:t>
+                      </a:r>
+                      <a:r>
+                        <a:rPr lang="ko-KR" sz="1800" b="0" i="0" u="none" strike="noStrike" noProof="0" dirty="0" err="1">
+                          <a:latin typeface="맑은 고딕"/>
+                          <a:ea typeface="맑은 고딕"/>
+                        </a:rPr>
+                        <a:t>Engine</a:t>
+                      </a:r>
+                      <a:r>
+                        <a:rPr lang="ko-KR" sz="1800" b="0" i="0" u="none" strike="noStrike" noProof="0" dirty="0">
+                          <a:latin typeface="맑은 고딕"/>
+                          <a:ea typeface="맑은 고딕"/>
+                        </a:rPr>
+                        <a:t> +</a:t>
+                      </a:r>
+                      <a:br>
+                        <a:rPr lang="ko-KR" sz="1800" b="0" i="0" u="none" strike="noStrike" noProof="0" dirty="0">
+                          <a:latin typeface="맑은 고딕"/>
+                          <a:ea typeface="맑은 고딕"/>
+                        </a:rPr>
+                      </a:br>
+                      <a:r>
+                        <a:rPr lang="ko-KR" sz="1800" b="0" i="0" u="none" strike="noStrike" noProof="0" dirty="0" err="1">
+                          <a:latin typeface="맑은 고딕"/>
+                          <a:ea typeface="맑은 고딕"/>
+                        </a:rPr>
+                        <a:t>Cloud</a:t>
+                      </a:r>
+                      <a:r>
+                        <a:rPr lang="ko-KR" sz="1800" b="0" i="0" u="none" strike="noStrike" noProof="0" dirty="0">
+                          <a:latin typeface="맑은 고딕"/>
+                          <a:ea typeface="맑은 고딕"/>
+                        </a:rPr>
+                        <a:t> </a:t>
+                      </a:r>
+                      <a:r>
+                        <a:rPr lang="ko-KR" sz="1800" b="0" i="0" u="none" strike="noStrike" noProof="0" dirty="0" err="1">
+                          <a:latin typeface="맑은 고딕"/>
+                          <a:ea typeface="맑은 고딕"/>
+                        </a:rPr>
+                        <a:t>Storage</a:t>
+                      </a:r>
+                      <a:r>
+                        <a:rPr lang="ko-KR" sz="1800" b="0" i="0" u="none" strike="noStrike" noProof="0" dirty="0">
+                          <a:latin typeface="맑은 고딕"/>
+                          <a:ea typeface="맑은 고딕"/>
+                        </a:rPr>
+                        <a:t> </a:t>
+                      </a:r>
+                      <a:r>
+                        <a:rPr lang="ko-KR" sz="1800" b="0" i="0" u="none" strike="noStrike" noProof="0" dirty="0" err="1">
+                          <a:latin typeface="맑은 고딕"/>
+                          <a:ea typeface="맑은 고딕"/>
+                        </a:rPr>
+                        <a:t>이그레스</a:t>
+                      </a:r>
+                      <a:r>
+                        <a:rPr lang="ko-KR" sz="1800" b="0" i="0" u="none" strike="noStrike" noProof="0" dirty="0">
+                          <a:latin typeface="맑은 고딕"/>
+                          <a:ea typeface="맑은 고딕"/>
+                        </a:rPr>
+                        <a:t> </a:t>
+                      </a:r>
+                      <a:r>
+                        <a:rPr lang="ko-KR" sz="1800" b="0" i="0" u="none" strike="noStrike" noProof="0" dirty="0" err="1">
+                          <a:latin typeface="맑은 고딕"/>
+                          <a:ea typeface="맑은 고딕"/>
+                        </a:rPr>
+                        <a:t>요율</a:t>
+                      </a:r>
+                      <a:endParaRPr lang="ko-KR" dirty="0" err="1"/>
+                    </a:p>
+                  </a:txBody>
+                  <a:tcPr anchor="ctr"/>
+                </a:tc>
+                <a:extLst>
+                  <a:ext uri="{0D108BD9-81ED-4DB2-BD59-A6C34878D82A}">
+                    <a16:rowId xmlns:a16="http://schemas.microsoft.com/office/drawing/2014/main" val="2881918532"/>
+                  </a:ext>
+                </a:extLst>
+              </a:tr>
+            </a:tbl>
+          </a:graphicData>
+        </a:graphic>
+      </p:graphicFrame>
+    </p:spTree>
+    <p:extLst>
+      <p:ext uri="{BB962C8B-B14F-4D97-AF65-F5344CB8AC3E}">
+        <p14:creationId xmlns:p14="http://schemas.microsoft.com/office/powerpoint/2010/main" val="3415348569"/>
+      </p:ext>
+    </p:extLst>
+  </p:cSld>
+  <p:clrMapOvr>
+    <a:masterClrMapping/>
+  </p:clrMapOvr>
+</p:sld>
+</file>
+
+<file path=ppt/slides/slide12.xml><?xml version="1.0" encoding="utf-8"?>
+<p:sld xmlns:a="http://schemas.openxmlformats.org/drawingml/2006/main" xmlns:r="http://schemas.openxmlformats.org/officeDocument/2006/relationships" xmlns:p="http://schemas.openxmlformats.org/presentationml/2006/main">
+  <p:cSld>
+    <p:spTree>
+      <p:nvGrpSpPr>
+        <p:cNvPr id="1" name=""/>
+        <p:cNvGrpSpPr/>
+        <p:nvPr/>
+      </p:nvGrpSpPr>
+      <p:grpSpPr>
+        <a:xfrm>
+          <a:off x="0" y="0"/>
+          <a:ext cx="0" cy="0"/>
+          <a:chOff x="0" y="0"/>
+          <a:chExt cx="0" cy="0"/>
+        </a:xfrm>
+      </p:grpSpPr>
+      <p:sp>
+        <p:nvSpPr>
+          <p:cNvPr id="2" name="제목 1">
+            <a:extLst>
+              <a:ext uri="{FF2B5EF4-FFF2-40B4-BE49-F238E27FC236}">
+                <a16:creationId xmlns:a16="http://schemas.microsoft.com/office/drawing/2014/main" id="{4FEBD717-7115-4BDE-AB32-780C8A39273A}"/>
+              </a:ext>
+            </a:extLst>
+          </p:cNvPr>
+          <p:cNvSpPr>
+            <a:spLocks noGrp="1"/>
+          </p:cNvSpPr>
+          <p:nvPr>
+            <p:ph type="title"/>
+          </p:nvPr>
+        </p:nvSpPr>
+        <p:spPr/>
+        <p:txBody>
+          <a:bodyPr/>
+          <a:lstStyle/>
+          <a:p>
+            <a:r>
+              <a:rPr lang="ko-KR" altLang="en-US" dirty="0" err="1">
+                <a:ea typeface="맑은 고딕"/>
+              </a:rPr>
+              <a:t>Firestore의</a:t>
+            </a:r>
+            <a:r>
+              <a:rPr lang="ko-KR" altLang="en-US" dirty="0">
+                <a:ea typeface="맑은 고딕"/>
+              </a:rPr>
+              <a:t> 가격표(CDN)</a:t>
+            </a:r>
+          </a:p>
+        </p:txBody>
+      </p:sp>
+      <p:graphicFrame>
+        <p:nvGraphicFramePr>
+          <p:cNvPr id="7" name="표 6">
+            <a:extLst>
+              <a:ext uri="{FF2B5EF4-FFF2-40B4-BE49-F238E27FC236}">
+                <a16:creationId xmlns:a16="http://schemas.microsoft.com/office/drawing/2014/main" id="{F3754815-59E9-4894-99C2-3C649057D4EB}"/>
+              </a:ext>
+            </a:extLst>
+          </p:cNvPr>
+          <p:cNvGraphicFramePr>
+            <a:graphicFrameLocks noGrp="1"/>
+          </p:cNvGraphicFramePr>
+          <p:nvPr>
+            <p:extLst>
+              <p:ext uri="{D42A27DB-BD31-4B8C-83A1-F6EECF244321}">
+                <p14:modId xmlns:p14="http://schemas.microsoft.com/office/powerpoint/2010/main" val="2667212364"/>
+              </p:ext>
+            </p:extLst>
+          </p:nvPr>
+        </p:nvGraphicFramePr>
+        <p:xfrm>
+          <a:off x="833005" y="1872442"/>
+          <a:ext cx="10712178" cy="4485415"/>
+        </p:xfrm>
+        <a:graphic>
+          <a:graphicData uri="http://schemas.openxmlformats.org/drawingml/2006/table">
+            <a:tbl>
+              <a:tblPr firstRow="1" bandRow="1">
+                <a:tableStyleId>{5C22544A-7EE6-4342-B048-85BDC9FD1C3A}</a:tableStyleId>
+              </a:tblPr>
+              <a:tblGrid>
+                <a:gridCol w="5356089">
+                  <a:extLst>
+                    <a:ext uri="{9D8B030D-6E8A-4147-A177-3AD203B41FA5}">
+                      <a16:colId xmlns:a16="http://schemas.microsoft.com/office/drawing/2014/main" val="2610086112"/>
+                    </a:ext>
+                  </a:extLst>
+                </a:gridCol>
+                <a:gridCol w="5356089">
+                  <a:extLst>
+                    <a:ext uri="{9D8B030D-6E8A-4147-A177-3AD203B41FA5}">
+                      <a16:colId xmlns:a16="http://schemas.microsoft.com/office/drawing/2014/main" val="1069078501"/>
+                    </a:ext>
+                  </a:extLst>
+                </a:gridCol>
+              </a:tblGrid>
+              <a:tr h="970311">
+                <a:tc>
+                  <a:txBody>
+                    <a:bodyPr/>
+                    <a:lstStyle/>
+                    <a:p>
+                      <a:pPr algn="ctr" fontAlgn="ctr"/>
+                      <a:r>
+                        <a:rPr lang="ko-KR" altLang="en-US" dirty="0">
+                          <a:effectLst/>
+                        </a:rPr>
+                        <a:t>항목</a:t>
+                      </a:r>
+                      <a:endParaRPr lang="ko-KR" altLang="en-US" b="0" dirty="0">
+                        <a:solidFill>
+                          <a:srgbClr val="202124"/>
+                        </a:solidFill>
+                        <a:effectLst/>
+                        <a:latin typeface="Roboto"/>
+                      </a:endParaRPr>
+                    </a:p>
+                  </a:txBody>
+                  <a:tcPr marL="76200" marR="76200" marT="76200" marB="76200" anchor="ctr"/>
+                </a:tc>
+                <a:tc>
+                  <a:txBody>
+                    <a:bodyPr/>
+                    <a:lstStyle/>
+                    <a:p>
+                      <a:pPr algn="ctr" fontAlgn="ctr"/>
+                      <a:r>
+                        <a:rPr lang="ko-KR" altLang="en-US" dirty="0">
+                          <a:effectLst/>
+                        </a:rPr>
+                        <a:t>가격</a:t>
+                      </a:r>
+                      <a:endParaRPr lang="ko-KR" altLang="en-US" b="0" dirty="0">
+                        <a:solidFill>
+                          <a:srgbClr val="202124"/>
+                        </a:solidFill>
+                        <a:effectLst/>
+                        <a:latin typeface="Roboto"/>
+                      </a:endParaRPr>
+                    </a:p>
+                  </a:txBody>
+                  <a:tcPr marL="76200" marR="76200" marT="76200" marB="76200" anchor="ctr"/>
+                </a:tc>
+                <a:extLst>
+                  <a:ext uri="{0D108BD9-81ED-4DB2-BD59-A6C34878D82A}">
+                    <a16:rowId xmlns:a16="http://schemas.microsoft.com/office/drawing/2014/main" val="2991363585"/>
+                  </a:ext>
+                </a:extLst>
+              </a:tr>
+              <a:tr h="878776">
+                <a:tc>
+                  <a:txBody>
+                    <a:bodyPr/>
+                    <a:lstStyle/>
+                    <a:p>
+                      <a:pPr algn="ctr" fontAlgn="t"/>
+                      <a:r>
+                        <a:rPr lang="ko-KR" altLang="en-US" dirty="0">
+                          <a:effectLst/>
+                        </a:rPr>
+                        <a:t>캐시 </a:t>
+                      </a:r>
+                      <a:r>
+                        <a:rPr lang="ko-KR" altLang="en-US" dirty="0" err="1">
+                          <a:effectLst/>
+                        </a:rPr>
+                        <a:t>이그레스</a:t>
+                      </a:r>
+                    </a:p>
+                  </a:txBody>
+                  <a:tcPr marL="76200" marR="76200" marT="66675" marB="76200" anchor="ctr"/>
+                </a:tc>
+                <a:tc>
+                  <a:txBody>
+                    <a:bodyPr/>
+                    <a:lstStyle/>
+                    <a:p>
+                      <a:pPr algn="ctr" fontAlgn="t"/>
+                      <a:r>
+                        <a:rPr lang="af-ZA" dirty="0">
+                          <a:effectLst/>
+                        </a:rPr>
+                        <a:t>1GB</a:t>
+                      </a:r>
+                      <a:r>
+                        <a:rPr lang="ko-KR" altLang="en-US" dirty="0">
+                          <a:effectLst/>
+                        </a:rPr>
+                        <a:t>당 </a:t>
+                      </a:r>
+                      <a:r>
+                        <a:rPr lang="en-US" altLang="ko-KR" dirty="0">
+                          <a:effectLst/>
+                        </a:rPr>
+                        <a:t>$0.02~$0.20</a:t>
+                      </a:r>
+                    </a:p>
+                  </a:txBody>
+                  <a:tcPr marL="76200" marR="76200" marT="66675" marB="76200" anchor="ctr"/>
+                </a:tc>
+                <a:extLst>
+                  <a:ext uri="{0D108BD9-81ED-4DB2-BD59-A6C34878D82A}">
+                    <a16:rowId xmlns:a16="http://schemas.microsoft.com/office/drawing/2014/main" val="3007900029"/>
+                  </a:ext>
+                </a:extLst>
+              </a:tr>
+              <a:tr h="878776">
+                <a:tc>
+                  <a:txBody>
+                    <a:bodyPr/>
+                    <a:lstStyle/>
+                    <a:p>
+                      <a:pPr algn="ctr" fontAlgn="t"/>
+                      <a:r>
+                        <a:rPr lang="ko-KR" altLang="en-US" dirty="0">
+                          <a:effectLst/>
+                        </a:rPr>
+                        <a:t>캐시 채우기</a:t>
+                      </a:r>
+                    </a:p>
+                  </a:txBody>
+                  <a:tcPr marL="76200" marR="76200" marT="66675" marB="76200" anchor="ctr"/>
+                </a:tc>
+                <a:tc>
+                  <a:txBody>
+                    <a:bodyPr/>
+                    <a:lstStyle/>
+                    <a:p>
+                      <a:pPr algn="ctr" fontAlgn="t"/>
+                      <a:r>
+                        <a:rPr lang="af-ZA" dirty="0">
+                          <a:effectLst/>
+                        </a:rPr>
+                        <a:t>1GB</a:t>
+                      </a:r>
+                      <a:r>
+                        <a:rPr lang="ko-KR" altLang="en-US" dirty="0">
+                          <a:effectLst/>
+                        </a:rPr>
+                        <a:t>당 </a:t>
+                      </a:r>
+                      <a:r>
+                        <a:rPr lang="en-US" altLang="ko-KR" dirty="0">
+                          <a:effectLst/>
+                        </a:rPr>
+                        <a:t>$0.04~$0.15</a:t>
+                      </a:r>
+                    </a:p>
+                  </a:txBody>
+                  <a:tcPr marL="76200" marR="76200" marT="66675" marB="76200" anchor="ctr"/>
+                </a:tc>
+                <a:extLst>
+                  <a:ext uri="{0D108BD9-81ED-4DB2-BD59-A6C34878D82A}">
+                    <a16:rowId xmlns:a16="http://schemas.microsoft.com/office/drawing/2014/main" val="2487752692"/>
+                  </a:ext>
+                </a:extLst>
+              </a:tr>
+              <a:tr h="878776">
+                <a:tc>
+                  <a:txBody>
+                    <a:bodyPr/>
+                    <a:lstStyle/>
+                    <a:p>
+                      <a:pPr algn="ctr" fontAlgn="t"/>
+                      <a:r>
+                        <a:rPr lang="af-ZA" dirty="0">
+                          <a:effectLst/>
+                        </a:rPr>
+                        <a:t>HTTP/HTTPS </a:t>
+                      </a:r>
+                      <a:r>
+                        <a:rPr lang="ko-KR" altLang="en-US" dirty="0">
+                          <a:effectLst/>
+                        </a:rPr>
+                        <a:t>캐시 조회 요청</a:t>
+                      </a:r>
+                    </a:p>
+                  </a:txBody>
+                  <a:tcPr marL="76200" marR="76200" marT="66675" marB="76200" anchor="ctr"/>
+                </a:tc>
+                <a:tc>
+                  <a:txBody>
+                    <a:bodyPr/>
+                    <a:lstStyle/>
+                    <a:p>
+                      <a:pPr algn="ctr" fontAlgn="t"/>
+                      <a:r>
+                        <a:rPr lang="ko-KR" altLang="en-US" dirty="0">
+                          <a:effectLst/>
+                        </a:rPr>
+                        <a:t>요청 </a:t>
+                      </a:r>
+                      <a:r>
+                        <a:rPr lang="en-US" altLang="ko-KR" dirty="0">
+                          <a:effectLst/>
+                        </a:rPr>
+                        <a:t>10,000</a:t>
+                      </a:r>
+                      <a:r>
+                        <a:rPr lang="ko-KR" altLang="en-US" dirty="0">
+                          <a:effectLst/>
+                        </a:rPr>
+                        <a:t>건당 </a:t>
+                      </a:r>
+                      <a:r>
+                        <a:rPr lang="en-US" altLang="ko-KR" dirty="0">
+                          <a:effectLst/>
+                        </a:rPr>
+                        <a:t>$0.0075</a:t>
+                      </a:r>
+                    </a:p>
+                  </a:txBody>
+                  <a:tcPr marL="76200" marR="76200" marT="66675" marB="76200" anchor="ctr"/>
+                </a:tc>
+                <a:extLst>
+                  <a:ext uri="{0D108BD9-81ED-4DB2-BD59-A6C34878D82A}">
+                    <a16:rowId xmlns:a16="http://schemas.microsoft.com/office/drawing/2014/main" val="3166393885"/>
+                  </a:ext>
+                </a:extLst>
+              </a:tr>
+              <a:tr h="878776">
+                <a:tc>
+                  <a:txBody>
+                    <a:bodyPr/>
+                    <a:lstStyle/>
+                    <a:p>
+                      <a:pPr algn="ctr" fontAlgn="t"/>
+                      <a:r>
+                        <a:rPr lang="ko-KR" altLang="en-US" dirty="0">
+                          <a:effectLst/>
+                        </a:rPr>
+                        <a:t>캐시 무효화</a:t>
+                      </a:r>
+                    </a:p>
+                  </a:txBody>
+                  <a:tcPr marL="76200" marR="76200" marT="66675" marB="76200" anchor="ctr"/>
+                </a:tc>
+                <a:tc>
+                  <a:txBody>
+                    <a:bodyPr/>
+                    <a:lstStyle/>
+                    <a:p>
+                      <a:pPr algn="ctr" fontAlgn="t"/>
+                      <a:r>
+                        <a:rPr lang="ko-KR" altLang="en-US" dirty="0">
+                          <a:effectLst/>
+                        </a:rPr>
+                        <a:t>무효화 건당 </a:t>
+                      </a:r>
+                      <a:r>
+                        <a:rPr lang="en-US" altLang="ko-KR" dirty="0">
+                          <a:effectLst/>
+                        </a:rPr>
+                        <a:t>$0.005</a:t>
+                      </a:r>
+                    </a:p>
+                  </a:txBody>
+                  <a:tcPr marL="76200" marR="76200" marT="66675" marB="76200" anchor="ctr"/>
+                </a:tc>
+                <a:extLst>
+                  <a:ext uri="{0D108BD9-81ED-4DB2-BD59-A6C34878D82A}">
+                    <a16:rowId xmlns:a16="http://schemas.microsoft.com/office/drawing/2014/main" val="1042743465"/>
+                  </a:ext>
+                </a:extLst>
+              </a:tr>
+            </a:tbl>
+          </a:graphicData>
+        </a:graphic>
+      </p:graphicFrame>
+    </p:spTree>
+    <p:extLst>
+      <p:ext uri="{BB962C8B-B14F-4D97-AF65-F5344CB8AC3E}">
+        <p14:creationId xmlns:p14="http://schemas.microsoft.com/office/powerpoint/2010/main" val="2039007882"/>
+      </p:ext>
+    </p:extLst>
+  </p:cSld>
+  <p:clrMapOvr>
+    <a:masterClrMapping/>
+  </p:clrMapOvr>
+</p:sld>
+</file>
+
+<file path=ppt/slides/slide13.xml><?xml version="1.0" encoding="utf-8"?>
+<p:sld xmlns:a="http://schemas.openxmlformats.org/drawingml/2006/main" xmlns:r="http://schemas.openxmlformats.org/officeDocument/2006/relationships" xmlns:p="http://schemas.openxmlformats.org/presentationml/2006/main">
+  <p:cSld>
+    <p:spTree>
+      <p:nvGrpSpPr>
+        <p:cNvPr id="1" name=""/>
+        <p:cNvGrpSpPr/>
+        <p:nvPr/>
+      </p:nvGrpSpPr>
+      <p:grpSpPr>
+        <a:xfrm>
+          <a:off x="0" y="0"/>
+          <a:ext cx="0" cy="0"/>
+          <a:chOff x="0" y="0"/>
+          <a:chExt cx="0" cy="0"/>
+        </a:xfrm>
+      </p:grpSpPr>
+      <p:sp>
+        <p:nvSpPr>
+          <p:cNvPr id="2" name="제목 1">
+            <a:extLst>
+              <a:ext uri="{FF2B5EF4-FFF2-40B4-BE49-F238E27FC236}">
+                <a16:creationId xmlns:a16="http://schemas.microsoft.com/office/drawing/2014/main" id="{4FEBD717-7115-4BDE-AB32-780C8A39273A}"/>
+              </a:ext>
+            </a:extLst>
+          </p:cNvPr>
+          <p:cNvSpPr>
+            <a:spLocks noGrp="1"/>
+          </p:cNvSpPr>
+          <p:nvPr>
+            <p:ph type="title"/>
+          </p:nvPr>
+        </p:nvSpPr>
+        <p:spPr/>
+        <p:txBody>
+          <a:bodyPr/>
+          <a:lstStyle/>
+          <a:p>
+            <a:r>
+              <a:rPr lang="ko-KR" altLang="en-US" dirty="0" err="1">
+                <a:ea typeface="맑은 고딕"/>
+              </a:rPr>
+              <a:t>Firestore의</a:t>
+            </a:r>
+            <a:r>
+              <a:rPr lang="ko-KR" altLang="en-US" dirty="0">
+                <a:ea typeface="맑은 고딕"/>
+              </a:rPr>
+              <a:t> 가격표(CDN)</a:t>
+            </a:r>
+          </a:p>
+        </p:txBody>
+      </p:sp>
+      <p:graphicFrame>
+        <p:nvGraphicFramePr>
+          <p:cNvPr id="7" name="표 6">
+            <a:extLst>
+              <a:ext uri="{FF2B5EF4-FFF2-40B4-BE49-F238E27FC236}">
+                <a16:creationId xmlns:a16="http://schemas.microsoft.com/office/drawing/2014/main" id="{F3754815-59E9-4894-99C2-3C649057D4EB}"/>
+              </a:ext>
+            </a:extLst>
+          </p:cNvPr>
+          <p:cNvGraphicFramePr>
+            <a:graphicFrameLocks noGrp="1"/>
+          </p:cNvGraphicFramePr>
+          <p:nvPr/>
+        </p:nvGraphicFramePr>
+        <p:xfrm>
+          <a:off x="833005" y="1872442"/>
+          <a:ext cx="10712178" cy="4485415"/>
+        </p:xfrm>
+        <a:graphic>
+          <a:graphicData uri="http://schemas.openxmlformats.org/drawingml/2006/table">
+            <a:tbl>
+              <a:tblPr firstRow="1" bandRow="1">
+                <a:tableStyleId>{5C22544A-7EE6-4342-B048-85BDC9FD1C3A}</a:tableStyleId>
+              </a:tblPr>
+              <a:tblGrid>
+                <a:gridCol w="5356089">
+                  <a:extLst>
+                    <a:ext uri="{9D8B030D-6E8A-4147-A177-3AD203B41FA5}">
+                      <a16:colId xmlns:a16="http://schemas.microsoft.com/office/drawing/2014/main" val="2610086112"/>
+                    </a:ext>
+                  </a:extLst>
+                </a:gridCol>
+                <a:gridCol w="5356089">
+                  <a:extLst>
+                    <a:ext uri="{9D8B030D-6E8A-4147-A177-3AD203B41FA5}">
+                      <a16:colId xmlns:a16="http://schemas.microsoft.com/office/drawing/2014/main" val="1069078501"/>
+                    </a:ext>
+                  </a:extLst>
+                </a:gridCol>
+              </a:tblGrid>
+              <a:tr h="970311">
+                <a:tc>
+                  <a:txBody>
+                    <a:bodyPr/>
+                    <a:lstStyle/>
+                    <a:p>
+                      <a:pPr algn="ctr" fontAlgn="ctr"/>
+                      <a:r>
+                        <a:rPr lang="ko-KR" altLang="en-US" dirty="0">
+                          <a:effectLst/>
+                        </a:rPr>
+                        <a:t>항목</a:t>
+                      </a:r>
+                      <a:endParaRPr lang="ko-KR" altLang="en-US" b="0" dirty="0">
+                        <a:solidFill>
+                          <a:srgbClr val="202124"/>
+                        </a:solidFill>
+                        <a:effectLst/>
+                        <a:latin typeface="Roboto"/>
+                      </a:endParaRPr>
+                    </a:p>
+                  </a:txBody>
+                  <a:tcPr marL="76200" marR="76200" marT="76200" marB="76200" anchor="ctr"/>
+                </a:tc>
+                <a:tc>
+                  <a:txBody>
+                    <a:bodyPr/>
+                    <a:lstStyle/>
+                    <a:p>
+                      <a:pPr algn="ctr" fontAlgn="ctr"/>
+                      <a:r>
+                        <a:rPr lang="ko-KR" altLang="en-US" dirty="0">
+                          <a:effectLst/>
+                        </a:rPr>
+                        <a:t>가격</a:t>
+                      </a:r>
+                      <a:endParaRPr lang="ko-KR" altLang="en-US" b="0" dirty="0">
+                        <a:solidFill>
+                          <a:srgbClr val="202124"/>
+                        </a:solidFill>
+                        <a:effectLst/>
+                        <a:latin typeface="Roboto"/>
+                      </a:endParaRPr>
+                    </a:p>
+                  </a:txBody>
+                  <a:tcPr marL="76200" marR="76200" marT="76200" marB="76200" anchor="ctr"/>
+                </a:tc>
+                <a:extLst>
+                  <a:ext uri="{0D108BD9-81ED-4DB2-BD59-A6C34878D82A}">
+                    <a16:rowId xmlns:a16="http://schemas.microsoft.com/office/drawing/2014/main" val="2991363585"/>
+                  </a:ext>
+                </a:extLst>
+              </a:tr>
+              <a:tr h="878776">
+                <a:tc>
+                  <a:txBody>
+                    <a:bodyPr/>
+                    <a:lstStyle/>
+                    <a:p>
+                      <a:pPr algn="ctr" fontAlgn="t"/>
+                      <a:r>
+                        <a:rPr lang="ko-KR" altLang="en-US" dirty="0">
+                          <a:effectLst/>
+                        </a:rPr>
+                        <a:t>캐시 </a:t>
+                      </a:r>
+                      <a:r>
+                        <a:rPr lang="ko-KR" altLang="en-US" dirty="0" err="1">
+                          <a:effectLst/>
+                        </a:rPr>
+                        <a:t>이그레스</a:t>
+                      </a:r>
+                    </a:p>
+                  </a:txBody>
+                  <a:tcPr marL="76200" marR="76200" marT="66675" marB="76200" anchor="ctr"/>
+                </a:tc>
+                <a:tc>
+                  <a:txBody>
+                    <a:bodyPr/>
+                    <a:lstStyle/>
+                    <a:p>
+                      <a:pPr algn="ctr" fontAlgn="t"/>
+                      <a:r>
+                        <a:rPr lang="af-ZA" dirty="0">
+                          <a:effectLst/>
+                        </a:rPr>
+                        <a:t>1GB</a:t>
+                      </a:r>
+                      <a:r>
+                        <a:rPr lang="ko-KR" altLang="en-US" dirty="0">
+                          <a:effectLst/>
+                        </a:rPr>
+                        <a:t>당 </a:t>
+                      </a:r>
+                      <a:r>
+                        <a:rPr lang="en-US" altLang="ko-KR" dirty="0">
+                          <a:effectLst/>
+                        </a:rPr>
+                        <a:t>$0.02~$0.20</a:t>
+                      </a:r>
+                    </a:p>
+                  </a:txBody>
+                  <a:tcPr marL="76200" marR="76200" marT="66675" marB="76200" anchor="ctr"/>
+                </a:tc>
+                <a:extLst>
+                  <a:ext uri="{0D108BD9-81ED-4DB2-BD59-A6C34878D82A}">
+                    <a16:rowId xmlns:a16="http://schemas.microsoft.com/office/drawing/2014/main" val="3007900029"/>
+                  </a:ext>
+                </a:extLst>
+              </a:tr>
+              <a:tr h="878776">
+                <a:tc>
+                  <a:txBody>
+                    <a:bodyPr/>
+                    <a:lstStyle/>
+                    <a:p>
+                      <a:pPr algn="ctr" fontAlgn="t"/>
+                      <a:r>
+                        <a:rPr lang="ko-KR" altLang="en-US" dirty="0">
+                          <a:effectLst/>
+                        </a:rPr>
+                        <a:t>캐시 채우기</a:t>
+                      </a:r>
+                    </a:p>
+                  </a:txBody>
+                  <a:tcPr marL="76200" marR="76200" marT="66675" marB="76200" anchor="ctr"/>
+                </a:tc>
+                <a:tc>
+                  <a:txBody>
+                    <a:bodyPr/>
+                    <a:lstStyle/>
+                    <a:p>
+                      <a:pPr algn="ctr" fontAlgn="t"/>
+                      <a:r>
+                        <a:rPr lang="af-ZA" dirty="0">
+                          <a:effectLst/>
+                        </a:rPr>
+                        <a:t>1GB</a:t>
+                      </a:r>
+                      <a:r>
+                        <a:rPr lang="ko-KR" altLang="en-US" dirty="0">
+                          <a:effectLst/>
+                        </a:rPr>
+                        <a:t>당 </a:t>
+                      </a:r>
+                      <a:r>
+                        <a:rPr lang="en-US" altLang="ko-KR" dirty="0">
+                          <a:effectLst/>
+                        </a:rPr>
+                        <a:t>$0.04~$0.15</a:t>
+                      </a:r>
+                    </a:p>
+                  </a:txBody>
+                  <a:tcPr marL="76200" marR="76200" marT="66675" marB="76200" anchor="ctr"/>
+                </a:tc>
+                <a:extLst>
+                  <a:ext uri="{0D108BD9-81ED-4DB2-BD59-A6C34878D82A}">
+                    <a16:rowId xmlns:a16="http://schemas.microsoft.com/office/drawing/2014/main" val="2487752692"/>
+                  </a:ext>
+                </a:extLst>
+              </a:tr>
+              <a:tr h="878776">
+                <a:tc>
+                  <a:txBody>
+                    <a:bodyPr/>
+                    <a:lstStyle/>
+                    <a:p>
+                      <a:pPr algn="ctr" fontAlgn="t"/>
+                      <a:r>
+                        <a:rPr lang="af-ZA" dirty="0">
+                          <a:effectLst/>
+                        </a:rPr>
+                        <a:t>HTTP/HTTPS </a:t>
+                      </a:r>
+                      <a:r>
+                        <a:rPr lang="ko-KR" altLang="en-US" dirty="0">
+                          <a:effectLst/>
+                        </a:rPr>
+                        <a:t>캐시 조회 요청</a:t>
+                      </a:r>
+                    </a:p>
+                  </a:txBody>
+                  <a:tcPr marL="76200" marR="76200" marT="66675" marB="76200" anchor="ctr"/>
+                </a:tc>
+                <a:tc>
+                  <a:txBody>
+                    <a:bodyPr/>
+                    <a:lstStyle/>
+                    <a:p>
+                      <a:pPr algn="ctr" fontAlgn="t"/>
+                      <a:r>
+                        <a:rPr lang="ko-KR" altLang="en-US" dirty="0">
+                          <a:effectLst/>
+                        </a:rPr>
+                        <a:t>요청 </a:t>
+                      </a:r>
+                      <a:r>
+                        <a:rPr lang="en-US" altLang="ko-KR" dirty="0">
+                          <a:effectLst/>
+                        </a:rPr>
+                        <a:t>10,000</a:t>
+                      </a:r>
+                      <a:r>
+                        <a:rPr lang="ko-KR" altLang="en-US" dirty="0">
+                          <a:effectLst/>
+                        </a:rPr>
+                        <a:t>건당 </a:t>
+                      </a:r>
+                      <a:r>
+                        <a:rPr lang="en-US" altLang="ko-KR" dirty="0">
+                          <a:effectLst/>
+                        </a:rPr>
+                        <a:t>$0.0075</a:t>
+                      </a:r>
+                    </a:p>
+                  </a:txBody>
+                  <a:tcPr marL="76200" marR="76200" marT="66675" marB="76200" anchor="ctr"/>
+                </a:tc>
+                <a:extLst>
+                  <a:ext uri="{0D108BD9-81ED-4DB2-BD59-A6C34878D82A}">
+                    <a16:rowId xmlns:a16="http://schemas.microsoft.com/office/drawing/2014/main" val="3166393885"/>
+                  </a:ext>
+                </a:extLst>
+              </a:tr>
+              <a:tr h="878776">
+                <a:tc>
+                  <a:txBody>
+                    <a:bodyPr/>
+                    <a:lstStyle/>
+                    <a:p>
+                      <a:pPr algn="ctr" fontAlgn="t"/>
+                      <a:r>
+                        <a:rPr lang="ko-KR" altLang="en-US" dirty="0">
+                          <a:effectLst/>
+                        </a:rPr>
+                        <a:t>캐시 무효화</a:t>
+                      </a:r>
+                    </a:p>
+                  </a:txBody>
+                  <a:tcPr marL="76200" marR="76200" marT="66675" marB="76200" anchor="ctr"/>
+                </a:tc>
+                <a:tc>
+                  <a:txBody>
+                    <a:bodyPr/>
+                    <a:lstStyle/>
+                    <a:p>
+                      <a:pPr algn="ctr" fontAlgn="t"/>
+                      <a:r>
+                        <a:rPr lang="ko-KR" altLang="en-US" dirty="0">
+                          <a:effectLst/>
+                        </a:rPr>
+                        <a:t>무효화 건당 </a:t>
+                      </a:r>
+                      <a:r>
+                        <a:rPr lang="en-US" altLang="ko-KR" dirty="0">
+                          <a:effectLst/>
+                        </a:rPr>
+                        <a:t>$0.005</a:t>
+                      </a:r>
+                    </a:p>
+                  </a:txBody>
+                  <a:tcPr marL="76200" marR="76200" marT="66675" marB="76200" anchor="ctr"/>
+                </a:tc>
+                <a:extLst>
+                  <a:ext uri="{0D108BD9-81ED-4DB2-BD59-A6C34878D82A}">
+                    <a16:rowId xmlns:a16="http://schemas.microsoft.com/office/drawing/2014/main" val="1042743465"/>
+                  </a:ext>
+                </a:extLst>
+              </a:tr>
+            </a:tbl>
+          </a:graphicData>
+        </a:graphic>
+      </p:graphicFrame>
+    </p:spTree>
+    <p:extLst>
+      <p:ext uri="{BB962C8B-B14F-4D97-AF65-F5344CB8AC3E}">
+        <p14:creationId xmlns:p14="http://schemas.microsoft.com/office/powerpoint/2010/main" val="3147888320"/>
+      </p:ext>
+    </p:extLst>
+  </p:cSld>
+  <p:clrMapOvr>
+    <a:masterClrMapping/>
+  </p:clrMapOvr>
+</p:sld>
+</file>
+
+<file path=ppt/slides/slide14.xml><?xml version="1.0" encoding="utf-8"?>
+<p:sld xmlns:a="http://schemas.openxmlformats.org/drawingml/2006/main" xmlns:r="http://schemas.openxmlformats.org/officeDocument/2006/relationships" xmlns:p="http://schemas.openxmlformats.org/presentationml/2006/main">
+  <p:cSld>
+    <p:spTree>
+      <p:nvGrpSpPr>
+        <p:cNvPr id="1" name=""/>
+        <p:cNvGrpSpPr/>
+        <p:nvPr/>
+      </p:nvGrpSpPr>
+      <p:grpSpPr>
+        <a:xfrm>
+          <a:off x="0" y="0"/>
+          <a:ext cx="0" cy="0"/>
+          <a:chOff x="0" y="0"/>
+          <a:chExt cx="0" cy="0"/>
+        </a:xfrm>
+      </p:grpSpPr>
+      <p:sp>
+        <p:nvSpPr>
+          <p:cNvPr id="2" name="제목 1">
+            <a:extLst>
+              <a:ext uri="{FF2B5EF4-FFF2-40B4-BE49-F238E27FC236}">
+                <a16:creationId xmlns:a16="http://schemas.microsoft.com/office/drawing/2014/main" id="{4FEBD717-7115-4BDE-AB32-780C8A39273A}"/>
+              </a:ext>
+            </a:extLst>
+          </p:cNvPr>
+          <p:cNvSpPr>
+            <a:spLocks noGrp="1"/>
+          </p:cNvSpPr>
+          <p:nvPr>
+            <p:ph type="title"/>
+          </p:nvPr>
+        </p:nvSpPr>
+        <p:spPr/>
+        <p:txBody>
+          <a:bodyPr/>
+          <a:lstStyle/>
+          <a:p>
+            <a:r>
               <a:rPr lang="ko-KR" altLang="en-US" sz="4000" dirty="0" err="1">
                 <a:ea typeface="맑은 고딕"/>
               </a:rPr>
@@ -4037,7 +5327,7 @@
 </p:sld>
 </file>
 
-<file path=ppt/slides/slide12.xml><?xml version="1.0" encoding="utf-8"?>
+<file path=ppt/slides/slide15.xml><?xml version="1.0" encoding="utf-8"?>
 <p:sld xmlns:a="http://schemas.openxmlformats.org/drawingml/2006/main" xmlns:r="http://schemas.openxmlformats.org/officeDocument/2006/relationships" xmlns:p="http://schemas.openxmlformats.org/presentationml/2006/main">
   <p:cSld>
     <p:spTree>
@@ -4857,7 +6147,7 @@
 </p:sld>
 </file>
 
-<file path=ppt/slides/slide13.xml><?xml version="1.0" encoding="utf-8"?>
+<file path=ppt/slides/slide16.xml><?xml version="1.0" encoding="utf-8"?>
 <p:sld xmlns:a="http://schemas.openxmlformats.org/drawingml/2006/main" xmlns:r="http://schemas.openxmlformats.org/officeDocument/2006/relationships" xmlns:p="http://schemas.openxmlformats.org/presentationml/2006/main">
   <p:cSld>
     <p:spTree>
@@ -6006,11 +7296,11 @@
           <a:p>
             <a:pPr latinLnBrk="0"/>
             <a:r>
-              <a:rPr lang="en-US" altLang="ko-KR"/>
+              <a:rPr lang="en-US" altLang="ko-KR" dirty="0" err="1"/>
               <a:t>Firestore</a:t>
             </a:r>
             <a:r>
-              <a:rPr lang="ko-KR" altLang="en-US"/>
+              <a:rPr lang="ko-KR" altLang="en-US" dirty="0"/>
               <a:t>의 구성</a:t>
             </a:r>
           </a:p>
@@ -6046,17 +7336,38 @@
           <a:p>
             <a:pPr latinLnBrk="0"/>
             <a:r>
-              <a:rPr lang="ko-KR" altLang="en-US" sz="1800">
+              <a:rPr lang="ko-KR" altLang="en-US" sz="1800" dirty="0">
                 <a:ea typeface="맑은 고딕"/>
               </a:rPr>
               <a:t>데이터를</a:t>
             </a:r>
             <a:r>
-              <a:rPr lang="en-US" altLang="ko-KR" sz="1800">
+              <a:rPr lang="en-US" altLang="ko-KR" sz="1800" dirty="0">
                 <a:ea typeface="맑은 고딕"/>
               </a:rPr>
-              <a:t> document에 저장</a:t>
-            </a:r>
+              <a:t> </a:t>
+            </a:r>
+            <a:r>
+              <a:rPr lang="en-US" altLang="ko-KR" sz="1800" dirty="0" err="1">
+                <a:ea typeface="맑은 고딕"/>
+              </a:rPr>
+              <a:t>document에</a:t>
+            </a:r>
+            <a:r>
+              <a:rPr lang="en-US" altLang="ko-KR" sz="1800" dirty="0">
+                <a:ea typeface="맑은 고딕"/>
+              </a:rPr>
+              <a:t> </a:t>
+            </a:r>
+            <a:r>
+              <a:rPr lang="en-US" altLang="ko-KR" sz="1800" dirty="0" err="1">
+                <a:ea typeface="맑은 고딕"/>
+              </a:rPr>
+              <a:t>저장</a:t>
+            </a:r>
+            <a:endParaRPr lang="en-US" altLang="ko-KR" sz="1800">
+              <a:ea typeface="맑은 고딕"/>
+            </a:endParaRPr>
           </a:p>
           <a:p>
             <a:pPr marL="0" indent="0">
@@ -6066,42 +7377,8 @@
               <a:rPr lang="en-US" altLang="ko-KR" sz="1800" dirty="0">
                 <a:ea typeface="맑은 고딕"/>
               </a:rPr>
-              <a:t>  - 단순한 문자열과 숫자에서 복잡한 중첩 객체에 이르기까지 다</a:t>
-            </a:r>
-            <a:r>
-              <a:rPr lang="en-US" altLang="ko-KR" sz="1800">
-                <a:ea typeface="맑은 고딕"/>
-              </a:rPr>
-              <a:t>양한 데이터 유형을 지원한다.</a:t>
-            </a:r>
-          </a:p>
-          <a:p>
-            <a:pPr marL="0" indent="0">
-              <a:buNone/>
-            </a:pPr>
-            <a:endParaRPr lang="en-US" altLang="ko-KR" sz="1800" dirty="0">
-              <a:ea typeface="맑은 고딕"/>
-            </a:endParaRPr>
-          </a:p>
-          <a:p>
-            <a:pPr marL="0" indent="0">
-              <a:buNone/>
-            </a:pPr>
-            <a:r>
-              <a:rPr lang="en-US" altLang="ko-KR" sz="1800" dirty="0">
-                <a:ea typeface="맑은 고딕"/>
-              </a:rPr>
-              <a:t>  - 이러한 document는 컬렉션에 저장되는데 이는 데이터를 구성하</a:t>
-            </a:r>
-            <a:r>
-              <a:rPr lang="en-US" altLang="ko-KR" sz="1800">
-                <a:ea typeface="맑은 고딕"/>
-              </a:rPr>
-              <a:t>고 쿼리를 작성하는데 사용할 수 있는 문서의 컨테이너이다.</a:t>
-            </a:r>
-            <a:endParaRPr lang="en-US" altLang="ko-KR" sz="1800" dirty="0">
-              <a:ea typeface="맑은 고딕"/>
-            </a:endParaRPr>
+              <a:t>  </a:t>
+            </a:r>
           </a:p>
         </p:txBody>
       </p:sp>
@@ -6242,40 +7519,23 @@
           <a:lstStyle/>
           <a:p>
             <a:r>
-              <a:rPr lang="ko-KR" altLang="en-US" sz="1800">
+              <a:rPr lang="ko-KR" altLang="en-US" sz="1800" dirty="0" err="1">
                 <a:ea typeface="맑은 고딕"/>
               </a:rPr>
-              <a:t>Firestore에서 쿼리는 표현적이고 효율적이며 유연하다</a:t>
-            </a:r>
-            <a:endParaRPr lang="ko-KR" altLang="en-US"/>
+              <a:t>Firestore에서</a:t>
+            </a:r>
+            <a:r>
+              <a:rPr lang="ko-KR" altLang="en-US" sz="1800" dirty="0">
+                <a:ea typeface="맑은 고딕"/>
+              </a:rPr>
+              <a:t> 쿼리는 표현적이고 효율적이며 유연하다</a:t>
+            </a:r>
+            <a:endParaRPr lang="ko-KR" altLang="en-US" dirty="0"/>
           </a:p>
           <a:p>
             <a:pPr marL="0" indent="0">
               <a:buNone/>
             </a:pPr>
-            <a:r>
-              <a:rPr lang="en-US" altLang="ko-KR" sz="1800">
-                <a:ea typeface="맑은 고딕"/>
-              </a:rPr>
-              <a:t>  - 전체 컬렉션이나 중첩 된 하위 컬렉션을 검색 할 필요없이 문서 수준에서 데이터를 검색하기 위해 쿼리를 수행 할 수 있다.</a:t>
-            </a:r>
-          </a:p>
-          <a:p>
-            <a:pPr marL="0" indent="0">
-              <a:buNone/>
-            </a:pPr>
-            <a:r>
-              <a:rPr lang="en-US" altLang="ko-KR" sz="1800" dirty="0">
-                <a:ea typeface="맑은 고딕"/>
-              </a:rPr>
-              <a:t>  - 쿼리에 정렬, 필터링 및 제한을 </a:t>
-            </a:r>
-            <a:r>
-              <a:rPr lang="en-US" altLang="ko-KR" sz="1800">
-                <a:ea typeface="맑은 고딕"/>
-              </a:rPr>
-              <a:t>추가하여 수행 할 수 있으며, 앱에 실시간 리스너를 추가하면 클라이언트 앱이 변경 사항을 수신 할 때마다 새 스냅샷만 검색하여 데이터 스냅샷을 알려준다.</a:t>
-            </a:r>
             <a:endParaRPr lang="en-US" altLang="ko-KR" sz="1800" dirty="0">
               <a:ea typeface="맑은 고딕"/>
             </a:endParaRPr>
@@ -6399,7 +7659,7 @@
         </p:spPr>
         <p:txBody>
           <a:bodyPr vert="horz" lIns="91440" tIns="45720" rIns="91440" bIns="45720" rtlCol="0" anchor="t">
-            <a:normAutofit fontScale="55000" lnSpcReduction="20000"/>
+            <a:normAutofit fontScale="62500" lnSpcReduction="20000"/>
           </a:bodyPr>
           <a:lstStyle/>
           <a:p>
@@ -6409,14 +7669,145 @@
               </a:lnSpc>
             </a:pPr>
             <a:r>
-              <a:rPr lang="en-US" altLang="ko-KR">
+              <a:rPr lang="en-US" altLang="ko-KR" dirty="0" err="1">
                 <a:ea typeface="맑은 고딕"/>
               </a:rPr>
-              <a:t>Firebase의 장점과 GCP의 결합</a:t>
+              <a:t>Firebase의</a:t>
+            </a:r>
+            <a:r>
+              <a:rPr lang="en-US" altLang="ko-KR" dirty="0">
+                <a:ea typeface="맑은 고딕"/>
+              </a:rPr>
+              <a:t> </a:t>
+            </a:r>
+            <a:r>
+              <a:rPr lang="en-US" altLang="ko-KR" dirty="0" err="1">
+                <a:ea typeface="맑은 고딕"/>
+              </a:rPr>
+              <a:t>장점과</a:t>
+            </a:r>
+            <a:r>
+              <a:rPr lang="en-US" altLang="ko-KR" dirty="0">
+                <a:ea typeface="맑은 고딕"/>
+              </a:rPr>
+              <a:t> </a:t>
+            </a:r>
+            <a:r>
+              <a:rPr lang="en-US" altLang="ko-KR" dirty="0" err="1">
+                <a:ea typeface="맑은 고딕"/>
+              </a:rPr>
+              <a:t>GCP의</a:t>
+            </a:r>
+            <a:r>
+              <a:rPr lang="en-US" altLang="ko-KR" dirty="0">
+                <a:ea typeface="맑은 고딕"/>
+              </a:rPr>
+              <a:t> </a:t>
+            </a:r>
+            <a:r>
+              <a:rPr lang="en-US" altLang="ko-KR" dirty="0" err="1">
+                <a:ea typeface="맑은 고딕"/>
+              </a:rPr>
+              <a:t>결합</a:t>
+            </a:r>
+            <a:endParaRPr lang="ko-KR" dirty="0" err="1">
+              <a:ea typeface="맑은 고딕"/>
+            </a:endParaRPr>
+          </a:p>
+          <a:p>
+            <a:pPr>
+              <a:lnSpc>
+                <a:spcPct val="170000"/>
+              </a:lnSpc>
+            </a:pPr>
+            <a:r>
+              <a:rPr lang="ko-KR" altLang="en-US" dirty="0">
+                <a:ea typeface="맑은 고딕"/>
+              </a:rPr>
+              <a:t>클라우드, 서버리스 솔루션</a:t>
+            </a:r>
+          </a:p>
+          <a:p>
+            <a:pPr>
+              <a:lnSpc>
+                <a:spcPct val="170000"/>
+              </a:lnSpc>
+            </a:pPr>
+            <a:r>
+              <a:rPr lang="ko-KR" dirty="0">
+                <a:latin typeface="Malgun Gothic"/>
+                <a:ea typeface="Malgun Gothic"/>
+              </a:rPr>
+              <a:t>우수한 데이터 처리 기능 제공</a:t>
+            </a:r>
+            <a:endParaRPr lang="ko-KR" dirty="0">
+              <a:ea typeface="+mn-lt"/>
+              <a:cs typeface="+mn-lt"/>
+            </a:endParaRPr>
+          </a:p>
+          <a:p>
+            <a:pPr>
+              <a:lnSpc>
+                <a:spcPct val="170000"/>
+              </a:lnSpc>
+            </a:pPr>
+            <a:r>
+              <a:rPr lang="ko-KR" dirty="0">
+                <a:latin typeface="Malgun Gothic"/>
+                <a:ea typeface="Malgun Gothic"/>
+              </a:rPr>
+              <a:t>규모에 맞게 설계</a:t>
             </a:r>
             <a:endParaRPr lang="ko-KR" dirty="0">
               <a:ea typeface="맑은 고딕"/>
             </a:endParaRPr>
+          </a:p>
+          <a:p>
+            <a:pPr>
+              <a:lnSpc>
+                <a:spcPct val="170000"/>
+              </a:lnSpc>
+            </a:pPr>
+            <a:r>
+              <a:rPr lang="ko-KR" dirty="0">
+                <a:latin typeface="Malgun Gothic"/>
+                <a:ea typeface="Malgun Gothic"/>
+              </a:rPr>
+              <a:t>강력한 보안</a:t>
+            </a:r>
+            <a:endParaRPr lang="ko-KR" dirty="0">
+              <a:ea typeface="+mn-lt"/>
+              <a:cs typeface="+mn-lt"/>
+            </a:endParaRPr>
+          </a:p>
+          <a:p>
+            <a:pPr>
+              <a:lnSpc>
+                <a:spcPct val="170000"/>
+              </a:lnSpc>
+            </a:pPr>
+            <a:r>
+              <a:rPr lang="ko-KR" dirty="0">
+                <a:latin typeface="Malgun Gothic"/>
+                <a:ea typeface="Malgun Gothic"/>
+              </a:rPr>
+              <a:t>오프라인 지원 활성화</a:t>
+            </a:r>
+            <a:endParaRPr lang="ko-KR" dirty="0"/>
+          </a:p>
+          <a:p>
+            <a:pPr>
+              <a:lnSpc>
+                <a:spcPct val="170000"/>
+              </a:lnSpc>
+            </a:pPr>
+            <a:r>
+              <a:rPr lang="ko-KR" dirty="0">
+                <a:latin typeface="Malgun Gothic"/>
+                <a:ea typeface="Malgun Gothic"/>
+              </a:rPr>
+              <a:t>효율적인 가격</a:t>
+            </a:r>
           </a:p>
           <a:p>
             <a:pPr marL="0" indent="0">
@@ -6426,120 +7817,22 @@
               <a:buNone/>
             </a:pPr>
             <a:r>
-              <a:rPr lang="en-US" altLang="ko-KR">
-                <a:ea typeface="맑은 고딕"/>
-              </a:rPr>
-              <a:t>  - GCP와 Firebase의 협업으로 두 가지 이점을 모두 활용한다.</a:t>
-            </a:r>
-            <a:endParaRPr lang="en-US" altLang="ko-KR" dirty="0">
-              <a:ea typeface="맑은 고딕"/>
-            </a:endParaRPr>
-          </a:p>
-          <a:p>
-            <a:pPr marL="0" indent="0">
-              <a:lnSpc>
-                <a:spcPct val="170000"/>
-              </a:lnSpc>
-              <a:buNone/>
-            </a:pPr>
-            <a:r>
-              <a:rPr lang="en-US" altLang="ko-KR" dirty="0">
-                <a:latin typeface="맑은 고딕" panose="020F0502020204030204"/>
-                <a:ea typeface="맑은 고딕"/>
-              </a:rPr>
-              <a:t>  - Firebase 실시간 데이터베이스에서 얻은 전문 지식과 GCP의 </a:t>
-            </a:r>
-            <a:r>
-              <a:rPr lang="en-US" altLang="ko-KR">
-                <a:latin typeface="맑은 고딕" panose="020F0502020204030204"/>
-                <a:ea typeface="맑은 고딕"/>
-              </a:rPr>
-              <a:t>확장성을 결합했고, 자동 업그레이드도 제공</a:t>
-            </a:r>
-          </a:p>
-          <a:p>
-            <a:pPr>
-              <a:lnSpc>
-                <a:spcPct val="170000"/>
-              </a:lnSpc>
-            </a:pPr>
-            <a:endParaRPr lang="ko-KR" altLang="en-US" dirty="0">
-              <a:latin typeface="맑은 고딕" panose="020F0502020204030204"/>
-              <a:ea typeface="맑은 고딕"/>
-            </a:endParaRPr>
-          </a:p>
-          <a:p>
-            <a:pPr>
-              <a:lnSpc>
-                <a:spcPct val="170000"/>
-              </a:lnSpc>
-            </a:pPr>
-            <a:r>
-              <a:rPr lang="ko-KR" altLang="en-US">
-                <a:ea typeface="맑은 고딕"/>
-              </a:rPr>
-              <a:t>클라우드, 서버리스 솔루션</a:t>
-            </a:r>
-            <a:endParaRPr lang="ko-KR" altLang="en-US" dirty="0">
-              <a:ea typeface="맑은 고딕"/>
-            </a:endParaRPr>
-          </a:p>
-          <a:p>
-            <a:pPr marL="0" indent="0">
-              <a:lnSpc>
-                <a:spcPct val="170000"/>
-              </a:lnSpc>
-              <a:buNone/>
-            </a:pPr>
-            <a:r>
-              <a:rPr lang="ko-KR">
-                <a:latin typeface="Malgun Gothic"/>
-                <a:ea typeface="Malgun Gothic"/>
-              </a:rPr>
-              <a:t>  - Firestore는 앱 개발을 단순화 하도록 설계된 서버리스 솔루션이며 </a:t>
-            </a:r>
-            <a:r>
-              <a:rPr lang="ko-KR" altLang="en-US">
-                <a:latin typeface="Malgun Gothic"/>
-                <a:ea typeface="Malgun Gothic"/>
-              </a:rPr>
-              <a:t>데이터에</a:t>
-            </a:r>
-            <a:r>
               <a:rPr lang="ko-KR" dirty="0">
                 <a:latin typeface="Malgun Gothic"/>
                 <a:ea typeface="Malgun Gothic"/>
               </a:rPr>
-              <a:t> 대한 액세스를 관리하기 위한 중개 서버를 설정할 필요가 없다.</a:t>
+              <a:t> </a:t>
+            </a:r>
+            <a:r>
+              <a:rPr lang="ko-KR" altLang="en-US" dirty="0">
+                <a:latin typeface="Malgun Gothic"/>
+                <a:ea typeface="Malgun Gothic"/>
+              </a:rPr>
+              <a:t> </a:t>
             </a:r>
             <a:endParaRPr lang="ko-KR" dirty="0">
-              <a:ea typeface="+mn-lt"/>
-              <a:cs typeface="+mn-lt"/>
-            </a:endParaRPr>
-          </a:p>
-          <a:p>
-            <a:pPr marL="0" indent="0">
-              <a:lnSpc>
-                <a:spcPct val="170000"/>
-              </a:lnSpc>
-              <a:buNone/>
-            </a:pPr>
-            <a:r>
-              <a:rPr lang="ko-KR" altLang="en-US">
-                <a:ea typeface="맑은 고딕"/>
-              </a:rPr>
-              <a:t>  - 쉽고 빠르게 구축하고 실행하는 매우 유용하며 실시간 동기화 및 오프라인 지원을 제공</a:t>
-            </a:r>
-            <a:endParaRPr lang="ko-KR" altLang="en-US" dirty="0">
-              <a:ea typeface="맑은 고딕"/>
-            </a:endParaRPr>
-          </a:p>
-          <a:p>
-            <a:pPr marL="0" indent="0">
-              <a:buNone/>
-            </a:pPr>
-            <a:endParaRPr lang="ko-KR" altLang="en-US" dirty="0">
-              <a:ea typeface="맑은 고딕"/>
+              <a:latin typeface="Malgun Gothic"/>
+              <a:ea typeface="Malgun Gothic"/>
             </a:endParaRPr>
           </a:p>
           <a:p>
@@ -6609,12 +7902,18 @@
           <a:lstStyle/>
           <a:p>
             <a:r>
-              <a:rPr lang="ko-KR" altLang="en-US">
+              <a:rPr lang="ko-KR" altLang="en-US" dirty="0" err="1">
                 <a:ea typeface="맑은 고딕"/>
               </a:rPr>
-              <a:t>Firestore의 장점</a:t>
-            </a:r>
-            <a:endParaRPr lang="ko-KR"/>
+              <a:t>Firestore의</a:t>
+            </a:r>
+            <a:r>
+              <a:rPr lang="ko-KR" altLang="en-US" dirty="0">
+                <a:ea typeface="맑은 고딕"/>
+              </a:rPr>
+              <a:t> 오프라인 지원</a:t>
+            </a:r>
+            <a:endParaRPr lang="ko-KR" dirty="0"/>
           </a:p>
         </p:txBody>
       </p:sp>
@@ -6642,7 +7941,7 @@
         </p:spPr>
         <p:txBody>
           <a:bodyPr vert="horz" lIns="91440" tIns="45720" rIns="91440" bIns="45720" rtlCol="0" anchor="t">
-            <a:normAutofit fontScale="55000" lnSpcReduction="20000"/>
+            <a:normAutofit/>
           </a:bodyPr>
           <a:lstStyle/>
           <a:p>
@@ -6652,14 +7951,11 @@
               </a:lnSpc>
             </a:pPr>
             <a:r>
-              <a:rPr lang="ko-KR" altLang="en-US">
+              <a:rPr lang="ko-KR" altLang="en-US" dirty="0">
                 <a:ea typeface="맑은 고딕"/>
               </a:rPr>
               <a:t>우수한 데이터 처리 기능 제공</a:t>
             </a:r>
-            <a:endParaRPr lang="ko-KR" altLang="en-US" dirty="0">
-              <a:ea typeface="맑은 고딕"/>
-            </a:endParaRPr>
           </a:p>
           <a:p>
             <a:pPr marL="0" indent="0">
@@ -6668,15 +7964,22 @@
               </a:lnSpc>
               <a:buNone/>
             </a:pPr>
-            <a:r>
-              <a:rPr lang="ko-KR" altLang="en-US">
-                <a:ea typeface="맑은 고딕"/>
-              </a:rPr>
-              <a:t>  - 더 구조화되고 객체의 중첩을 활용하므로 데이터 병합, 비정규화가 덜 필요함.</a:t>
-            </a:r>
             <a:endParaRPr lang="ko-KR" altLang="en-US" dirty="0">
               <a:ea typeface="맑은 고딕"/>
             </a:endParaRPr>
+          </a:p>
+          <a:p>
+            <a:pPr>
+              <a:lnSpc>
+                <a:spcPct val="140000"/>
+              </a:lnSpc>
+            </a:pPr>
+            <a:r>
+              <a:rPr lang="ko-KR" altLang="en-US" dirty="0">
+                <a:ea typeface="맑은 고딕"/>
+              </a:rPr>
+              <a:t>규모에 맞게 설계</a:t>
+            </a:r>
           </a:p>
           <a:p>
             <a:pPr marL="0" indent="0">
@@ -6685,111 +7988,7 @@
               </a:lnSpc>
               <a:buNone/>
             </a:pPr>
-            <a:r>
-              <a:rPr lang="ko-KR" altLang="en-US">
-                <a:ea typeface="맑은 고딕"/>
-              </a:rPr>
-              <a:t>  - 인덱싱된 쿼리를 지원하므로 단일 쿼리에서 속성에 대한 필터링과 정렬을 결합 할 수 있다.</a:t>
-            </a:r>
             <a:endParaRPr lang="ko-KR" altLang="en-US" dirty="0">
-              <a:ea typeface="맑은 고딕"/>
-            </a:endParaRPr>
-          </a:p>
-          <a:p>
-            <a:pPr>
-              <a:lnSpc>
-                <a:spcPct val="140000"/>
-              </a:lnSpc>
-            </a:pPr>
-            <a:r>
-              <a:rPr lang="ko-KR" altLang="en-US">
-                <a:ea typeface="맑은 고딕"/>
-              </a:rPr>
-              <a:t>규모에 맞게 설계</a:t>
-            </a:r>
-            <a:endParaRPr lang="ko-KR" altLang="en-US" dirty="0">
-              <a:ea typeface="맑은 고딕"/>
-            </a:endParaRPr>
-          </a:p>
-          <a:p>
-            <a:pPr marL="0" indent="0">
-              <a:lnSpc>
-                <a:spcPct val="140000"/>
-              </a:lnSpc>
-              <a:buNone/>
-            </a:pPr>
-            <a:r>
-              <a:rPr lang="ko-KR" altLang="en-US">
-                <a:ea typeface="+mn-lt"/>
-                <a:cs typeface="+mn-lt"/>
-              </a:rPr>
-              <a:t>  - 애플리케이션의 로드에 따라 자동 스케일링을 제공하도록 설계된 빠른 NoSQL 데이터베이스이다</a:t>
-            </a:r>
-            <a:endParaRPr lang="ko-KR" altLang="en-US" dirty="0">
-              <a:ea typeface="+mn-lt"/>
-              <a:cs typeface="+mn-lt"/>
-            </a:endParaRPr>
-          </a:p>
-          <a:p>
-            <a:pPr marL="0" indent="0">
-              <a:lnSpc>
-                <a:spcPct val="140000"/>
-              </a:lnSpc>
-              <a:buNone/>
-            </a:pPr>
-            <a:r>
-              <a:rPr lang="ko-KR" altLang="en-US" dirty="0">
-                <a:ea typeface="+mn-lt"/>
-                <a:cs typeface="+mn-lt"/>
-              </a:rPr>
-              <a:t>  - 문서 내 하위 컬렉션을 사용하여 데이터를 문서 모음으로 저장하므로 복잡한 계층 구조 데이터를 대규모로 처</a:t>
-            </a:r>
-            <a:r>
-              <a:rPr lang="ko-KR" altLang="en-US">
-                <a:ea typeface="+mn-lt"/>
-                <a:cs typeface="+mn-lt"/>
-              </a:rPr>
-              <a:t>리하고 정리하는것이 쉽다.</a:t>
-            </a:r>
-            <a:endParaRPr lang="ko-KR" altLang="en-US" dirty="0">
-              <a:ea typeface="+mn-lt"/>
-              <a:cs typeface="+mn-lt"/>
-            </a:endParaRPr>
-          </a:p>
-          <a:p>
-            <a:pPr marL="0" indent="0">
-              <a:lnSpc>
-                <a:spcPct val="140000"/>
-              </a:lnSpc>
-              <a:buNone/>
-            </a:pPr>
-            <a:r>
-              <a:rPr lang="ko-KR" altLang="en-US">
-                <a:ea typeface="+mn-lt"/>
-                <a:cs typeface="+mn-lt"/>
-              </a:rPr>
-              <a:t>  - 자동으로 확장되는 다중 지역 솔루션으로, 개별 지역의 여러 데이터 센터에 데이터를 배포하므로 글로벌 확장성과 강력한 안정성을 제공한다. </a:t>
-            </a:r>
-            <a:endParaRPr lang="ko-KR" altLang="en-US" dirty="0">
-              <a:ea typeface="+mn-lt"/>
-              <a:cs typeface="+mn-lt"/>
-            </a:endParaRPr>
-          </a:p>
-          <a:p>
-            <a:pPr marL="0" indent="0">
-              <a:lnSpc>
-                <a:spcPct val="140000"/>
-              </a:lnSpc>
-              <a:buNone/>
-            </a:pPr>
-            <a:r>
-              <a:rPr lang="ko-KR" altLang="en-US">
-                <a:ea typeface="+mn-lt"/>
-                <a:cs typeface="+mn-lt"/>
-              </a:rPr>
-              <a:t>  - 조정은 Cloud FIrestore에서 완전히 자동으로 이루어지며 최대 백만개의 동시 연결 및 초당 만회의 쓰기로 확장할 수 있다.</a:t>
-            </a:r>
-            <a:endParaRPr lang="ko-KR">
               <a:ea typeface="맑은 고딕"/>
             </a:endParaRPr>
           </a:p>
@@ -6882,117 +8081,25 @@
         </p:spPr>
         <p:txBody>
           <a:bodyPr vert="horz" lIns="91440" tIns="45720" rIns="91440" bIns="45720" rtlCol="0" anchor="t">
-            <a:normAutofit fontScale="47500" lnSpcReduction="20000"/>
+            <a:normAutofit/>
           </a:bodyPr>
           <a:lstStyle/>
           <a:p>
             <a:r>
-              <a:rPr lang="ko-KR" altLang="en-US">
+              <a:rPr lang="ko-KR" altLang="en-US" dirty="0">
                 <a:ea typeface="맑은 고딕"/>
               </a:rPr>
               <a:t>강력한 보안</a:t>
             </a:r>
+          </a:p>
+          <a:p>
             <a:endParaRPr lang="ko-KR" altLang="en-US" dirty="0">
               <a:ea typeface="맑은 고딕"/>
             </a:endParaRPr>
           </a:p>
           <a:p>
-            <a:pPr marL="0" indent="0">
-              <a:buNone/>
-            </a:pPr>
             <a:r>
               <a:rPr lang="ko-KR" altLang="en-US" dirty="0">
-                <a:ea typeface="맑은 고딕"/>
-              </a:rPr>
-              <a:t>  - Firestore는 자동 다중 리전 복제 및 강력한 일관성을 제공한다. 이를</a:t>
-            </a:r>
-            <a:r>
-              <a:rPr lang="ko-KR" altLang="en-US">
-                <a:ea typeface="맑은 고딕"/>
-              </a:rPr>
-              <a:t>통해 재해가 발생하더라도 데이터가 안전하게 사용이 가능하다</a:t>
-            </a:r>
-            <a:endParaRPr lang="ko-KR" altLang="en-US" dirty="0">
-              <a:ea typeface="맑은 고딕"/>
-            </a:endParaRPr>
-          </a:p>
-          <a:p>
-            <a:pPr marL="0" indent="0">
-              <a:buNone/>
-            </a:pPr>
-            <a:endParaRPr lang="ko-KR" altLang="en-US" dirty="0">
-              <a:ea typeface="맑은 고딕"/>
-            </a:endParaRPr>
-          </a:p>
-          <a:p>
-            <a:pPr marL="0" indent="0">
-              <a:buNone/>
-            </a:pPr>
-            <a:r>
-              <a:rPr lang="ko-KR" altLang="en-US">
-                <a:ea typeface="맑은 고딕"/>
-              </a:rPr>
-              <a:t>  - 보안 규칙을 사용하여 모바일 및 웹 플랫폼과 인증 및 액세스 관리를 사용하는 서버 SDK에 유연하고 강력한 보안을 제공한다.</a:t>
-            </a:r>
-            <a:endParaRPr lang="ko-KR" altLang="en-US" dirty="0">
-              <a:ea typeface="맑은 고딕"/>
-            </a:endParaRPr>
-          </a:p>
-          <a:p>
-            <a:pPr marL="0" indent="0">
-              <a:buNone/>
-            </a:pPr>
-            <a:endParaRPr lang="ko-KR" altLang="en-US" dirty="0">
-              <a:ea typeface="맑은 고딕"/>
-            </a:endParaRPr>
-          </a:p>
-          <a:p>
-            <a:pPr marL="0" indent="0">
-              <a:buNone/>
-            </a:pPr>
-            <a:r>
-              <a:rPr lang="ko-KR" altLang="en-US">
-                <a:ea typeface="맑은 고딕"/>
-              </a:rPr>
-              <a:t>  - Firestore를 사용하면 인증 및 유효성 검사를 결합하는 비연속 규칙으로 자동 데이터 유효성 검사를 수행한다.</a:t>
-            </a:r>
-            <a:endParaRPr lang="ko-KR" altLang="en-US" dirty="0">
-              <a:ea typeface="맑은 고딕"/>
-            </a:endParaRPr>
-          </a:p>
-          <a:p>
-            <a:pPr marL="0" indent="0">
-              <a:buNone/>
-            </a:pPr>
-            <a:r>
-              <a:rPr lang="ko-KR" altLang="en-US" dirty="0">
-                <a:ea typeface="맑은 고딕"/>
-              </a:rPr>
-              <a:t>  </a:t>
-            </a:r>
-          </a:p>
-          <a:p>
-            <a:pPr marL="0" indent="0">
-              <a:buNone/>
-            </a:pPr>
-            <a:r>
-              <a:rPr lang="ko-KR" altLang="en-US">
-                <a:ea typeface="맑은 고딕"/>
-              </a:rPr>
-              <a:t>  - 전용 규칙을 작성할수 있으며, 루프, 할당 문은 없지만 최종 true/false 값으로 복잡한 표현식을 작성할 수 있다.</a:t>
-            </a:r>
-            <a:endParaRPr lang="ko-KR" altLang="en-US" dirty="0">
-              <a:ea typeface="맑은 고딕"/>
-            </a:endParaRPr>
-          </a:p>
-          <a:p>
-            <a:endParaRPr lang="ko-KR" altLang="en-US" dirty="0">
-              <a:ea typeface="맑은 고딕"/>
-            </a:endParaRPr>
-          </a:p>
-          <a:p>
-            <a:r>
-              <a:rPr lang="ko-KR" altLang="en-US">
                 <a:ea typeface="맑은 고딕"/>
               </a:rPr>
               <a:t>오프라인 지원 활성화</a:t>
@@ -7005,46 +8112,6 @@
               </a:lnSpc>
               <a:buNone/>
             </a:pPr>
-            <a:r>
-              <a:rPr lang="ko-KR" altLang="en-US">
-                <a:ea typeface="맑은 고딕"/>
-              </a:rPr>
-              <a:t>  - 웹 클라이언트 뿐만 아니라 모바일에 대한 오프라인 지원을 제공한다. 백엔드의 데이터가 변경되면 응용프로그램을 거의 실시간으로 업데이트 할 수 있다.</a:t>
-            </a:r>
-          </a:p>
-          <a:p>
-            <a:pPr marL="0" indent="0">
-              <a:lnSpc>
-                <a:spcPct val="120000"/>
-              </a:lnSpc>
-              <a:buNone/>
-            </a:pPr>
-            <a:r>
-              <a:rPr lang="ko-KR" altLang="en-US">
-                <a:ea typeface="맑은 고딕"/>
-              </a:rPr>
-              <a:t>  - 내장된 오프라인 지원을 제공하고 로컬 캐시를 사용하여 데이터를 제공하고 저장한다. 온라인 또는 오프라인으로 장치간에 데이터를 동기화 할 수 있다.</a:t>
-            </a:r>
-          </a:p>
-          <a:p>
-            <a:pPr marL="0" indent="0">
-              <a:lnSpc>
-                <a:spcPct val="120000"/>
-              </a:lnSpc>
-              <a:buNone/>
-            </a:pPr>
-            <a:r>
-              <a:rPr lang="ko-KR" altLang="en-US" dirty="0">
-                <a:ea typeface="맑은 고딕"/>
-              </a:rPr>
-              <a:t>  - Firestore를 사용하면 네트워크 대기시간이나 인터넷 연결에 관계없이 앱이 계속 반응하여 기기가 오프라인 상태일때에도 데이터를 읽고, 쓰</a:t>
-            </a:r>
-            <a:r>
-              <a:rPr lang="ko-KR" altLang="en-US">
-                <a:ea typeface="맑은 고딕"/>
-              </a:rPr>
-              <a:t>고, 듣고, 쿼리할 수 있다. 오프라인 상태에서 변경한 경우 클라이언트가 다시 온라인 상태가 되면 동일한 정보가 클라우드에 동기화된다.</a:t>
-            </a:r>
             <a:endParaRPr lang="ko-KR" altLang="en-US" dirty="0">
               <a:ea typeface="맑은 고딕"/>
             </a:endParaRPr>
@@ -7138,12 +8205,12 @@
         </p:spPr>
         <p:txBody>
           <a:bodyPr vert="horz" lIns="91440" tIns="45720" rIns="91440" bIns="45720" rtlCol="0" anchor="t">
-            <a:normAutofit fontScale="92500"/>
+            <a:normAutofit/>
           </a:bodyPr>
           <a:lstStyle/>
           <a:p>
             <a:r>
-              <a:rPr lang="ko-KR" altLang="en-US">
+              <a:rPr lang="ko-KR" altLang="en-US" dirty="0">
                 <a:ea typeface="맑은 고딕"/>
               </a:rPr>
               <a:t>효율적인 가격</a:t>
@@ -7153,54 +8220,7 @@
             <a:pPr marL="0" indent="0">
               <a:buNone/>
             </a:pPr>
-            <a:r>
-              <a:rPr lang="ko-KR" altLang="en-US">
-                <a:ea typeface="맑은 고딕"/>
-              </a:rPr>
-              <a:t>  - Firestore는 저렴한 데이터베이스 솔루션으로, 네트워크 대역폭 및 스토리지 양과는 별도로 읽기, 쓰기 및 삭제 횟수를 포함하여 데이터베이스에서 수행되는 작업에 대해 요금을 청구한다.</a:t>
-            </a:r>
-          </a:p>
-          <a:p>
-            <a:pPr marL="0" indent="0">
-              <a:buNone/>
-            </a:pPr>
-            <a:endParaRPr lang="ko-KR" altLang="en-US" dirty="0">
-              <a:ea typeface="맑은 고딕"/>
-            </a:endParaRPr>
-          </a:p>
-          <a:p>
-            <a:pPr marL="0" indent="0">
-              <a:buNone/>
-            </a:pPr>
-            <a:r>
-              <a:rPr lang="ko-KR" altLang="en-US">
-                <a:ea typeface="맑은 고딕"/>
-              </a:rPr>
-              <a:t>  - 운영 비용과 네트워크 대역폭 및 스토리지 양을 모두 청구 하더라도 Firestore의 전체 요금과 사용 비용은 매우 낮다.</a:t>
-            </a:r>
-            <a:endParaRPr lang="ko-KR" altLang="en-US" dirty="0">
-              <a:ea typeface="맑은 고딕"/>
-            </a:endParaRPr>
-          </a:p>
-          <a:p>
-            <a:pPr marL="0" indent="0">
-              <a:buNone/>
-            </a:pPr>
-            <a:endParaRPr lang="ko-KR" altLang="en-US" dirty="0">
-              <a:ea typeface="맑은 고딕"/>
-            </a:endParaRPr>
-          </a:p>
-          <a:p>
-            <a:pPr marL="0" indent="0">
-              <a:buNone/>
-            </a:pPr>
-            <a:r>
-              <a:rPr lang="ko-KR" altLang="en-US">
-                <a:ea typeface="맑은 고딕"/>
-              </a:rPr>
-              <a:t>  - Firestore를 사용하면 사용 기간동안 읽기, 쓰기 및 삭제 그래프를 표시하는 "사용"탭을 통해 사용량을 실시간으로 확인 할 수 있다.</a:t>
-            </a:r>
-            <a:endParaRPr lang="ko-KR" altLang="en-US" dirty="0">
+            <a:endParaRPr lang="ko-KR" altLang="en-US">
               <a:ea typeface="맑은 고딕"/>
             </a:endParaRPr>
           </a:p>

--- a/GCP기반 Serverless 아키텍쳐.pptx
+++ b/GCP기반 Serverless 아키텍쳐.pptx
@@ -10,17 +10,14 @@
     <p:sldId id="270" r:id="rId4"/>
     <p:sldId id="271" r:id="rId5"/>
     <p:sldId id="260" r:id="rId6"/>
-    <p:sldId id="261" r:id="rId7"/>
-    <p:sldId id="265" r:id="rId8"/>
-    <p:sldId id="268" r:id="rId9"/>
-    <p:sldId id="272" r:id="rId10"/>
-    <p:sldId id="273" r:id="rId11"/>
-    <p:sldId id="277" r:id="rId12"/>
-    <p:sldId id="278" r:id="rId13"/>
-    <p:sldId id="279" r:id="rId14"/>
-    <p:sldId id="275" r:id="rId15"/>
-    <p:sldId id="276" r:id="rId16"/>
-    <p:sldId id="269" r:id="rId17"/>
+    <p:sldId id="272" r:id="rId7"/>
+    <p:sldId id="273" r:id="rId8"/>
+    <p:sldId id="277" r:id="rId9"/>
+    <p:sldId id="278" r:id="rId10"/>
+    <p:sldId id="279" r:id="rId11"/>
+    <p:sldId id="275" r:id="rId12"/>
+    <p:sldId id="276" r:id="rId13"/>
+    <p:sldId id="269" r:id="rId14"/>
   </p:sldIdLst>
   <p:sldSz cx="12192000" cy="6858000"/>
   <p:notesSz cx="6858000" cy="9144000"/>
@@ -136,6 +133,7 @@
     <p1510:client id="{294EB63F-6092-4DBE-BB37-9ADE068DE868}" v="2" dt="2020-03-04T01:43:27.066"/>
     <p1510:client id="{73AFE249-DAAE-433C-B2B3-D4439BEA4BFA}" v="1375" dt="2020-03-08T22:04:05.042"/>
     <p1510:client id="{A342DE91-562B-486A-8E94-E5262CFE1A7C}" v="342" dt="2020-03-03T19:31:20.211"/>
+    <p1510:client id="{AF3D05EA-91CA-48B5-A686-E33BFB5847DE}" v="3" dt="2020-03-11T00:15:27.961"/>
     <p1510:client id="{E9102FB3-97B8-4CAA-9647-81211387C0C1}" v="6045" dt="2020-03-08T21:46:14.094"/>
   </p1510:revLst>
 </p1510:revInfo>
@@ -3106,1236 +3104,6 @@
               <a:rPr lang="ko-KR" altLang="en-US" dirty="0">
                 <a:ea typeface="맑은 고딕"/>
               </a:rPr>
-              <a:t> 가격 책정(도쿄 기준)</a:t>
-            </a:r>
-          </a:p>
-        </p:txBody>
-      </p:sp>
-      <p:graphicFrame>
-        <p:nvGraphicFramePr>
-          <p:cNvPr id="6" name="표 6">
-            <a:extLst>
-              <a:ext uri="{FF2B5EF4-FFF2-40B4-BE49-F238E27FC236}">
-                <a16:creationId xmlns:a16="http://schemas.microsoft.com/office/drawing/2014/main" id="{4818F34B-458F-4691-9455-1BB2BEC6EF38}"/>
-              </a:ext>
-            </a:extLst>
-          </p:cNvPr>
-          <p:cNvGraphicFramePr>
-            <a:graphicFrameLocks noGrp="1"/>
-          </p:cNvGraphicFramePr>
-          <p:nvPr>
-            <p:ph sz="half" idx="1"/>
-            <p:extLst>
-              <p:ext uri="{D42A27DB-BD31-4B8C-83A1-F6EECF244321}">
-                <p14:modId xmlns:p14="http://schemas.microsoft.com/office/powerpoint/2010/main" val="1153423466"/>
-              </p:ext>
-            </p:extLst>
-          </p:nvPr>
-        </p:nvGraphicFramePr>
-        <p:xfrm>
-          <a:off x="838200" y="1825625"/>
-          <a:ext cx="9867088" cy="4269035"/>
-        </p:xfrm>
-        <a:graphic>
-          <a:graphicData uri="http://schemas.openxmlformats.org/drawingml/2006/table">
-            <a:tbl>
-              <a:tblPr firstRow="1" bandRow="1">
-                <a:tableStyleId>{5C22544A-7EE6-4342-B048-85BDC9FD1C3A}</a:tableStyleId>
-              </a:tblPr>
-              <a:tblGrid>
-                <a:gridCol w="4933544">
-                  <a:extLst>
-                    <a:ext uri="{9D8B030D-6E8A-4147-A177-3AD203B41FA5}">
-                      <a16:colId xmlns:a16="http://schemas.microsoft.com/office/drawing/2014/main" val="779221321"/>
-                    </a:ext>
-                  </a:extLst>
-                </a:gridCol>
-                <a:gridCol w="4933544">
-                  <a:extLst>
-                    <a:ext uri="{9D8B030D-6E8A-4147-A177-3AD203B41FA5}">
-                      <a16:colId xmlns:a16="http://schemas.microsoft.com/office/drawing/2014/main" val="636481357"/>
-                    </a:ext>
-                  </a:extLst>
-                </a:gridCol>
-              </a:tblGrid>
-              <a:tr h="853807">
-                <a:tc>
-                  <a:txBody>
-                    <a:bodyPr/>
-                    <a:lstStyle/>
-                    <a:p>
-                      <a:pPr algn="ctr" latinLnBrk="1"/>
-                      <a:endParaRPr lang="ko-KR" altLang="en-US"/>
-                    </a:p>
-                  </a:txBody>
-                  <a:tcPr anchor="ctr"/>
-                </a:tc>
-                <a:tc>
-                  <a:txBody>
-                    <a:bodyPr/>
-                    <a:lstStyle/>
-                    <a:p>
-                      <a:pPr algn="ctr" latinLnBrk="1"/>
-                      <a:r>
-                        <a:rPr lang="ko-KR" altLang="en-US" dirty="0"/>
-                        <a:t>무료 할당량 초과 시 가격</a:t>
-                      </a:r>
-                    </a:p>
-                  </a:txBody>
-                  <a:tcPr anchor="ctr"/>
-                </a:tc>
-                <a:extLst>
-                  <a:ext uri="{0D108BD9-81ED-4DB2-BD59-A6C34878D82A}">
-                    <a16:rowId xmlns:a16="http://schemas.microsoft.com/office/drawing/2014/main" val="141060451"/>
-                  </a:ext>
-                </a:extLst>
-              </a:tr>
-              <a:tr h="853807">
-                <a:tc>
-                  <a:txBody>
-                    <a:bodyPr/>
-                    <a:lstStyle/>
-                    <a:p>
-                      <a:pPr algn="ctr" latinLnBrk="1"/>
-                      <a:r>
-                        <a:rPr lang="ko-KR" altLang="en-US" dirty="0"/>
-                        <a:t>문서 읽기</a:t>
-                      </a:r>
-                    </a:p>
-                  </a:txBody>
-                  <a:tcPr anchor="ctr"/>
-                </a:tc>
-                <a:tc>
-                  <a:txBody>
-                    <a:bodyPr/>
-                    <a:lstStyle/>
-                    <a:p>
-                      <a:pPr lvl="0" algn="ctr">
-                        <a:buNone/>
-                      </a:pPr>
-                      <a:r>
-                        <a:rPr lang="ko-KR" sz="1800" b="0" i="0" u="none" strike="noStrike" noProof="0" dirty="0">
-                          <a:latin typeface="맑은 고딕"/>
-                          <a:ea typeface="맑은 고딕"/>
-                        </a:rPr>
-                        <a:t>문서 100,000개당 $</a:t>
-                      </a:r>
-                      <a:r>
-                        <a:rPr lang="en-US" altLang="ko-KR" sz="1800" b="0" i="0" u="none" strike="noStrike" noProof="0" dirty="0">
-                          <a:latin typeface="맑은 고딕"/>
-                          <a:ea typeface="맑은 고딕"/>
-                        </a:rPr>
-                        <a:t>0.038</a:t>
-                      </a:r>
-                      <a:endParaRPr lang="ko-KR" dirty="0"/>
-                    </a:p>
-                  </a:txBody>
-                  <a:tcPr anchor="ctr"/>
-                </a:tc>
-                <a:extLst>
-                  <a:ext uri="{0D108BD9-81ED-4DB2-BD59-A6C34878D82A}">
-                    <a16:rowId xmlns:a16="http://schemas.microsoft.com/office/drawing/2014/main" val="1496240924"/>
-                  </a:ext>
-                </a:extLst>
-              </a:tr>
-              <a:tr h="853807">
-                <a:tc>
-                  <a:txBody>
-                    <a:bodyPr/>
-                    <a:lstStyle/>
-                    <a:p>
-                      <a:pPr algn="ctr" latinLnBrk="1"/>
-                      <a:r>
-                        <a:rPr lang="ko-KR" altLang="en-US" dirty="0"/>
-                        <a:t>문서 쓰기</a:t>
-                      </a:r>
-                    </a:p>
-                  </a:txBody>
-                  <a:tcPr anchor="ctr"/>
-                </a:tc>
-                <a:tc>
-                  <a:txBody>
-                    <a:bodyPr/>
-                    <a:lstStyle/>
-                    <a:p>
-                      <a:pPr lvl="0" algn="ctr">
-                        <a:buNone/>
-                      </a:pPr>
-                      <a:r>
-                        <a:rPr lang="ko-KR" sz="1800" b="0" i="0" u="none" strike="noStrike" noProof="0" dirty="0">
-                          <a:latin typeface="맑은 고딕"/>
-                          <a:ea typeface="맑은 고딕"/>
-                        </a:rPr>
-                        <a:t>문서 100,000개당 $</a:t>
-                      </a:r>
-                      <a:r>
-                        <a:rPr lang="en-US" altLang="ko-KR" sz="1800" b="0" i="0" u="none" strike="noStrike" noProof="0" dirty="0">
-                          <a:latin typeface="맑은 고딕"/>
-                          <a:ea typeface="맑은 고딕"/>
-                        </a:rPr>
-                        <a:t>0.115</a:t>
-                      </a:r>
-                      <a:endParaRPr lang="ko-KR" dirty="0"/>
-                    </a:p>
-                  </a:txBody>
-                  <a:tcPr anchor="ctr"/>
-                </a:tc>
-                <a:extLst>
-                  <a:ext uri="{0D108BD9-81ED-4DB2-BD59-A6C34878D82A}">
-                    <a16:rowId xmlns:a16="http://schemas.microsoft.com/office/drawing/2014/main" val="3851676780"/>
-                  </a:ext>
-                </a:extLst>
-              </a:tr>
-              <a:tr h="853807">
-                <a:tc>
-                  <a:txBody>
-                    <a:bodyPr/>
-                    <a:lstStyle/>
-                    <a:p>
-                      <a:pPr algn="ctr" latinLnBrk="1"/>
-                      <a:r>
-                        <a:rPr lang="ko-KR" altLang="en-US" dirty="0"/>
-                        <a:t>문서 삭제</a:t>
-                      </a:r>
-                    </a:p>
-                  </a:txBody>
-                  <a:tcPr anchor="ctr"/>
-                </a:tc>
-                <a:tc>
-                  <a:txBody>
-                    <a:bodyPr/>
-                    <a:lstStyle/>
-                    <a:p>
-                      <a:pPr algn="ctr" latinLnBrk="1"/>
-                      <a:r>
-                        <a:rPr lang="ko-KR" altLang="en-US" dirty="0"/>
-                        <a:t>문서 100,000개당 $0.013</a:t>
-                      </a:r>
-                    </a:p>
-                  </a:txBody>
-                  <a:tcPr anchor="ctr"/>
-                </a:tc>
-                <a:extLst>
-                  <a:ext uri="{0D108BD9-81ED-4DB2-BD59-A6C34878D82A}">
-                    <a16:rowId xmlns:a16="http://schemas.microsoft.com/office/drawing/2014/main" val="2881918532"/>
-                  </a:ext>
-                </a:extLst>
-              </a:tr>
-              <a:tr h="853807">
-                <a:tc>
-                  <a:txBody>
-                    <a:bodyPr/>
-                    <a:lstStyle/>
-                    <a:p>
-                      <a:pPr algn="ctr" latinLnBrk="1"/>
-                      <a:r>
-                        <a:rPr lang="ko-KR" altLang="en-US" dirty="0"/>
-                        <a:t>저장된 데이터</a:t>
-                      </a:r>
-                    </a:p>
-                  </a:txBody>
-                  <a:tcPr anchor="ctr"/>
-                </a:tc>
-                <a:tc>
-                  <a:txBody>
-                    <a:bodyPr/>
-                    <a:lstStyle/>
-                    <a:p>
-                      <a:pPr algn="ctr" latinLnBrk="1"/>
-                      <a:r>
-                        <a:rPr lang="ko-KR" altLang="en-US" dirty="0"/>
-                        <a:t>$0.115/</a:t>
-                      </a:r>
-                      <a:r>
-                        <a:rPr lang="ko-KR" altLang="en-US" dirty="0" err="1"/>
-                        <a:t>GiB</a:t>
-                      </a:r>
-                      <a:r>
-                        <a:rPr lang="ko-KR" altLang="en-US" dirty="0"/>
-                        <a:t>/월</a:t>
-                      </a:r>
-                    </a:p>
-                  </a:txBody>
-                  <a:tcPr anchor="ctr"/>
-                </a:tc>
-                <a:extLst>
-                  <a:ext uri="{0D108BD9-81ED-4DB2-BD59-A6C34878D82A}">
-                    <a16:rowId xmlns:a16="http://schemas.microsoft.com/office/drawing/2014/main" val="2530412921"/>
-                  </a:ext>
-                </a:extLst>
-              </a:tr>
-            </a:tbl>
-          </a:graphicData>
-        </a:graphic>
-      </p:graphicFrame>
-    </p:spTree>
-    <p:extLst>
-      <p:ext uri="{BB962C8B-B14F-4D97-AF65-F5344CB8AC3E}">
-        <p14:creationId xmlns:p14="http://schemas.microsoft.com/office/powerpoint/2010/main" val="2215000048"/>
-      </p:ext>
-    </p:extLst>
-  </p:cSld>
-  <p:clrMapOvr>
-    <a:masterClrMapping/>
-  </p:clrMapOvr>
-</p:sld>
-</file>
-
-<file path=ppt/slides/slide11.xml><?xml version="1.0" encoding="utf-8"?>
-<p:sld xmlns:a="http://schemas.openxmlformats.org/drawingml/2006/main" xmlns:r="http://schemas.openxmlformats.org/officeDocument/2006/relationships" xmlns:p="http://schemas.openxmlformats.org/presentationml/2006/main">
-  <p:cSld>
-    <p:spTree>
-      <p:nvGrpSpPr>
-        <p:cNvPr id="1" name=""/>
-        <p:cNvGrpSpPr/>
-        <p:nvPr/>
-      </p:nvGrpSpPr>
-      <p:grpSpPr>
-        <a:xfrm>
-          <a:off x="0" y="0"/>
-          <a:ext cx="0" cy="0"/>
-          <a:chOff x="0" y="0"/>
-          <a:chExt cx="0" cy="0"/>
-        </a:xfrm>
-      </p:grpSpPr>
-      <p:sp>
-        <p:nvSpPr>
-          <p:cNvPr id="2" name="제목 1">
-            <a:extLst>
-              <a:ext uri="{FF2B5EF4-FFF2-40B4-BE49-F238E27FC236}">
-                <a16:creationId xmlns:a16="http://schemas.microsoft.com/office/drawing/2014/main" id="{4FEBD717-7115-4BDE-AB32-780C8A39273A}"/>
-              </a:ext>
-            </a:extLst>
-          </p:cNvPr>
-          <p:cNvSpPr>
-            <a:spLocks noGrp="1"/>
-          </p:cNvSpPr>
-          <p:nvPr>
-            <p:ph type="title"/>
-          </p:nvPr>
-        </p:nvSpPr>
-        <p:spPr/>
-        <p:txBody>
-          <a:bodyPr/>
-          <a:lstStyle/>
-          <a:p>
-            <a:r>
-              <a:rPr lang="ko-KR" altLang="en-US" dirty="0" err="1">
-                <a:ea typeface="맑은 고딕"/>
-              </a:rPr>
-              <a:t>Firestore의</a:t>
-            </a:r>
-            <a:r>
-              <a:rPr lang="ko-KR" altLang="en-US" dirty="0">
-                <a:ea typeface="맑은 고딕"/>
-              </a:rPr>
-              <a:t> 가격 책정(CDN)</a:t>
-            </a:r>
-          </a:p>
-        </p:txBody>
-      </p:sp>
-      <p:graphicFrame>
-        <p:nvGraphicFramePr>
-          <p:cNvPr id="6" name="표 6">
-            <a:extLst>
-              <a:ext uri="{FF2B5EF4-FFF2-40B4-BE49-F238E27FC236}">
-                <a16:creationId xmlns:a16="http://schemas.microsoft.com/office/drawing/2014/main" id="{4818F34B-458F-4691-9455-1BB2BEC6EF38}"/>
-              </a:ext>
-            </a:extLst>
-          </p:cNvPr>
-          <p:cNvGraphicFramePr>
-            <a:graphicFrameLocks noGrp="1"/>
-          </p:cNvGraphicFramePr>
-          <p:nvPr>
-            <p:ph sz="half" idx="1"/>
-            <p:extLst>
-              <p:ext uri="{D42A27DB-BD31-4B8C-83A1-F6EECF244321}">
-                <p14:modId xmlns:p14="http://schemas.microsoft.com/office/powerpoint/2010/main" val="2448448595"/>
-              </p:ext>
-            </p:extLst>
-          </p:nvPr>
-        </p:nvGraphicFramePr>
-        <p:xfrm>
-          <a:off x="838200" y="1825625"/>
-          <a:ext cx="10361308" cy="4468080"/>
-        </p:xfrm>
-        <a:graphic>
-          <a:graphicData uri="http://schemas.openxmlformats.org/drawingml/2006/table">
-            <a:tbl>
-              <a:tblPr firstRow="1" bandRow="1">
-                <a:tableStyleId>{5C22544A-7EE6-4342-B048-85BDC9FD1C3A}</a:tableStyleId>
-              </a:tblPr>
-              <a:tblGrid>
-                <a:gridCol w="5180654">
-                  <a:extLst>
-                    <a:ext uri="{9D8B030D-6E8A-4147-A177-3AD203B41FA5}">
-                      <a16:colId xmlns:a16="http://schemas.microsoft.com/office/drawing/2014/main" val="779221321"/>
-                    </a:ext>
-                  </a:extLst>
-                </a:gridCol>
-                <a:gridCol w="5180654">
-                  <a:extLst>
-                    <a:ext uri="{9D8B030D-6E8A-4147-A177-3AD203B41FA5}">
-                      <a16:colId xmlns:a16="http://schemas.microsoft.com/office/drawing/2014/main" val="636481357"/>
-                    </a:ext>
-                  </a:extLst>
-                </a:gridCol>
-              </a:tblGrid>
-              <a:tr h="927336">
-                <a:tc>
-                  <a:txBody>
-                    <a:bodyPr/>
-                    <a:lstStyle/>
-                    <a:p>
-                      <a:pPr algn="ctr" latinLnBrk="1"/>
-                      <a:r>
-                        <a:rPr lang="ko-KR" altLang="en-US" dirty="0"/>
-                        <a:t>사례</a:t>
-                      </a:r>
-                    </a:p>
-                  </a:txBody>
-                  <a:tcPr anchor="ctr"/>
-                </a:tc>
-                <a:tc>
-                  <a:txBody>
-                    <a:bodyPr/>
-                    <a:lstStyle/>
-                    <a:p>
-                      <a:pPr lvl="0" algn="ctr">
-                        <a:buNone/>
-                      </a:pPr>
-                      <a:r>
-                        <a:rPr lang="ko-KR" altLang="en-US" dirty="0"/>
-                        <a:t>결제 대상</a:t>
-                      </a:r>
-                    </a:p>
-                  </a:txBody>
-                  <a:tcPr anchor="ctr"/>
-                </a:tc>
-                <a:extLst>
-                  <a:ext uri="{0D108BD9-81ED-4DB2-BD59-A6C34878D82A}">
-                    <a16:rowId xmlns:a16="http://schemas.microsoft.com/office/drawing/2014/main" val="141060451"/>
-                  </a:ext>
-                </a:extLst>
-              </a:tr>
-              <a:tr h="927336">
-                <a:tc>
-                  <a:txBody>
-                    <a:bodyPr/>
-                    <a:lstStyle/>
-                    <a:p>
-                      <a:pPr lvl="0" algn="ctr">
-                        <a:buNone/>
-                      </a:pPr>
-                      <a:r>
-                        <a:rPr lang="ko-KR" altLang="en-US" dirty="0"/>
-                        <a:t>캐시 가능한 콘텐츠, 캐시 적중</a:t>
-                      </a:r>
-                    </a:p>
-                  </a:txBody>
-                  <a:tcPr anchor="ctr"/>
-                </a:tc>
-                <a:tc>
-                  <a:txBody>
-                    <a:bodyPr/>
-                    <a:lstStyle/>
-                    <a:p>
-                      <a:pPr lvl="0" algn="ctr">
-                        <a:buNone/>
-                      </a:pPr>
-                      <a:r>
-                        <a:rPr lang="ko-KR" altLang="en-US" sz="1800" b="0" i="0" u="none" strike="noStrike" noProof="0" dirty="0" err="1"/>
-                        <a:t>캐시</a:t>
-                      </a:r>
-                      <a:r>
-                        <a:rPr lang="en-US" sz="1800" b="0" i="0" u="none" strike="noStrike" noProof="0" dirty="0"/>
-                        <a:t> </a:t>
-                      </a:r>
-                      <a:r>
-                        <a:rPr lang="en-US" sz="1800" b="0" i="0" u="none" strike="noStrike" noProof="0" dirty="0" err="1"/>
-                        <a:t>조회</a:t>
-                      </a:r>
-                      <a:r>
-                        <a:rPr lang="en-US" sz="1800" b="0" i="0" u="none" strike="noStrike" noProof="0" dirty="0"/>
-                        <a:t> </a:t>
-                      </a:r>
-                      <a:r>
-                        <a:rPr lang="en-US" altLang="ko-KR" sz="1800" b="0" i="0" u="none" strike="noStrike" noProof="0" dirty="0"/>
-                        <a:t>+</a:t>
-                      </a:r>
-                      <a:br>
-                        <a:rPr lang="en-US" altLang="ko-KR" sz="1800" b="0" i="0" u="none" strike="noStrike" noProof="0" dirty="0"/>
-                      </a:br>
-                      <a:r>
-                        <a:rPr lang="en-US" sz="1800" b="0" i="0" u="none" strike="noStrike" noProof="0" dirty="0" err="1"/>
-                        <a:t>캐시</a:t>
-                      </a:r>
-                      <a:r>
-                        <a:rPr lang="en-US" sz="1800" b="0" i="0" u="none" strike="noStrike" noProof="0" dirty="0"/>
-                        <a:t> </a:t>
-                      </a:r>
-                      <a:r>
-                        <a:rPr lang="en-US" sz="1800" b="0" i="0" u="none" strike="noStrike" noProof="0" dirty="0" err="1"/>
-                        <a:t>이그레스</a:t>
-                      </a:r>
-                      <a:endParaRPr lang="ko-KR" dirty="0" err="1"/>
-                    </a:p>
-                  </a:txBody>
-                  <a:tcPr anchor="ctr"/>
-                </a:tc>
-                <a:extLst>
-                  <a:ext uri="{0D108BD9-81ED-4DB2-BD59-A6C34878D82A}">
-                    <a16:rowId xmlns:a16="http://schemas.microsoft.com/office/drawing/2014/main" val="1496240924"/>
-                  </a:ext>
-                </a:extLst>
-              </a:tr>
-              <a:tr h="1686072">
-                <a:tc>
-                  <a:txBody>
-                    <a:bodyPr/>
-                    <a:lstStyle/>
-                    <a:p>
-                      <a:pPr lvl="0" algn="ctr">
-                        <a:buNone/>
-                      </a:pPr>
-                      <a:r>
-                        <a:rPr lang="ko-KR" sz="1800" b="0" i="0" u="none" strike="noStrike" noProof="0" dirty="0">
-                          <a:latin typeface="맑은 고딕"/>
-                          <a:ea typeface="맑은 고딕"/>
-                        </a:rPr>
-                        <a:t>캐시 가능한 콘텐츠, 캐시 </a:t>
-                      </a:r>
-                      <a:r>
-                        <a:rPr lang="ko-KR" altLang="en-US" sz="1800" b="0" i="0" u="none" strike="noStrike" noProof="0" dirty="0" err="1">
-                          <a:latin typeface="맑은 고딕"/>
-                          <a:ea typeface="맑은 고딕"/>
-                        </a:rPr>
-                        <a:t>부적중</a:t>
-                      </a:r>
-                      <a:endParaRPr lang="ko-KR" dirty="0" err="1"/>
-                    </a:p>
-                  </a:txBody>
-                  <a:tcPr anchor="ctr"/>
-                </a:tc>
-                <a:tc>
-                  <a:txBody>
-                    <a:bodyPr/>
-                    <a:lstStyle/>
-                    <a:p>
-                      <a:pPr lvl="0" algn="ctr">
-                        <a:buNone/>
-                      </a:pPr>
-                      <a:r>
-                        <a:rPr lang="ko-KR" altLang="en-US" sz="1800" b="0" i="0" u="none" strike="noStrike" noProof="0" dirty="0" err="1"/>
-                        <a:t>캐시</a:t>
-                      </a:r>
-                      <a:r>
-                        <a:rPr lang="en-US" altLang="ko-KR" sz="1800" b="0" i="0" u="none" strike="noStrike" noProof="0" dirty="0"/>
-                        <a:t> </a:t>
-                      </a:r>
-                      <a:r>
-                        <a:rPr lang="ko-KR" altLang="en-US" sz="1800" b="0" i="0" u="none" strike="noStrike" noProof="0" dirty="0" err="1"/>
-                        <a:t>조회</a:t>
-                      </a:r>
-                      <a:r>
-                        <a:rPr lang="en-US" altLang="ko-KR" sz="1800" b="0" i="0" u="none" strike="noStrike" noProof="0" dirty="0"/>
-                        <a:t> +</a:t>
-                      </a:r>
-                      <a:br>
-                        <a:rPr lang="en-US" altLang="ko-KR" sz="1800" b="0" i="0" u="none" strike="noStrike" noProof="0" dirty="0"/>
-                      </a:br>
-                      <a:r>
-                        <a:rPr lang="ko-KR" altLang="en-US" sz="1800" b="0" i="0" u="none" strike="noStrike" noProof="0" dirty="0" err="1"/>
-                        <a:t>캐시</a:t>
-                      </a:r>
-                      <a:r>
-                        <a:rPr lang="en-US" altLang="ko-KR" sz="1800" b="0" i="0" u="none" strike="noStrike" noProof="0" dirty="0"/>
-                        <a:t> </a:t>
-                      </a:r>
-                      <a:r>
-                        <a:rPr lang="ko-KR" altLang="en-US" sz="1800" b="0" i="0" u="none" strike="noStrike" noProof="0" dirty="0" err="1"/>
-                        <a:t>이그레스</a:t>
-                      </a:r>
-                      <a:r>
-                        <a:rPr lang="en-US" altLang="ko-KR" sz="1800" b="0" i="0" u="none" strike="noStrike" noProof="0" dirty="0"/>
-                        <a:t> +</a:t>
-                      </a:r>
-                      <a:br>
-                        <a:rPr lang="en-US" altLang="ko-KR" sz="1800" b="0" i="0" u="none" strike="noStrike" noProof="0" dirty="0"/>
-                      </a:br>
-                      <a:r>
-                        <a:rPr lang="ko-KR" altLang="en-US" sz="1800" b="0" i="0" u="none" strike="noStrike" noProof="0" dirty="0" err="1"/>
-                        <a:t>캐시</a:t>
-                      </a:r>
-                      <a:r>
-                        <a:rPr lang="en-US" altLang="ko-KR" sz="1800" b="0" i="0" u="none" strike="noStrike" noProof="0" dirty="0"/>
-                        <a:t> </a:t>
-                      </a:r>
-                      <a:r>
-                        <a:rPr lang="ko-KR" altLang="en-US" sz="1800" b="0" i="0" u="none" strike="noStrike" noProof="0" dirty="0" err="1"/>
-                        <a:t>채우기</a:t>
-                      </a:r>
-                      <a:r>
-                        <a:rPr lang="en-US" altLang="ko-KR" sz="1800" b="0" i="0" u="none" strike="noStrike" noProof="0" dirty="0"/>
-                        <a:t> +</a:t>
-                      </a:r>
-                      <a:br>
-                        <a:rPr lang="en-US" altLang="ko-KR" sz="1800" b="0" i="0" u="none" strike="noStrike" noProof="0" dirty="0"/>
-                      </a:br>
-                      <a:r>
-                        <a:rPr lang="ko-KR" altLang="en-US" sz="1800" b="0" i="0" u="none" strike="noStrike" noProof="0" dirty="0" err="1"/>
-                        <a:t>적용</a:t>
-                      </a:r>
-                      <a:r>
-                        <a:rPr lang="en-US" altLang="ko-KR" sz="1800" b="0" i="0" u="none" strike="noStrike" noProof="0" dirty="0"/>
-                        <a:t> </a:t>
-                      </a:r>
-                      <a:r>
-                        <a:rPr lang="ko-KR" altLang="en-US" sz="1800" b="0" i="0" u="none" strike="noStrike" noProof="0" dirty="0" err="1"/>
-                        <a:t>가능한</a:t>
-                      </a:r>
-                      <a:r>
-                        <a:rPr lang="en-US" altLang="ko-KR" sz="1800" b="0" i="0" u="none" strike="noStrike" noProof="0" dirty="0"/>
-                        <a:t> Cloud Load Balancing </a:t>
-                      </a:r>
-                      <a:r>
-                        <a:rPr lang="ko-KR" altLang="en-US" sz="1800" b="0" i="0" u="none" strike="noStrike" noProof="0" dirty="0" err="1"/>
-                        <a:t>데이터</a:t>
-                      </a:r>
-                      <a:r>
-                        <a:rPr lang="en-US" altLang="ko-KR" sz="1800" b="0" i="0" u="none" strike="noStrike" noProof="0" dirty="0"/>
-                        <a:t> </a:t>
-                      </a:r>
-                      <a:r>
-                        <a:rPr lang="ko-KR" altLang="en-US" sz="1800" b="0" i="0" u="none" strike="noStrike" noProof="0" dirty="0" err="1"/>
-                        <a:t>처리</a:t>
-                      </a:r>
-                      <a:r>
-                        <a:rPr lang="en-US" altLang="ko-KR" sz="1800" b="0" i="0" u="none" strike="noStrike" noProof="0" dirty="0"/>
-                        <a:t> </a:t>
-                      </a:r>
-                      <a:r>
-                        <a:rPr lang="ko-KR" altLang="en-US" sz="1800" b="0" i="0" u="none" strike="noStrike" noProof="0" dirty="0" err="1"/>
-                        <a:t>또는</a:t>
-                      </a:r>
-                      <a:r>
-                        <a:rPr lang="en-US" altLang="ko-KR" sz="1800" b="0" i="0" u="none" strike="noStrike" noProof="0" dirty="0"/>
-                        <a:t> </a:t>
-                      </a:r>
-                      <a:r>
-                        <a:rPr lang="en-US" sz="1800" b="0" i="0" u="none" strike="noStrike" noProof="0" dirty="0"/>
-                        <a:t>Cloud </a:t>
-                      </a:r>
-                      <a:r>
-                        <a:rPr lang="en-US" altLang="ko-KR" sz="1800" b="0" i="0" u="none" strike="noStrike" noProof="0" dirty="0"/>
-                        <a:t>Storage</a:t>
-                      </a:r>
-                      <a:r>
-                        <a:rPr lang="en-US" sz="1800" b="0" i="0" u="none" strike="noStrike" noProof="0" dirty="0"/>
-                        <a:t> </a:t>
-                      </a:r>
-                      <a:r>
-                        <a:rPr lang="en-US" sz="1800" b="0" i="0" u="none" strike="noStrike" noProof="0" dirty="0" err="1"/>
-                        <a:t>작업</a:t>
-                      </a:r>
-                      <a:r>
-                        <a:rPr lang="en-US" sz="1800" b="0" i="0" u="none" strike="noStrike" noProof="0" dirty="0"/>
-                        <a:t> </a:t>
-                      </a:r>
-                      <a:r>
-                        <a:rPr lang="en-US" sz="1800" b="0" i="0" u="none" strike="noStrike" noProof="0" dirty="0" err="1"/>
-                        <a:t>요금</a:t>
-                      </a:r>
-                      <a:endParaRPr lang="ko-KR" dirty="0" err="1"/>
-                    </a:p>
-                  </a:txBody>
-                  <a:tcPr anchor="ctr"/>
-                </a:tc>
-                <a:extLst>
-                  <a:ext uri="{0D108BD9-81ED-4DB2-BD59-A6C34878D82A}">
-                    <a16:rowId xmlns:a16="http://schemas.microsoft.com/office/drawing/2014/main" val="3851676780"/>
-                  </a:ext>
-                </a:extLst>
-              </a:tr>
-              <a:tr h="927336">
-                <a:tc>
-                  <a:txBody>
-                    <a:bodyPr/>
-                    <a:lstStyle/>
-                    <a:p>
-                      <a:pPr algn="ctr" latinLnBrk="1"/>
-                      <a:r>
-                        <a:rPr lang="ko-KR" altLang="en-US" dirty="0" err="1"/>
-                        <a:t>캐시할</a:t>
-                      </a:r>
-                      <a:r>
-                        <a:rPr lang="ko-KR" altLang="en-US" dirty="0"/>
-                        <a:t> 수 없는 콘텐츠</a:t>
-                      </a:r>
-                      <a:endParaRPr lang="ko-KR" dirty="0"/>
-                    </a:p>
-                  </a:txBody>
-                  <a:tcPr anchor="ctr"/>
-                </a:tc>
-                <a:tc>
-                  <a:txBody>
-                    <a:bodyPr/>
-                    <a:lstStyle/>
-                    <a:p>
-                      <a:pPr lvl="0" algn="ctr">
-                        <a:buNone/>
-                      </a:pPr>
-                      <a:r>
-                        <a:rPr lang="ko-KR" sz="1800" b="0" i="0" u="none" strike="noStrike" noProof="0" dirty="0">
-                          <a:latin typeface="맑은 고딕"/>
-                          <a:ea typeface="맑은 고딕"/>
-                        </a:rPr>
-                        <a:t>표준 </a:t>
-                      </a:r>
-                      <a:r>
-                        <a:rPr lang="ko-KR" sz="1800" b="0" i="0" u="none" strike="noStrike" noProof="0" dirty="0" err="1">
-                          <a:latin typeface="맑은 고딕"/>
-                          <a:ea typeface="맑은 고딕"/>
-                        </a:rPr>
-                        <a:t>Compute</a:t>
-                      </a:r>
-                      <a:r>
-                        <a:rPr lang="ko-KR" sz="1800" b="0" i="0" u="none" strike="noStrike" noProof="0" dirty="0">
-                          <a:latin typeface="맑은 고딕"/>
-                          <a:ea typeface="맑은 고딕"/>
-                        </a:rPr>
-                        <a:t> </a:t>
-                      </a:r>
-                      <a:r>
-                        <a:rPr lang="ko-KR" sz="1800" b="0" i="0" u="none" strike="noStrike" noProof="0" dirty="0" err="1">
-                          <a:latin typeface="맑은 고딕"/>
-                          <a:ea typeface="맑은 고딕"/>
-                        </a:rPr>
-                        <a:t>Engine</a:t>
-                      </a:r>
-                      <a:r>
-                        <a:rPr lang="ko-KR" sz="1800" b="0" i="0" u="none" strike="noStrike" noProof="0" dirty="0">
-                          <a:latin typeface="맑은 고딕"/>
-                          <a:ea typeface="맑은 고딕"/>
-                        </a:rPr>
-                        <a:t> +</a:t>
-                      </a:r>
-                      <a:br>
-                        <a:rPr lang="ko-KR" sz="1800" b="0" i="0" u="none" strike="noStrike" noProof="0" dirty="0">
-                          <a:latin typeface="맑은 고딕"/>
-                          <a:ea typeface="맑은 고딕"/>
-                        </a:rPr>
-                      </a:br>
-                      <a:r>
-                        <a:rPr lang="ko-KR" sz="1800" b="0" i="0" u="none" strike="noStrike" noProof="0" dirty="0" err="1">
-                          <a:latin typeface="맑은 고딕"/>
-                          <a:ea typeface="맑은 고딕"/>
-                        </a:rPr>
-                        <a:t>Cloud</a:t>
-                      </a:r>
-                      <a:r>
-                        <a:rPr lang="ko-KR" sz="1800" b="0" i="0" u="none" strike="noStrike" noProof="0" dirty="0">
-                          <a:latin typeface="맑은 고딕"/>
-                          <a:ea typeface="맑은 고딕"/>
-                        </a:rPr>
-                        <a:t> </a:t>
-                      </a:r>
-                      <a:r>
-                        <a:rPr lang="ko-KR" sz="1800" b="0" i="0" u="none" strike="noStrike" noProof="0" dirty="0" err="1">
-                          <a:latin typeface="맑은 고딕"/>
-                          <a:ea typeface="맑은 고딕"/>
-                        </a:rPr>
-                        <a:t>Storage</a:t>
-                      </a:r>
-                      <a:r>
-                        <a:rPr lang="ko-KR" sz="1800" b="0" i="0" u="none" strike="noStrike" noProof="0" dirty="0">
-                          <a:latin typeface="맑은 고딕"/>
-                          <a:ea typeface="맑은 고딕"/>
-                        </a:rPr>
-                        <a:t> </a:t>
-                      </a:r>
-                      <a:r>
-                        <a:rPr lang="ko-KR" sz="1800" b="0" i="0" u="none" strike="noStrike" noProof="0" dirty="0" err="1">
-                          <a:latin typeface="맑은 고딕"/>
-                          <a:ea typeface="맑은 고딕"/>
-                        </a:rPr>
-                        <a:t>이그레스</a:t>
-                      </a:r>
-                      <a:r>
-                        <a:rPr lang="ko-KR" sz="1800" b="0" i="0" u="none" strike="noStrike" noProof="0" dirty="0">
-                          <a:latin typeface="맑은 고딕"/>
-                          <a:ea typeface="맑은 고딕"/>
-                        </a:rPr>
-                        <a:t> </a:t>
-                      </a:r>
-                      <a:r>
-                        <a:rPr lang="ko-KR" sz="1800" b="0" i="0" u="none" strike="noStrike" noProof="0" dirty="0" err="1">
-                          <a:latin typeface="맑은 고딕"/>
-                          <a:ea typeface="맑은 고딕"/>
-                        </a:rPr>
-                        <a:t>요율</a:t>
-                      </a:r>
-                      <a:endParaRPr lang="ko-KR" dirty="0" err="1"/>
-                    </a:p>
-                  </a:txBody>
-                  <a:tcPr anchor="ctr"/>
-                </a:tc>
-                <a:extLst>
-                  <a:ext uri="{0D108BD9-81ED-4DB2-BD59-A6C34878D82A}">
-                    <a16:rowId xmlns:a16="http://schemas.microsoft.com/office/drawing/2014/main" val="2881918532"/>
-                  </a:ext>
-                </a:extLst>
-              </a:tr>
-            </a:tbl>
-          </a:graphicData>
-        </a:graphic>
-      </p:graphicFrame>
-    </p:spTree>
-    <p:extLst>
-      <p:ext uri="{BB962C8B-B14F-4D97-AF65-F5344CB8AC3E}">
-        <p14:creationId xmlns:p14="http://schemas.microsoft.com/office/powerpoint/2010/main" val="3415348569"/>
-      </p:ext>
-    </p:extLst>
-  </p:cSld>
-  <p:clrMapOvr>
-    <a:masterClrMapping/>
-  </p:clrMapOvr>
-</p:sld>
-</file>
-
-<file path=ppt/slides/slide12.xml><?xml version="1.0" encoding="utf-8"?>
-<p:sld xmlns:a="http://schemas.openxmlformats.org/drawingml/2006/main" xmlns:r="http://schemas.openxmlformats.org/officeDocument/2006/relationships" xmlns:p="http://schemas.openxmlformats.org/presentationml/2006/main">
-  <p:cSld>
-    <p:spTree>
-      <p:nvGrpSpPr>
-        <p:cNvPr id="1" name=""/>
-        <p:cNvGrpSpPr/>
-        <p:nvPr/>
-      </p:nvGrpSpPr>
-      <p:grpSpPr>
-        <a:xfrm>
-          <a:off x="0" y="0"/>
-          <a:ext cx="0" cy="0"/>
-          <a:chOff x="0" y="0"/>
-          <a:chExt cx="0" cy="0"/>
-        </a:xfrm>
-      </p:grpSpPr>
-      <p:sp>
-        <p:nvSpPr>
-          <p:cNvPr id="2" name="제목 1">
-            <a:extLst>
-              <a:ext uri="{FF2B5EF4-FFF2-40B4-BE49-F238E27FC236}">
-                <a16:creationId xmlns:a16="http://schemas.microsoft.com/office/drawing/2014/main" id="{4FEBD717-7115-4BDE-AB32-780C8A39273A}"/>
-              </a:ext>
-            </a:extLst>
-          </p:cNvPr>
-          <p:cNvSpPr>
-            <a:spLocks noGrp="1"/>
-          </p:cNvSpPr>
-          <p:nvPr>
-            <p:ph type="title"/>
-          </p:nvPr>
-        </p:nvSpPr>
-        <p:spPr/>
-        <p:txBody>
-          <a:bodyPr/>
-          <a:lstStyle/>
-          <a:p>
-            <a:r>
-              <a:rPr lang="ko-KR" altLang="en-US" dirty="0" err="1">
-                <a:ea typeface="맑은 고딕"/>
-              </a:rPr>
-              <a:t>Firestore의</a:t>
-            </a:r>
-            <a:r>
-              <a:rPr lang="ko-KR" altLang="en-US" dirty="0">
-                <a:ea typeface="맑은 고딕"/>
-              </a:rPr>
-              <a:t> 가격표(CDN)</a:t>
-            </a:r>
-          </a:p>
-        </p:txBody>
-      </p:sp>
-      <p:graphicFrame>
-        <p:nvGraphicFramePr>
-          <p:cNvPr id="7" name="표 6">
-            <a:extLst>
-              <a:ext uri="{FF2B5EF4-FFF2-40B4-BE49-F238E27FC236}">
-                <a16:creationId xmlns:a16="http://schemas.microsoft.com/office/drawing/2014/main" id="{F3754815-59E9-4894-99C2-3C649057D4EB}"/>
-              </a:ext>
-            </a:extLst>
-          </p:cNvPr>
-          <p:cNvGraphicFramePr>
-            <a:graphicFrameLocks noGrp="1"/>
-          </p:cNvGraphicFramePr>
-          <p:nvPr>
-            <p:extLst>
-              <p:ext uri="{D42A27DB-BD31-4B8C-83A1-F6EECF244321}">
-                <p14:modId xmlns:p14="http://schemas.microsoft.com/office/powerpoint/2010/main" val="2667212364"/>
-              </p:ext>
-            </p:extLst>
-          </p:nvPr>
-        </p:nvGraphicFramePr>
-        <p:xfrm>
-          <a:off x="833005" y="1872442"/>
-          <a:ext cx="10712178" cy="4485415"/>
-        </p:xfrm>
-        <a:graphic>
-          <a:graphicData uri="http://schemas.openxmlformats.org/drawingml/2006/table">
-            <a:tbl>
-              <a:tblPr firstRow="1" bandRow="1">
-                <a:tableStyleId>{5C22544A-7EE6-4342-B048-85BDC9FD1C3A}</a:tableStyleId>
-              </a:tblPr>
-              <a:tblGrid>
-                <a:gridCol w="5356089">
-                  <a:extLst>
-                    <a:ext uri="{9D8B030D-6E8A-4147-A177-3AD203B41FA5}">
-                      <a16:colId xmlns:a16="http://schemas.microsoft.com/office/drawing/2014/main" val="2610086112"/>
-                    </a:ext>
-                  </a:extLst>
-                </a:gridCol>
-                <a:gridCol w="5356089">
-                  <a:extLst>
-                    <a:ext uri="{9D8B030D-6E8A-4147-A177-3AD203B41FA5}">
-                      <a16:colId xmlns:a16="http://schemas.microsoft.com/office/drawing/2014/main" val="1069078501"/>
-                    </a:ext>
-                  </a:extLst>
-                </a:gridCol>
-              </a:tblGrid>
-              <a:tr h="970311">
-                <a:tc>
-                  <a:txBody>
-                    <a:bodyPr/>
-                    <a:lstStyle/>
-                    <a:p>
-                      <a:pPr algn="ctr" fontAlgn="ctr"/>
-                      <a:r>
-                        <a:rPr lang="ko-KR" altLang="en-US" dirty="0">
-                          <a:effectLst/>
-                        </a:rPr>
-                        <a:t>항목</a:t>
-                      </a:r>
-                      <a:endParaRPr lang="ko-KR" altLang="en-US" b="0" dirty="0">
-                        <a:solidFill>
-                          <a:srgbClr val="202124"/>
-                        </a:solidFill>
-                        <a:effectLst/>
-                        <a:latin typeface="Roboto"/>
-                      </a:endParaRPr>
-                    </a:p>
-                  </a:txBody>
-                  <a:tcPr marL="76200" marR="76200" marT="76200" marB="76200" anchor="ctr"/>
-                </a:tc>
-                <a:tc>
-                  <a:txBody>
-                    <a:bodyPr/>
-                    <a:lstStyle/>
-                    <a:p>
-                      <a:pPr algn="ctr" fontAlgn="ctr"/>
-                      <a:r>
-                        <a:rPr lang="ko-KR" altLang="en-US" dirty="0">
-                          <a:effectLst/>
-                        </a:rPr>
-                        <a:t>가격</a:t>
-                      </a:r>
-                      <a:endParaRPr lang="ko-KR" altLang="en-US" b="0" dirty="0">
-                        <a:solidFill>
-                          <a:srgbClr val="202124"/>
-                        </a:solidFill>
-                        <a:effectLst/>
-                        <a:latin typeface="Roboto"/>
-                      </a:endParaRPr>
-                    </a:p>
-                  </a:txBody>
-                  <a:tcPr marL="76200" marR="76200" marT="76200" marB="76200" anchor="ctr"/>
-                </a:tc>
-                <a:extLst>
-                  <a:ext uri="{0D108BD9-81ED-4DB2-BD59-A6C34878D82A}">
-                    <a16:rowId xmlns:a16="http://schemas.microsoft.com/office/drawing/2014/main" val="2991363585"/>
-                  </a:ext>
-                </a:extLst>
-              </a:tr>
-              <a:tr h="878776">
-                <a:tc>
-                  <a:txBody>
-                    <a:bodyPr/>
-                    <a:lstStyle/>
-                    <a:p>
-                      <a:pPr algn="ctr" fontAlgn="t"/>
-                      <a:r>
-                        <a:rPr lang="ko-KR" altLang="en-US" dirty="0">
-                          <a:effectLst/>
-                        </a:rPr>
-                        <a:t>캐시 </a:t>
-                      </a:r>
-                      <a:r>
-                        <a:rPr lang="ko-KR" altLang="en-US" dirty="0" err="1">
-                          <a:effectLst/>
-                        </a:rPr>
-                        <a:t>이그레스</a:t>
-                      </a:r>
-                    </a:p>
-                  </a:txBody>
-                  <a:tcPr marL="76200" marR="76200" marT="66675" marB="76200" anchor="ctr"/>
-                </a:tc>
-                <a:tc>
-                  <a:txBody>
-                    <a:bodyPr/>
-                    <a:lstStyle/>
-                    <a:p>
-                      <a:pPr algn="ctr" fontAlgn="t"/>
-                      <a:r>
-                        <a:rPr lang="af-ZA" dirty="0">
-                          <a:effectLst/>
-                        </a:rPr>
-                        <a:t>1GB</a:t>
-                      </a:r>
-                      <a:r>
-                        <a:rPr lang="ko-KR" altLang="en-US" dirty="0">
-                          <a:effectLst/>
-                        </a:rPr>
-                        <a:t>당 </a:t>
-                      </a:r>
-                      <a:r>
-                        <a:rPr lang="en-US" altLang="ko-KR" dirty="0">
-                          <a:effectLst/>
-                        </a:rPr>
-                        <a:t>$0.02~$0.20</a:t>
-                      </a:r>
-                    </a:p>
-                  </a:txBody>
-                  <a:tcPr marL="76200" marR="76200" marT="66675" marB="76200" anchor="ctr"/>
-                </a:tc>
-                <a:extLst>
-                  <a:ext uri="{0D108BD9-81ED-4DB2-BD59-A6C34878D82A}">
-                    <a16:rowId xmlns:a16="http://schemas.microsoft.com/office/drawing/2014/main" val="3007900029"/>
-                  </a:ext>
-                </a:extLst>
-              </a:tr>
-              <a:tr h="878776">
-                <a:tc>
-                  <a:txBody>
-                    <a:bodyPr/>
-                    <a:lstStyle/>
-                    <a:p>
-                      <a:pPr algn="ctr" fontAlgn="t"/>
-                      <a:r>
-                        <a:rPr lang="ko-KR" altLang="en-US" dirty="0">
-                          <a:effectLst/>
-                        </a:rPr>
-                        <a:t>캐시 채우기</a:t>
-                      </a:r>
-                    </a:p>
-                  </a:txBody>
-                  <a:tcPr marL="76200" marR="76200" marT="66675" marB="76200" anchor="ctr"/>
-                </a:tc>
-                <a:tc>
-                  <a:txBody>
-                    <a:bodyPr/>
-                    <a:lstStyle/>
-                    <a:p>
-                      <a:pPr algn="ctr" fontAlgn="t"/>
-                      <a:r>
-                        <a:rPr lang="af-ZA" dirty="0">
-                          <a:effectLst/>
-                        </a:rPr>
-                        <a:t>1GB</a:t>
-                      </a:r>
-                      <a:r>
-                        <a:rPr lang="ko-KR" altLang="en-US" dirty="0">
-                          <a:effectLst/>
-                        </a:rPr>
-                        <a:t>당 </a:t>
-                      </a:r>
-                      <a:r>
-                        <a:rPr lang="en-US" altLang="ko-KR" dirty="0">
-                          <a:effectLst/>
-                        </a:rPr>
-                        <a:t>$0.04~$0.15</a:t>
-                      </a:r>
-                    </a:p>
-                  </a:txBody>
-                  <a:tcPr marL="76200" marR="76200" marT="66675" marB="76200" anchor="ctr"/>
-                </a:tc>
-                <a:extLst>
-                  <a:ext uri="{0D108BD9-81ED-4DB2-BD59-A6C34878D82A}">
-                    <a16:rowId xmlns:a16="http://schemas.microsoft.com/office/drawing/2014/main" val="2487752692"/>
-                  </a:ext>
-                </a:extLst>
-              </a:tr>
-              <a:tr h="878776">
-                <a:tc>
-                  <a:txBody>
-                    <a:bodyPr/>
-                    <a:lstStyle/>
-                    <a:p>
-                      <a:pPr algn="ctr" fontAlgn="t"/>
-                      <a:r>
-                        <a:rPr lang="af-ZA" dirty="0">
-                          <a:effectLst/>
-                        </a:rPr>
-                        <a:t>HTTP/HTTPS </a:t>
-                      </a:r>
-                      <a:r>
-                        <a:rPr lang="ko-KR" altLang="en-US" dirty="0">
-                          <a:effectLst/>
-                        </a:rPr>
-                        <a:t>캐시 조회 요청</a:t>
-                      </a:r>
-                    </a:p>
-                  </a:txBody>
-                  <a:tcPr marL="76200" marR="76200" marT="66675" marB="76200" anchor="ctr"/>
-                </a:tc>
-                <a:tc>
-                  <a:txBody>
-                    <a:bodyPr/>
-                    <a:lstStyle/>
-                    <a:p>
-                      <a:pPr algn="ctr" fontAlgn="t"/>
-                      <a:r>
-                        <a:rPr lang="ko-KR" altLang="en-US" dirty="0">
-                          <a:effectLst/>
-                        </a:rPr>
-                        <a:t>요청 </a:t>
-                      </a:r>
-                      <a:r>
-                        <a:rPr lang="en-US" altLang="ko-KR" dirty="0">
-                          <a:effectLst/>
-                        </a:rPr>
-                        <a:t>10,000</a:t>
-                      </a:r>
-                      <a:r>
-                        <a:rPr lang="ko-KR" altLang="en-US" dirty="0">
-                          <a:effectLst/>
-                        </a:rPr>
-                        <a:t>건당 </a:t>
-                      </a:r>
-                      <a:r>
-                        <a:rPr lang="en-US" altLang="ko-KR" dirty="0">
-                          <a:effectLst/>
-                        </a:rPr>
-                        <a:t>$0.0075</a:t>
-                      </a:r>
-                    </a:p>
-                  </a:txBody>
-                  <a:tcPr marL="76200" marR="76200" marT="66675" marB="76200" anchor="ctr"/>
-                </a:tc>
-                <a:extLst>
-                  <a:ext uri="{0D108BD9-81ED-4DB2-BD59-A6C34878D82A}">
-                    <a16:rowId xmlns:a16="http://schemas.microsoft.com/office/drawing/2014/main" val="3166393885"/>
-                  </a:ext>
-                </a:extLst>
-              </a:tr>
-              <a:tr h="878776">
-                <a:tc>
-                  <a:txBody>
-                    <a:bodyPr/>
-                    <a:lstStyle/>
-                    <a:p>
-                      <a:pPr algn="ctr" fontAlgn="t"/>
-                      <a:r>
-                        <a:rPr lang="ko-KR" altLang="en-US" dirty="0">
-                          <a:effectLst/>
-                        </a:rPr>
-                        <a:t>캐시 무효화</a:t>
-                      </a:r>
-                    </a:p>
-                  </a:txBody>
-                  <a:tcPr marL="76200" marR="76200" marT="66675" marB="76200" anchor="ctr"/>
-                </a:tc>
-                <a:tc>
-                  <a:txBody>
-                    <a:bodyPr/>
-                    <a:lstStyle/>
-                    <a:p>
-                      <a:pPr algn="ctr" fontAlgn="t"/>
-                      <a:r>
-                        <a:rPr lang="ko-KR" altLang="en-US" dirty="0">
-                          <a:effectLst/>
-                        </a:rPr>
-                        <a:t>무효화 건당 </a:t>
-                      </a:r>
-                      <a:r>
-                        <a:rPr lang="en-US" altLang="ko-KR" dirty="0">
-                          <a:effectLst/>
-                        </a:rPr>
-                        <a:t>$0.005</a:t>
-                      </a:r>
-                    </a:p>
-                  </a:txBody>
-                  <a:tcPr marL="76200" marR="76200" marT="66675" marB="76200" anchor="ctr"/>
-                </a:tc>
-                <a:extLst>
-                  <a:ext uri="{0D108BD9-81ED-4DB2-BD59-A6C34878D82A}">
-                    <a16:rowId xmlns:a16="http://schemas.microsoft.com/office/drawing/2014/main" val="1042743465"/>
-                  </a:ext>
-                </a:extLst>
-              </a:tr>
-            </a:tbl>
-          </a:graphicData>
-        </a:graphic>
-      </p:graphicFrame>
-    </p:spTree>
-    <p:extLst>
-      <p:ext uri="{BB962C8B-B14F-4D97-AF65-F5344CB8AC3E}">
-        <p14:creationId xmlns:p14="http://schemas.microsoft.com/office/powerpoint/2010/main" val="2039007882"/>
-      </p:ext>
-    </p:extLst>
-  </p:cSld>
-  <p:clrMapOvr>
-    <a:masterClrMapping/>
-  </p:clrMapOvr>
-</p:sld>
-</file>
-
-<file path=ppt/slides/slide13.xml><?xml version="1.0" encoding="utf-8"?>
-<p:sld xmlns:a="http://schemas.openxmlformats.org/drawingml/2006/main" xmlns:r="http://schemas.openxmlformats.org/officeDocument/2006/relationships" xmlns:p="http://schemas.openxmlformats.org/presentationml/2006/main">
-  <p:cSld>
-    <p:spTree>
-      <p:nvGrpSpPr>
-        <p:cNvPr id="1" name=""/>
-        <p:cNvGrpSpPr/>
-        <p:nvPr/>
-      </p:nvGrpSpPr>
-      <p:grpSpPr>
-        <a:xfrm>
-          <a:off x="0" y="0"/>
-          <a:ext cx="0" cy="0"/>
-          <a:chOff x="0" y="0"/>
-          <a:chExt cx="0" cy="0"/>
-        </a:xfrm>
-      </p:grpSpPr>
-      <p:sp>
-        <p:nvSpPr>
-          <p:cNvPr id="2" name="제목 1">
-            <a:extLst>
-              <a:ext uri="{FF2B5EF4-FFF2-40B4-BE49-F238E27FC236}">
-                <a16:creationId xmlns:a16="http://schemas.microsoft.com/office/drawing/2014/main" id="{4FEBD717-7115-4BDE-AB32-780C8A39273A}"/>
-              </a:ext>
-            </a:extLst>
-          </p:cNvPr>
-          <p:cNvSpPr>
-            <a:spLocks noGrp="1"/>
-          </p:cNvSpPr>
-          <p:nvPr>
-            <p:ph type="title"/>
-          </p:nvPr>
-        </p:nvSpPr>
-        <p:spPr/>
-        <p:txBody>
-          <a:bodyPr/>
-          <a:lstStyle/>
-          <a:p>
-            <a:r>
-              <a:rPr lang="ko-KR" altLang="en-US" dirty="0" err="1">
-                <a:ea typeface="맑은 고딕"/>
-              </a:rPr>
-              <a:t>Firestore의</a:t>
-            </a:r>
-            <a:r>
-              <a:rPr lang="ko-KR" altLang="en-US" dirty="0">
-                <a:ea typeface="맑은 고딕"/>
-              </a:rPr>
               <a:t> 가격표(CDN)</a:t>
             </a:r>
           </a:p>
@@ -4667,7 +3435,7 @@
 </p:sld>
 </file>
 
-<file path=ppt/slides/slide14.xml><?xml version="1.0" encoding="utf-8"?>
+<file path=ppt/slides/slide11.xml><?xml version="1.0" encoding="utf-8"?>
 <p:sld xmlns:a="http://schemas.openxmlformats.org/drawingml/2006/main" xmlns:r="http://schemas.openxmlformats.org/officeDocument/2006/relationships" xmlns:p="http://schemas.openxmlformats.org/presentationml/2006/main">
   <p:cSld>
     <p:spTree>
@@ -5327,7 +4095,7 @@
 </p:sld>
 </file>
 
-<file path=ppt/slides/slide15.xml><?xml version="1.0" encoding="utf-8"?>
+<file path=ppt/slides/slide12.xml><?xml version="1.0" encoding="utf-8"?>
 <p:sld xmlns:a="http://schemas.openxmlformats.org/drawingml/2006/main" xmlns:r="http://schemas.openxmlformats.org/officeDocument/2006/relationships" xmlns:p="http://schemas.openxmlformats.org/presentationml/2006/main">
   <p:cSld>
     <p:spTree>
@@ -6147,7 +4915,7 @@
 </p:sld>
 </file>
 
-<file path=ppt/slides/slide16.xml><?xml version="1.0" encoding="utf-8"?>
+<file path=ppt/slides/slide13.xml><?xml version="1.0" encoding="utf-8"?>
 <p:sld xmlns:a="http://schemas.openxmlformats.org/drawingml/2006/main" xmlns:r="http://schemas.openxmlformats.org/officeDocument/2006/relationships" xmlns:p="http://schemas.openxmlformats.org/presentationml/2006/main">
   <p:cSld>
     <p:spTree>
@@ -7885,7 +6653,7 @@
           <p:cNvPr id="2" name="제목 1">
             <a:extLst>
               <a:ext uri="{FF2B5EF4-FFF2-40B4-BE49-F238E27FC236}">
-                <a16:creationId xmlns:a16="http://schemas.microsoft.com/office/drawing/2014/main" id="{C7A782F1-025D-47B1-9334-2AF2034B5743}"/>
+                <a16:creationId xmlns:a16="http://schemas.microsoft.com/office/drawing/2014/main" id="{4FEBD717-7115-4BDE-AB32-780C8A39273A}"/>
               </a:ext>
             </a:extLst>
           </p:cNvPr>
@@ -7911,9 +6679,8 @@
               <a:rPr lang="ko-KR" altLang="en-US" dirty="0">
                 <a:ea typeface="맑은 고딕"/>
               </a:rPr>
-              <a:t> 오프라인 지원</a:t>
-            </a:r>
-            <a:endParaRPr lang="ko-KR" dirty="0"/>
+              <a:t> 요금 계산</a:t>
+            </a:r>
           </a:p>
         </p:txBody>
       </p:sp>
@@ -7922,7 +6689,7 @@
           <p:cNvPr id="3" name="내용 개체 틀 2">
             <a:extLst>
               <a:ext uri="{FF2B5EF4-FFF2-40B4-BE49-F238E27FC236}">
-                <a16:creationId xmlns:a16="http://schemas.microsoft.com/office/drawing/2014/main" id="{3B652287-7C95-45F5-BE77-E8EFE7EB8779}"/>
+                <a16:creationId xmlns:a16="http://schemas.microsoft.com/office/drawing/2014/main" id="{FC2685EE-3FFB-4E55-BA76-ED0CBEEB8A76}"/>
               </a:ext>
             </a:extLst>
           </p:cNvPr>
@@ -7936,7 +6703,7 @@
         <p:spPr>
           <a:xfrm>
             <a:off x="838200" y="1825625"/>
-            <a:ext cx="9840191" cy="4351338"/>
+            <a:ext cx="10801349" cy="4351338"/>
           </a:xfrm>
         </p:spPr>
         <p:txBody>
@@ -7945,59 +6712,68 @@
           </a:bodyPr>
           <a:lstStyle/>
           <a:p>
-            <a:pPr>
-              <a:lnSpc>
-                <a:spcPct val="140000"/>
-              </a:lnSpc>
-            </a:pPr>
             <a:r>
               <a:rPr lang="ko-KR" altLang="en-US" dirty="0">
                 <a:ea typeface="맑은 고딕"/>
               </a:rPr>
-              <a:t>우수한 데이터 처리 기능 제공</a:t>
-            </a:r>
-          </a:p>
-          <a:p>
-            <a:pPr marL="0" indent="0">
-              <a:lnSpc>
-                <a:spcPct val="140000"/>
-              </a:lnSpc>
-              <a:buNone/>
-            </a:pPr>
+              <a:t>사용자가 수행하는 읽기, 쓰기, 삭제 횟수</a:t>
+            </a:r>
+          </a:p>
+          <a:p>
             <a:endParaRPr lang="ko-KR" altLang="en-US" dirty="0">
               <a:ea typeface="맑은 고딕"/>
             </a:endParaRPr>
           </a:p>
           <a:p>
-            <a:pPr>
-              <a:lnSpc>
-                <a:spcPct val="140000"/>
-              </a:lnSpc>
-            </a:pPr>
             <a:r>
               <a:rPr lang="ko-KR" altLang="en-US" dirty="0">
                 <a:ea typeface="맑은 고딕"/>
               </a:rPr>
-              <a:t>규모에 맞게 설계</a:t>
-            </a:r>
-          </a:p>
-          <a:p>
-            <a:pPr marL="0" indent="0">
-              <a:lnSpc>
-                <a:spcPct val="140000"/>
-              </a:lnSpc>
-              <a:buNone/>
-            </a:pPr>
+              <a:t>메타데이터 및 색인에 대한 오버헤드 등의 데이터베이스에서 사용되는 저장 용량</a:t>
+            </a:r>
+          </a:p>
+          <a:p>
             <a:endParaRPr lang="ko-KR" altLang="en-US" dirty="0">
               <a:ea typeface="맑은 고딕"/>
             </a:endParaRPr>
           </a:p>
+          <a:p>
+            <a:r>
+              <a:rPr lang="ko-KR" altLang="en-US" dirty="0">
+                <a:ea typeface="맑은 고딕"/>
+              </a:rPr>
+              <a:t>사용하는 네트워크 대역폭의 양</a:t>
+            </a:r>
+          </a:p>
+          <a:p>
+            <a:pPr marL="0" indent="0">
+              <a:buNone/>
+            </a:pPr>
+            <a:r>
+              <a:rPr lang="ko-KR" altLang="en-US" dirty="0">
+                <a:ea typeface="맑은 고딕"/>
+              </a:rPr>
+              <a:t>  - 저장소 및 대역폭 사용량을 기가바이트(</a:t>
+            </a:r>
+            <a:r>
+              <a:rPr lang="ko-KR" altLang="en-US" dirty="0" err="1">
+                <a:ea typeface="맑은 고딕"/>
+              </a:rPr>
+              <a:t>GiB</a:t>
+            </a:r>
+            <a:r>
+              <a:rPr lang="ko-KR" altLang="en-US" dirty="0">
+                <a:ea typeface="맑은 고딕"/>
+              </a:rPr>
+              <a:t>)로 계산되며, 모든 요금은 일 단위로 발생한다.</a:t>
+            </a:r>
+          </a:p>
         </p:txBody>
       </p:sp>
     </p:spTree>
     <p:extLst>
       <p:ext uri="{BB962C8B-B14F-4D97-AF65-F5344CB8AC3E}">
-        <p14:creationId xmlns:p14="http://schemas.microsoft.com/office/powerpoint/2010/main" val="137158207"/>
+        <p14:creationId xmlns:p14="http://schemas.microsoft.com/office/powerpoint/2010/main" val="1619812541"/>
       </p:ext>
     </p:extLst>
   </p:cSld>
@@ -8046,82 +6822,281 @@
           <a:lstStyle/>
           <a:p>
             <a:r>
-              <a:rPr lang="ko-KR" altLang="en-US">
+              <a:rPr lang="ko-KR" altLang="en-US" dirty="0" err="1">
                 <a:ea typeface="맑은 고딕"/>
               </a:rPr>
-              <a:t>Firestore의 장점</a:t>
-            </a:r>
-            <a:endParaRPr lang="ko-KR" altLang="en-US" dirty="0">
-              <a:ea typeface="맑은 고딕"/>
-            </a:endParaRPr>
-          </a:p>
-        </p:txBody>
-      </p:sp>
-      <p:sp>
-        <p:nvSpPr>
-          <p:cNvPr id="3" name="내용 개체 틀 2">
+              <a:t>Firestore의</a:t>
+            </a:r>
+            <a:r>
+              <a:rPr lang="ko-KR" altLang="en-US" dirty="0">
+                <a:ea typeface="맑은 고딕"/>
+              </a:rPr>
+              <a:t> 가격 책정(도쿄 기준)</a:t>
+            </a:r>
+          </a:p>
+        </p:txBody>
+      </p:sp>
+      <p:graphicFrame>
+        <p:nvGraphicFramePr>
+          <p:cNvPr id="6" name="표 6">
             <a:extLst>
               <a:ext uri="{FF2B5EF4-FFF2-40B4-BE49-F238E27FC236}">
-                <a16:creationId xmlns:a16="http://schemas.microsoft.com/office/drawing/2014/main" id="{FC2685EE-3FFB-4E55-BA76-ED0CBEEB8A76}"/>
+                <a16:creationId xmlns:a16="http://schemas.microsoft.com/office/drawing/2014/main" id="{4818F34B-458F-4691-9455-1BB2BEC6EF38}"/>
               </a:ext>
             </a:extLst>
           </p:cNvPr>
-          <p:cNvSpPr>
-            <a:spLocks noGrp="1"/>
-          </p:cNvSpPr>
+          <p:cNvGraphicFramePr>
+            <a:graphicFrameLocks noGrp="1"/>
+          </p:cNvGraphicFramePr>
           <p:nvPr>
             <p:ph sz="half" idx="1"/>
-          </p:nvPr>
-        </p:nvSpPr>
-        <p:spPr>
-          <a:xfrm>
-            <a:off x="838200" y="1825625"/>
-            <a:ext cx="10801349" cy="4351338"/>
-          </a:xfrm>
-        </p:spPr>
-        <p:txBody>
-          <a:bodyPr vert="horz" lIns="91440" tIns="45720" rIns="91440" bIns="45720" rtlCol="0" anchor="t">
-            <a:normAutofit/>
-          </a:bodyPr>
-          <a:lstStyle/>
-          <a:p>
-            <a:r>
-              <a:rPr lang="ko-KR" altLang="en-US" dirty="0">
-                <a:ea typeface="맑은 고딕"/>
-              </a:rPr>
-              <a:t>강력한 보안</a:t>
-            </a:r>
-          </a:p>
-          <a:p>
-            <a:endParaRPr lang="ko-KR" altLang="en-US" dirty="0">
-              <a:ea typeface="맑은 고딕"/>
-            </a:endParaRPr>
-          </a:p>
-          <a:p>
-            <a:r>
-              <a:rPr lang="ko-KR" altLang="en-US" dirty="0">
-                <a:ea typeface="맑은 고딕"/>
-              </a:rPr>
-              <a:t>오프라인 지원 활성화</a:t>
-            </a:r>
-          </a:p>
-          <a:p>
-            <a:pPr marL="0" indent="0">
-              <a:lnSpc>
-                <a:spcPct val="120000"/>
-              </a:lnSpc>
-              <a:buNone/>
-            </a:pPr>
-            <a:endParaRPr lang="ko-KR" altLang="en-US" dirty="0">
-              <a:ea typeface="맑은 고딕"/>
-            </a:endParaRPr>
-          </a:p>
-        </p:txBody>
-      </p:sp>
+            <p:extLst>
+              <p:ext uri="{D42A27DB-BD31-4B8C-83A1-F6EECF244321}">
+                <p14:modId xmlns:p14="http://schemas.microsoft.com/office/powerpoint/2010/main" val="1153423466"/>
+              </p:ext>
+            </p:extLst>
+          </p:nvPr>
+        </p:nvGraphicFramePr>
+        <p:xfrm>
+          <a:off x="838200" y="1825625"/>
+          <a:ext cx="9867088" cy="4269035"/>
+        </p:xfrm>
+        <a:graphic>
+          <a:graphicData uri="http://schemas.openxmlformats.org/drawingml/2006/table">
+            <a:tbl>
+              <a:tblPr firstRow="1" bandRow="1">
+                <a:tableStyleId>{5C22544A-7EE6-4342-B048-85BDC9FD1C3A}</a:tableStyleId>
+              </a:tblPr>
+              <a:tblGrid>
+                <a:gridCol w="4933544">
+                  <a:extLst>
+                    <a:ext uri="{9D8B030D-6E8A-4147-A177-3AD203B41FA5}">
+                      <a16:colId xmlns:a16="http://schemas.microsoft.com/office/drawing/2014/main" val="779221321"/>
+                    </a:ext>
+                  </a:extLst>
+                </a:gridCol>
+                <a:gridCol w="4933544">
+                  <a:extLst>
+                    <a:ext uri="{9D8B030D-6E8A-4147-A177-3AD203B41FA5}">
+                      <a16:colId xmlns:a16="http://schemas.microsoft.com/office/drawing/2014/main" val="636481357"/>
+                    </a:ext>
+                  </a:extLst>
+                </a:gridCol>
+              </a:tblGrid>
+              <a:tr h="853807">
+                <a:tc>
+                  <a:txBody>
+                    <a:bodyPr/>
+                    <a:lstStyle/>
+                    <a:p>
+                      <a:pPr algn="ctr" latinLnBrk="1"/>
+                      <a:endParaRPr lang="ko-KR" altLang="en-US"/>
+                    </a:p>
+                  </a:txBody>
+                  <a:tcPr anchor="ctr"/>
+                </a:tc>
+                <a:tc>
+                  <a:txBody>
+                    <a:bodyPr/>
+                    <a:lstStyle/>
+                    <a:p>
+                      <a:pPr algn="ctr" latinLnBrk="1"/>
+                      <a:r>
+                        <a:rPr lang="ko-KR" altLang="en-US" dirty="0"/>
+                        <a:t>무료 할당량 초과 시 가격</a:t>
+                      </a:r>
+                    </a:p>
+                  </a:txBody>
+                  <a:tcPr anchor="ctr"/>
+                </a:tc>
+                <a:extLst>
+                  <a:ext uri="{0D108BD9-81ED-4DB2-BD59-A6C34878D82A}">
+                    <a16:rowId xmlns:a16="http://schemas.microsoft.com/office/drawing/2014/main" val="141060451"/>
+                  </a:ext>
+                </a:extLst>
+              </a:tr>
+              <a:tr h="853807">
+                <a:tc>
+                  <a:txBody>
+                    <a:bodyPr/>
+                    <a:lstStyle/>
+                    <a:p>
+                      <a:pPr algn="ctr" latinLnBrk="1"/>
+                      <a:r>
+                        <a:rPr lang="ko-KR" altLang="en-US" dirty="0"/>
+                        <a:t>문서 읽기</a:t>
+                      </a:r>
+                    </a:p>
+                  </a:txBody>
+                  <a:tcPr anchor="ctr"/>
+                </a:tc>
+                <a:tc>
+                  <a:txBody>
+                    <a:bodyPr/>
+                    <a:lstStyle/>
+                    <a:p>
+                      <a:pPr lvl="0" algn="ctr">
+                        <a:buNone/>
+                      </a:pPr>
+                      <a:r>
+                        <a:rPr lang="ko-KR" sz="1800" b="0" i="0" u="none" strike="noStrike" noProof="0" dirty="0">
+                          <a:latin typeface="맑은 고딕"/>
+                          <a:ea typeface="맑은 고딕"/>
+                        </a:rPr>
+                        <a:t>문서 100,000개당 $</a:t>
+                      </a:r>
+                      <a:r>
+                        <a:rPr lang="en-US" altLang="ko-KR" sz="1800" b="0" i="0" u="none" strike="noStrike" noProof="0" dirty="0">
+                          <a:latin typeface="맑은 고딕"/>
+                          <a:ea typeface="맑은 고딕"/>
+                        </a:rPr>
+                        <a:t>0.038</a:t>
+                      </a:r>
+                      <a:endParaRPr lang="ko-KR" dirty="0"/>
+                    </a:p>
+                  </a:txBody>
+                  <a:tcPr anchor="ctr"/>
+                </a:tc>
+                <a:extLst>
+                  <a:ext uri="{0D108BD9-81ED-4DB2-BD59-A6C34878D82A}">
+                    <a16:rowId xmlns:a16="http://schemas.microsoft.com/office/drawing/2014/main" val="1496240924"/>
+                  </a:ext>
+                </a:extLst>
+              </a:tr>
+              <a:tr h="853807">
+                <a:tc>
+                  <a:txBody>
+                    <a:bodyPr/>
+                    <a:lstStyle/>
+                    <a:p>
+                      <a:pPr algn="ctr" latinLnBrk="1"/>
+                      <a:r>
+                        <a:rPr lang="ko-KR" altLang="en-US" dirty="0"/>
+                        <a:t>문서 쓰기</a:t>
+                      </a:r>
+                    </a:p>
+                  </a:txBody>
+                  <a:tcPr anchor="ctr"/>
+                </a:tc>
+                <a:tc>
+                  <a:txBody>
+                    <a:bodyPr/>
+                    <a:lstStyle/>
+                    <a:p>
+                      <a:pPr lvl="0" algn="ctr">
+                        <a:buNone/>
+                      </a:pPr>
+                      <a:r>
+                        <a:rPr lang="ko-KR" sz="1800" b="0" i="0" u="none" strike="noStrike" noProof="0" dirty="0">
+                          <a:latin typeface="맑은 고딕"/>
+                          <a:ea typeface="맑은 고딕"/>
+                        </a:rPr>
+                        <a:t>문서 100,000개당 $</a:t>
+                      </a:r>
+                      <a:r>
+                        <a:rPr lang="en-US" altLang="ko-KR" sz="1800" b="0" i="0" u="none" strike="noStrike" noProof="0" dirty="0">
+                          <a:latin typeface="맑은 고딕"/>
+                          <a:ea typeface="맑은 고딕"/>
+                        </a:rPr>
+                        <a:t>0.115</a:t>
+                      </a:r>
+                      <a:endParaRPr lang="ko-KR" dirty="0"/>
+                    </a:p>
+                  </a:txBody>
+                  <a:tcPr anchor="ctr"/>
+                </a:tc>
+                <a:extLst>
+                  <a:ext uri="{0D108BD9-81ED-4DB2-BD59-A6C34878D82A}">
+                    <a16:rowId xmlns:a16="http://schemas.microsoft.com/office/drawing/2014/main" val="3851676780"/>
+                  </a:ext>
+                </a:extLst>
+              </a:tr>
+              <a:tr h="853807">
+                <a:tc>
+                  <a:txBody>
+                    <a:bodyPr/>
+                    <a:lstStyle/>
+                    <a:p>
+                      <a:pPr algn="ctr" latinLnBrk="1"/>
+                      <a:r>
+                        <a:rPr lang="ko-KR" altLang="en-US" dirty="0"/>
+                        <a:t>문서 삭제</a:t>
+                      </a:r>
+                    </a:p>
+                  </a:txBody>
+                  <a:tcPr anchor="ctr"/>
+                </a:tc>
+                <a:tc>
+                  <a:txBody>
+                    <a:bodyPr/>
+                    <a:lstStyle/>
+                    <a:p>
+                      <a:pPr algn="ctr" latinLnBrk="1"/>
+                      <a:r>
+                        <a:rPr lang="ko-KR" altLang="en-US" dirty="0"/>
+                        <a:t>문서 100,000개당 $0.013</a:t>
+                      </a:r>
+                    </a:p>
+                  </a:txBody>
+                  <a:tcPr anchor="ctr"/>
+                </a:tc>
+                <a:extLst>
+                  <a:ext uri="{0D108BD9-81ED-4DB2-BD59-A6C34878D82A}">
+                    <a16:rowId xmlns:a16="http://schemas.microsoft.com/office/drawing/2014/main" val="2881918532"/>
+                  </a:ext>
+                </a:extLst>
+              </a:tr>
+              <a:tr h="853807">
+                <a:tc>
+                  <a:txBody>
+                    <a:bodyPr/>
+                    <a:lstStyle/>
+                    <a:p>
+                      <a:pPr algn="ctr" latinLnBrk="1"/>
+                      <a:r>
+                        <a:rPr lang="ko-KR" altLang="en-US" dirty="0"/>
+                        <a:t>저장된 데이터</a:t>
+                      </a:r>
+                    </a:p>
+                  </a:txBody>
+                  <a:tcPr anchor="ctr"/>
+                </a:tc>
+                <a:tc>
+                  <a:txBody>
+                    <a:bodyPr/>
+                    <a:lstStyle/>
+                    <a:p>
+                      <a:pPr algn="ctr" latinLnBrk="1"/>
+                      <a:r>
+                        <a:rPr lang="ko-KR" altLang="en-US" dirty="0"/>
+                        <a:t>$0.115/</a:t>
+                      </a:r>
+                      <a:r>
+                        <a:rPr lang="ko-KR" altLang="en-US" dirty="0" err="1"/>
+                        <a:t>GiB</a:t>
+                      </a:r>
+                      <a:r>
+                        <a:rPr lang="ko-KR" altLang="en-US" dirty="0"/>
+                        <a:t>/월</a:t>
+                      </a:r>
+                    </a:p>
+                  </a:txBody>
+                  <a:tcPr anchor="ctr"/>
+                </a:tc>
+                <a:extLst>
+                  <a:ext uri="{0D108BD9-81ED-4DB2-BD59-A6C34878D82A}">
+                    <a16:rowId xmlns:a16="http://schemas.microsoft.com/office/drawing/2014/main" val="2530412921"/>
+                  </a:ext>
+                </a:extLst>
+              </a:tr>
+            </a:tbl>
+          </a:graphicData>
+        </a:graphic>
+      </p:graphicFrame>
     </p:spTree>
     <p:extLst>
       <p:ext uri="{BB962C8B-B14F-4D97-AF65-F5344CB8AC3E}">
-        <p14:creationId xmlns:p14="http://schemas.microsoft.com/office/powerpoint/2010/main" val="3696454413"/>
+        <p14:creationId xmlns:p14="http://schemas.microsoft.com/office/powerpoint/2010/main" val="2215000048"/>
       </p:ext>
     </p:extLst>
   </p:cSld>
@@ -8170,66 +7145,480 @@
           <a:lstStyle/>
           <a:p>
             <a:r>
-              <a:rPr lang="ko-KR" altLang="en-US">
+              <a:rPr lang="ko-KR" altLang="en-US" dirty="0" err="1">
                 <a:ea typeface="맑은 고딕"/>
               </a:rPr>
-              <a:t>Firestore의 장점</a:t>
-            </a:r>
-            <a:endParaRPr lang="ko-KR" altLang="en-US" dirty="0">
-              <a:ea typeface="맑은 고딕"/>
-            </a:endParaRPr>
-          </a:p>
-        </p:txBody>
-      </p:sp>
-      <p:sp>
-        <p:nvSpPr>
-          <p:cNvPr id="3" name="내용 개체 틀 2">
+              <a:t>Firestore의</a:t>
+            </a:r>
+            <a:r>
+              <a:rPr lang="ko-KR" altLang="en-US" dirty="0">
+                <a:ea typeface="맑은 고딕"/>
+              </a:rPr>
+              <a:t> 가격 책정(CDN)</a:t>
+            </a:r>
+          </a:p>
+        </p:txBody>
+      </p:sp>
+      <p:graphicFrame>
+        <p:nvGraphicFramePr>
+          <p:cNvPr id="6" name="표 6">
             <a:extLst>
               <a:ext uri="{FF2B5EF4-FFF2-40B4-BE49-F238E27FC236}">
-                <a16:creationId xmlns:a16="http://schemas.microsoft.com/office/drawing/2014/main" id="{FC2685EE-3FFB-4E55-BA76-ED0CBEEB8A76}"/>
+                <a16:creationId xmlns:a16="http://schemas.microsoft.com/office/drawing/2014/main" id="{4818F34B-458F-4691-9455-1BB2BEC6EF38}"/>
               </a:ext>
             </a:extLst>
           </p:cNvPr>
-          <p:cNvSpPr>
-            <a:spLocks noGrp="1"/>
-          </p:cNvSpPr>
+          <p:cNvGraphicFramePr>
+            <a:graphicFrameLocks noGrp="1"/>
+          </p:cNvGraphicFramePr>
           <p:nvPr>
             <p:ph sz="half" idx="1"/>
-          </p:nvPr>
-        </p:nvSpPr>
-        <p:spPr>
-          <a:xfrm>
-            <a:off x="838200" y="1825625"/>
-            <a:ext cx="10801349" cy="4351338"/>
-          </a:xfrm>
-        </p:spPr>
-        <p:txBody>
-          <a:bodyPr vert="horz" lIns="91440" tIns="45720" rIns="91440" bIns="45720" rtlCol="0" anchor="t">
-            <a:normAutofit/>
-          </a:bodyPr>
-          <a:lstStyle/>
-          <a:p>
-            <a:r>
-              <a:rPr lang="ko-KR" altLang="en-US" dirty="0">
-                <a:ea typeface="맑은 고딕"/>
-              </a:rPr>
-              <a:t>효율적인 가격</a:t>
-            </a:r>
-          </a:p>
-          <a:p>
-            <a:pPr marL="0" indent="0">
-              <a:buNone/>
-            </a:pPr>
-            <a:endParaRPr lang="ko-KR" altLang="en-US">
-              <a:ea typeface="맑은 고딕"/>
-            </a:endParaRPr>
-          </a:p>
-        </p:txBody>
-      </p:sp>
+            <p:extLst>
+              <p:ext uri="{D42A27DB-BD31-4B8C-83A1-F6EECF244321}">
+                <p14:modId xmlns:p14="http://schemas.microsoft.com/office/powerpoint/2010/main" val="2448448595"/>
+              </p:ext>
+            </p:extLst>
+          </p:nvPr>
+        </p:nvGraphicFramePr>
+        <p:xfrm>
+          <a:off x="838200" y="1825625"/>
+          <a:ext cx="10361308" cy="4468080"/>
+        </p:xfrm>
+        <a:graphic>
+          <a:graphicData uri="http://schemas.openxmlformats.org/drawingml/2006/table">
+            <a:tbl>
+              <a:tblPr firstRow="1" bandRow="1">
+                <a:tableStyleId>{5C22544A-7EE6-4342-B048-85BDC9FD1C3A}</a:tableStyleId>
+              </a:tblPr>
+              <a:tblGrid>
+                <a:gridCol w="5180654">
+                  <a:extLst>
+                    <a:ext uri="{9D8B030D-6E8A-4147-A177-3AD203B41FA5}">
+                      <a16:colId xmlns:a16="http://schemas.microsoft.com/office/drawing/2014/main" val="779221321"/>
+                    </a:ext>
+                  </a:extLst>
+                </a:gridCol>
+                <a:gridCol w="5180654">
+                  <a:extLst>
+                    <a:ext uri="{9D8B030D-6E8A-4147-A177-3AD203B41FA5}">
+                      <a16:colId xmlns:a16="http://schemas.microsoft.com/office/drawing/2014/main" val="636481357"/>
+                    </a:ext>
+                  </a:extLst>
+                </a:gridCol>
+              </a:tblGrid>
+              <a:tr h="927336">
+                <a:tc>
+                  <a:txBody>
+                    <a:bodyPr/>
+                    <a:lstStyle/>
+                    <a:p>
+                      <a:pPr algn="ctr" latinLnBrk="1"/>
+                      <a:r>
+                        <a:rPr lang="ko-KR" altLang="en-US" dirty="0"/>
+                        <a:t>사례</a:t>
+                      </a:r>
+                    </a:p>
+                  </a:txBody>
+                  <a:tcPr anchor="ctr"/>
+                </a:tc>
+                <a:tc>
+                  <a:txBody>
+                    <a:bodyPr/>
+                    <a:lstStyle/>
+                    <a:p>
+                      <a:pPr lvl="0" algn="ctr">
+                        <a:buNone/>
+                      </a:pPr>
+                      <a:r>
+                        <a:rPr lang="ko-KR" altLang="en-US" dirty="0"/>
+                        <a:t>결제 대상</a:t>
+                      </a:r>
+                    </a:p>
+                  </a:txBody>
+                  <a:tcPr anchor="ctr"/>
+                </a:tc>
+                <a:extLst>
+                  <a:ext uri="{0D108BD9-81ED-4DB2-BD59-A6C34878D82A}">
+                    <a16:rowId xmlns:a16="http://schemas.microsoft.com/office/drawing/2014/main" val="141060451"/>
+                  </a:ext>
+                </a:extLst>
+              </a:tr>
+              <a:tr h="927336">
+                <a:tc>
+                  <a:txBody>
+                    <a:bodyPr/>
+                    <a:lstStyle/>
+                    <a:p>
+                      <a:pPr lvl="0" algn="ctr">
+                        <a:buNone/>
+                      </a:pPr>
+                      <a:r>
+                        <a:rPr lang="ko-KR" altLang="en-US" dirty="0"/>
+                        <a:t>캐시 가능한 콘텐츠, 캐시 적중</a:t>
+                      </a:r>
+                    </a:p>
+                  </a:txBody>
+                  <a:tcPr anchor="ctr"/>
+                </a:tc>
+                <a:tc>
+                  <a:txBody>
+                    <a:bodyPr/>
+                    <a:lstStyle/>
+                    <a:p>
+                      <a:pPr lvl="0" algn="ctr">
+                        <a:buNone/>
+                      </a:pPr>
+                      <a:r>
+                        <a:rPr lang="ko-KR" altLang="en-US" sz="1800" b="0" i="0" u="none" strike="noStrike" noProof="0" dirty="0" err="1"/>
+                        <a:t>캐시</a:t>
+                      </a:r>
+                      <a:r>
+                        <a:rPr lang="en-US" sz="1800" b="0" i="0" u="none" strike="noStrike" noProof="0" dirty="0"/>
+                        <a:t> </a:t>
+                      </a:r>
+                      <a:r>
+                        <a:rPr lang="en-US" sz="1800" b="0" i="0" u="none" strike="noStrike" noProof="0" dirty="0" err="1"/>
+                        <a:t>조회</a:t>
+                      </a:r>
+                      <a:r>
+                        <a:rPr lang="en-US" sz="1800" b="0" i="0" u="none" strike="noStrike" noProof="0" dirty="0"/>
+                        <a:t> </a:t>
+                      </a:r>
+                      <a:r>
+                        <a:rPr lang="en-US" altLang="ko-KR" sz="1800" b="0" i="0" u="none" strike="noStrike" noProof="0" dirty="0"/>
+                        <a:t>+</a:t>
+                      </a:r>
+                      <a:br>
+                        <a:rPr lang="en-US" altLang="ko-KR" sz="1800" b="0" i="0" u="none" strike="noStrike" noProof="0" dirty="0"/>
+                      </a:br>
+                      <a:r>
+                        <a:rPr lang="en-US" sz="1800" b="0" i="0" u="none" strike="noStrike" noProof="0" dirty="0" err="1"/>
+                        <a:t>캐시</a:t>
+                      </a:r>
+                      <a:r>
+                        <a:rPr lang="en-US" sz="1800" b="0" i="0" u="none" strike="noStrike" noProof="0" dirty="0"/>
+                        <a:t> </a:t>
+                      </a:r>
+                      <a:r>
+                        <a:rPr lang="en-US" sz="1800" b="0" i="0" u="none" strike="noStrike" noProof="0" dirty="0" err="1"/>
+                        <a:t>이그레스</a:t>
+                      </a:r>
+                      <a:endParaRPr lang="ko-KR" dirty="0" err="1"/>
+                    </a:p>
+                  </a:txBody>
+                  <a:tcPr anchor="ctr"/>
+                </a:tc>
+                <a:extLst>
+                  <a:ext uri="{0D108BD9-81ED-4DB2-BD59-A6C34878D82A}">
+                    <a16:rowId xmlns:a16="http://schemas.microsoft.com/office/drawing/2014/main" val="1496240924"/>
+                  </a:ext>
+                </a:extLst>
+              </a:tr>
+              <a:tr h="1686072">
+                <a:tc>
+                  <a:txBody>
+                    <a:bodyPr/>
+                    <a:lstStyle/>
+                    <a:p>
+                      <a:pPr lvl="0" algn="ctr">
+                        <a:buNone/>
+                      </a:pPr>
+                      <a:r>
+                        <a:rPr lang="ko-KR" sz="1800" b="0" i="0" u="none" strike="noStrike" noProof="0" dirty="0">
+                          <a:latin typeface="맑은 고딕"/>
+                          <a:ea typeface="맑은 고딕"/>
+                        </a:rPr>
+                        <a:t>캐시 가능한 콘텐츠, 캐시 </a:t>
+                      </a:r>
+                      <a:r>
+                        <a:rPr lang="ko-KR" altLang="en-US" sz="1800" b="0" i="0" u="none" strike="noStrike" noProof="0" dirty="0" err="1">
+                          <a:latin typeface="맑은 고딕"/>
+                          <a:ea typeface="맑은 고딕"/>
+                        </a:rPr>
+                        <a:t>부적중</a:t>
+                      </a:r>
+                      <a:endParaRPr lang="ko-KR" dirty="0" err="1"/>
+                    </a:p>
+                  </a:txBody>
+                  <a:tcPr anchor="ctr"/>
+                </a:tc>
+                <a:tc>
+                  <a:txBody>
+                    <a:bodyPr/>
+                    <a:lstStyle/>
+                    <a:p>
+                      <a:pPr lvl="0" algn="ctr">
+                        <a:buNone/>
+                      </a:pPr>
+                      <a:r>
+                        <a:rPr lang="ko-KR" altLang="en-US" sz="1800" b="0" i="0" u="none" strike="noStrike" noProof="0" dirty="0" err="1"/>
+                        <a:t>캐시</a:t>
+                      </a:r>
+                      <a:r>
+                        <a:rPr lang="en-US" altLang="ko-KR" sz="1800" b="0" i="0" u="none" strike="noStrike" noProof="0" dirty="0"/>
+                        <a:t> </a:t>
+                      </a:r>
+                      <a:r>
+                        <a:rPr lang="ko-KR" altLang="en-US" sz="1800" b="0" i="0" u="none" strike="noStrike" noProof="0" dirty="0" err="1"/>
+                        <a:t>조회</a:t>
+                      </a:r>
+                      <a:r>
+                        <a:rPr lang="en-US" altLang="ko-KR" sz="1800" b="0" i="0" u="none" strike="noStrike" noProof="0" dirty="0"/>
+                        <a:t> +</a:t>
+                      </a:r>
+                      <a:br>
+                        <a:rPr lang="en-US" altLang="ko-KR" sz="1800" b="0" i="0" u="none" strike="noStrike" noProof="0" dirty="0"/>
+                      </a:br>
+                      <a:r>
+                        <a:rPr lang="ko-KR" altLang="en-US" sz="1800" b="0" i="0" u="none" strike="noStrike" noProof="0" dirty="0" err="1"/>
+                        <a:t>캐시</a:t>
+                      </a:r>
+                      <a:r>
+                        <a:rPr lang="en-US" altLang="ko-KR" sz="1800" b="0" i="0" u="none" strike="noStrike" noProof="0" dirty="0"/>
+                        <a:t> </a:t>
+                      </a:r>
+                      <a:r>
+                        <a:rPr lang="ko-KR" altLang="en-US" sz="1800" b="0" i="0" u="none" strike="noStrike" noProof="0" dirty="0" err="1"/>
+                        <a:t>이그레스</a:t>
+                      </a:r>
+                      <a:r>
+                        <a:rPr lang="en-US" altLang="ko-KR" sz="1800" b="0" i="0" u="none" strike="noStrike" noProof="0" dirty="0"/>
+                        <a:t> +</a:t>
+                      </a:r>
+                      <a:br>
+                        <a:rPr lang="en-US" altLang="ko-KR" sz="1800" b="0" i="0" u="none" strike="noStrike" noProof="0" dirty="0"/>
+                      </a:br>
+                      <a:r>
+                        <a:rPr lang="ko-KR" altLang="en-US" sz="1800" b="0" i="0" u="none" strike="noStrike" noProof="0" dirty="0" err="1"/>
+                        <a:t>캐시</a:t>
+                      </a:r>
+                      <a:r>
+                        <a:rPr lang="en-US" altLang="ko-KR" sz="1800" b="0" i="0" u="none" strike="noStrike" noProof="0" dirty="0"/>
+                        <a:t> </a:t>
+                      </a:r>
+                      <a:r>
+                        <a:rPr lang="ko-KR" altLang="en-US" sz="1800" b="0" i="0" u="none" strike="noStrike" noProof="0" dirty="0" err="1"/>
+                        <a:t>채우기</a:t>
+                      </a:r>
+                      <a:r>
+                        <a:rPr lang="en-US" altLang="ko-KR" sz="1800" b="0" i="0" u="none" strike="noStrike" noProof="0" dirty="0"/>
+                        <a:t> +</a:t>
+                      </a:r>
+                      <a:br>
+                        <a:rPr lang="en-US" altLang="ko-KR" sz="1800" b="0" i="0" u="none" strike="noStrike" noProof="0" dirty="0"/>
+                      </a:br>
+                      <a:r>
+                        <a:rPr lang="ko-KR" altLang="en-US" sz="1800" b="0" i="0" u="none" strike="noStrike" noProof="0" dirty="0" err="1"/>
+                        <a:t>적용</a:t>
+                      </a:r>
+                      <a:r>
+                        <a:rPr lang="en-US" altLang="ko-KR" sz="1800" b="0" i="0" u="none" strike="noStrike" noProof="0" dirty="0"/>
+                        <a:t> </a:t>
+                      </a:r>
+                      <a:r>
+                        <a:rPr lang="ko-KR" altLang="en-US" sz="1800" b="0" i="0" u="none" strike="noStrike" noProof="0" dirty="0" err="1"/>
+                        <a:t>가능한</a:t>
+                      </a:r>
+                      <a:r>
+                        <a:rPr lang="en-US" altLang="ko-KR" sz="1800" b="0" i="0" u="none" strike="noStrike" noProof="0" dirty="0"/>
+                        <a:t> Cloud Load Balancing </a:t>
+                      </a:r>
+                      <a:r>
+                        <a:rPr lang="ko-KR" altLang="en-US" sz="1800" b="0" i="0" u="none" strike="noStrike" noProof="0" dirty="0" err="1"/>
+                        <a:t>데이터</a:t>
+                      </a:r>
+                      <a:r>
+                        <a:rPr lang="en-US" altLang="ko-KR" sz="1800" b="0" i="0" u="none" strike="noStrike" noProof="0" dirty="0"/>
+                        <a:t> </a:t>
+                      </a:r>
+                      <a:r>
+                        <a:rPr lang="ko-KR" altLang="en-US" sz="1800" b="0" i="0" u="none" strike="noStrike" noProof="0" dirty="0" err="1"/>
+                        <a:t>처리</a:t>
+                      </a:r>
+                      <a:r>
+                        <a:rPr lang="en-US" altLang="ko-KR" sz="1800" b="0" i="0" u="none" strike="noStrike" noProof="0" dirty="0"/>
+                        <a:t> </a:t>
+                      </a:r>
+                      <a:r>
+                        <a:rPr lang="ko-KR" altLang="en-US" sz="1800" b="0" i="0" u="none" strike="noStrike" noProof="0" dirty="0" err="1"/>
+                        <a:t>또는</a:t>
+                      </a:r>
+                      <a:r>
+                        <a:rPr lang="en-US" altLang="ko-KR" sz="1800" b="0" i="0" u="none" strike="noStrike" noProof="0" dirty="0"/>
+                        <a:t> </a:t>
+                      </a:r>
+                      <a:r>
+                        <a:rPr lang="en-US" sz="1800" b="0" i="0" u="none" strike="noStrike" noProof="0" dirty="0"/>
+                        <a:t>Cloud </a:t>
+                      </a:r>
+                      <a:r>
+                        <a:rPr lang="en-US" altLang="ko-KR" sz="1800" b="0" i="0" u="none" strike="noStrike" noProof="0" dirty="0"/>
+                        <a:t>Storage</a:t>
+                      </a:r>
+                      <a:r>
+                        <a:rPr lang="en-US" sz="1800" b="0" i="0" u="none" strike="noStrike" noProof="0" dirty="0"/>
+                        <a:t> </a:t>
+                      </a:r>
+                      <a:r>
+                        <a:rPr lang="en-US" sz="1800" b="0" i="0" u="none" strike="noStrike" noProof="0" dirty="0" err="1"/>
+                        <a:t>작업</a:t>
+                      </a:r>
+                      <a:r>
+                        <a:rPr lang="en-US" sz="1800" b="0" i="0" u="none" strike="noStrike" noProof="0" dirty="0"/>
+                        <a:t> </a:t>
+                      </a:r>
+                      <a:r>
+                        <a:rPr lang="en-US" sz="1800" b="0" i="0" u="none" strike="noStrike" noProof="0" dirty="0" err="1"/>
+                        <a:t>요금</a:t>
+                      </a:r>
+                      <a:endParaRPr lang="ko-KR" dirty="0" err="1"/>
+                    </a:p>
+                  </a:txBody>
+                  <a:tcPr anchor="ctr"/>
+                </a:tc>
+                <a:extLst>
+                  <a:ext uri="{0D108BD9-81ED-4DB2-BD59-A6C34878D82A}">
+                    <a16:rowId xmlns:a16="http://schemas.microsoft.com/office/drawing/2014/main" val="3851676780"/>
+                  </a:ext>
+                </a:extLst>
+              </a:tr>
+              <a:tr h="927336">
+                <a:tc>
+                  <a:txBody>
+                    <a:bodyPr/>
+                    <a:lstStyle/>
+                    <a:p>
+                      <a:pPr algn="ctr" latinLnBrk="1"/>
+                      <a:r>
+                        <a:rPr lang="ko-KR" altLang="en-US" dirty="0" err="1"/>
+                        <a:t>캐시할</a:t>
+                      </a:r>
+                      <a:r>
+                        <a:rPr lang="ko-KR" altLang="en-US" dirty="0"/>
+                        <a:t> 수 없는 콘텐츠</a:t>
+                      </a:r>
+                      <a:endParaRPr lang="ko-KR" dirty="0"/>
+                    </a:p>
+                  </a:txBody>
+                  <a:tcPr anchor="ctr"/>
+                </a:tc>
+                <a:tc>
+                  <a:txBody>
+                    <a:bodyPr/>
+                    <a:lstStyle/>
+                    <a:p>
+                      <a:pPr lvl="0" algn="ctr">
+                        <a:buNone/>
+                      </a:pPr>
+                      <a:r>
+                        <a:rPr lang="ko-KR" sz="1800" b="0" i="0" u="none" strike="noStrike" noProof="0" dirty="0">
+                          <a:latin typeface="맑은 고딕"/>
+                          <a:ea typeface="맑은 고딕"/>
+                        </a:rPr>
+                        <a:t>표준 </a:t>
+                      </a:r>
+                      <a:r>
+                        <a:rPr lang="ko-KR" sz="1800" b="0" i="0" u="none" strike="noStrike" noProof="0" dirty="0" err="1">
+                          <a:latin typeface="맑은 고딕"/>
+                          <a:ea typeface="맑은 고딕"/>
+                        </a:rPr>
+                        <a:t>Compute</a:t>
+                      </a:r>
+                      <a:r>
+                        <a:rPr lang="ko-KR" sz="1800" b="0" i="0" u="none" strike="noStrike" noProof="0" dirty="0">
+                          <a:latin typeface="맑은 고딕"/>
+                          <a:ea typeface="맑은 고딕"/>
+                        </a:rPr>
+                        <a:t> </a:t>
+                      </a:r>
+                      <a:r>
+                        <a:rPr lang="ko-KR" sz="1800" b="0" i="0" u="none" strike="noStrike" noProof="0" dirty="0" err="1">
+                          <a:latin typeface="맑은 고딕"/>
+                          <a:ea typeface="맑은 고딕"/>
+                        </a:rPr>
+                        <a:t>Engine</a:t>
+                      </a:r>
+                      <a:r>
+                        <a:rPr lang="ko-KR" sz="1800" b="0" i="0" u="none" strike="noStrike" noProof="0" dirty="0">
+                          <a:latin typeface="맑은 고딕"/>
+                          <a:ea typeface="맑은 고딕"/>
+                        </a:rPr>
+                        <a:t> +</a:t>
+                      </a:r>
+                      <a:br>
+                        <a:rPr lang="ko-KR" sz="1800" b="0" i="0" u="none" strike="noStrike" noProof="0" dirty="0">
+                          <a:latin typeface="맑은 고딕"/>
+                          <a:ea typeface="맑은 고딕"/>
+                        </a:rPr>
+                      </a:br>
+                      <a:r>
+                        <a:rPr lang="ko-KR" sz="1800" b="0" i="0" u="none" strike="noStrike" noProof="0" dirty="0" err="1">
+                          <a:latin typeface="맑은 고딕"/>
+                          <a:ea typeface="맑은 고딕"/>
+                        </a:rPr>
+                        <a:t>Cloud</a:t>
+                      </a:r>
+                      <a:r>
+                        <a:rPr lang="ko-KR" sz="1800" b="0" i="0" u="none" strike="noStrike" noProof="0" dirty="0">
+                          <a:latin typeface="맑은 고딕"/>
+                          <a:ea typeface="맑은 고딕"/>
+                        </a:rPr>
+                        <a:t> </a:t>
+                      </a:r>
+                      <a:r>
+                        <a:rPr lang="ko-KR" sz="1800" b="0" i="0" u="none" strike="noStrike" noProof="0" dirty="0" err="1">
+                          <a:latin typeface="맑은 고딕"/>
+                          <a:ea typeface="맑은 고딕"/>
+                        </a:rPr>
+                        <a:t>Storage</a:t>
+                      </a:r>
+                      <a:r>
+                        <a:rPr lang="ko-KR" sz="1800" b="0" i="0" u="none" strike="noStrike" noProof="0" dirty="0">
+                          <a:latin typeface="맑은 고딕"/>
+                          <a:ea typeface="맑은 고딕"/>
+                        </a:rPr>
+                        <a:t> </a:t>
+                      </a:r>
+                      <a:r>
+                        <a:rPr lang="ko-KR" sz="1800" b="0" i="0" u="none" strike="noStrike" noProof="0" dirty="0" err="1">
+                          <a:latin typeface="맑은 고딕"/>
+                          <a:ea typeface="맑은 고딕"/>
+                        </a:rPr>
+                        <a:t>이그레스</a:t>
+                      </a:r>
+                      <a:r>
+                        <a:rPr lang="ko-KR" sz="1800" b="0" i="0" u="none" strike="noStrike" noProof="0" dirty="0">
+                          <a:latin typeface="맑은 고딕"/>
+                          <a:ea typeface="맑은 고딕"/>
+                        </a:rPr>
+                        <a:t> </a:t>
+                      </a:r>
+                      <a:r>
+                        <a:rPr lang="ko-KR" sz="1800" b="0" i="0" u="none" strike="noStrike" noProof="0" dirty="0" err="1">
+                          <a:latin typeface="맑은 고딕"/>
+                          <a:ea typeface="맑은 고딕"/>
+                        </a:rPr>
+                        <a:t>요율</a:t>
+                      </a:r>
+                      <a:endParaRPr lang="ko-KR" dirty="0" err="1"/>
+                    </a:p>
+                  </a:txBody>
+                  <a:tcPr anchor="ctr"/>
+                </a:tc>
+                <a:extLst>
+                  <a:ext uri="{0D108BD9-81ED-4DB2-BD59-A6C34878D82A}">
+                    <a16:rowId xmlns:a16="http://schemas.microsoft.com/office/drawing/2014/main" val="2881918532"/>
+                  </a:ext>
+                </a:extLst>
+              </a:tr>
+            </a:tbl>
+          </a:graphicData>
+        </a:graphic>
+      </p:graphicFrame>
     </p:spTree>
     <p:extLst>
       <p:ext uri="{BB962C8B-B14F-4D97-AF65-F5344CB8AC3E}">
-        <p14:creationId xmlns:p14="http://schemas.microsoft.com/office/powerpoint/2010/main" val="1736612140"/>
+        <p14:creationId xmlns:p14="http://schemas.microsoft.com/office/powerpoint/2010/main" val="3415348569"/>
       </p:ext>
     </p:extLst>
   </p:cSld>
@@ -8287,101 +7676,334 @@
               <a:rPr lang="ko-KR" altLang="en-US" dirty="0">
                 <a:ea typeface="맑은 고딕"/>
               </a:rPr>
-              <a:t> 요금 계산</a:t>
-            </a:r>
-          </a:p>
-        </p:txBody>
-      </p:sp>
-      <p:sp>
-        <p:nvSpPr>
-          <p:cNvPr id="3" name="내용 개체 틀 2">
+              <a:t> 가격표(CDN)</a:t>
+            </a:r>
+          </a:p>
+        </p:txBody>
+      </p:sp>
+      <p:graphicFrame>
+        <p:nvGraphicFramePr>
+          <p:cNvPr id="7" name="표 6">
             <a:extLst>
               <a:ext uri="{FF2B5EF4-FFF2-40B4-BE49-F238E27FC236}">
-                <a16:creationId xmlns:a16="http://schemas.microsoft.com/office/drawing/2014/main" id="{FC2685EE-3FFB-4E55-BA76-ED0CBEEB8A76}"/>
+                <a16:creationId xmlns:a16="http://schemas.microsoft.com/office/drawing/2014/main" id="{F3754815-59E9-4894-99C2-3C649057D4EB}"/>
               </a:ext>
             </a:extLst>
           </p:cNvPr>
-          <p:cNvSpPr>
-            <a:spLocks noGrp="1"/>
-          </p:cNvSpPr>
-          <p:nvPr>
-            <p:ph sz="half" idx="1"/>
-          </p:nvPr>
-        </p:nvSpPr>
-        <p:spPr>
-          <a:xfrm>
-            <a:off x="838200" y="1825625"/>
-            <a:ext cx="10801349" cy="4351338"/>
-          </a:xfrm>
-        </p:spPr>
-        <p:txBody>
-          <a:bodyPr vert="horz" lIns="91440" tIns="45720" rIns="91440" bIns="45720" rtlCol="0" anchor="t">
-            <a:normAutofit/>
-          </a:bodyPr>
-          <a:lstStyle/>
-          <a:p>
-            <a:r>
-              <a:rPr lang="ko-KR" altLang="en-US" dirty="0">
-                <a:ea typeface="맑은 고딕"/>
-              </a:rPr>
-              <a:t>사용자가 수행하는 읽기, 쓰기, 삭제 횟수</a:t>
-            </a:r>
-          </a:p>
-          <a:p>
-            <a:endParaRPr lang="ko-KR" altLang="en-US" dirty="0">
-              <a:ea typeface="맑은 고딕"/>
-            </a:endParaRPr>
-          </a:p>
-          <a:p>
-            <a:r>
-              <a:rPr lang="ko-KR" altLang="en-US" dirty="0">
-                <a:ea typeface="맑은 고딕"/>
-              </a:rPr>
-              <a:t>메타데이터 및 색인에 대한 오버헤드 등의 데이터베이스에서 사용되는 저장 용량</a:t>
-            </a:r>
-          </a:p>
-          <a:p>
-            <a:endParaRPr lang="ko-KR" altLang="en-US" dirty="0">
-              <a:ea typeface="맑은 고딕"/>
-            </a:endParaRPr>
-          </a:p>
-          <a:p>
-            <a:r>
-              <a:rPr lang="ko-KR" altLang="en-US" dirty="0">
-                <a:ea typeface="맑은 고딕"/>
-              </a:rPr>
-              <a:t>사용하는 네트워크 대역폭의 양</a:t>
-            </a:r>
-          </a:p>
-          <a:p>
-            <a:pPr marL="0" indent="0">
-              <a:buNone/>
-            </a:pPr>
-            <a:r>
-              <a:rPr lang="ko-KR" altLang="en-US" dirty="0">
-                <a:ea typeface="맑은 고딕"/>
-              </a:rPr>
-              <a:t>  - 저장소 및 대역폭 사용량을 기가바이트(</a:t>
-            </a:r>
-            <a:r>
-              <a:rPr lang="ko-KR" altLang="en-US" dirty="0" err="1">
-                <a:ea typeface="맑은 고딕"/>
-              </a:rPr>
-              <a:t>GiB</a:t>
-            </a:r>
-            <a:r>
-              <a:rPr lang="ko-KR" altLang="en-US" dirty="0">
-                <a:ea typeface="맑은 고딕"/>
-              </a:rPr>
-              <a:t>)로 계산되며, 모든 요금은 일 단위로 발생한다.</a:t>
-            </a:r>
-          </a:p>
-        </p:txBody>
-      </p:sp>
+          <p:cNvGraphicFramePr>
+            <a:graphicFrameLocks noGrp="1"/>
+          </p:cNvGraphicFramePr>
+          <p:nvPr>
+            <p:extLst>
+              <p:ext uri="{D42A27DB-BD31-4B8C-83A1-F6EECF244321}">
+                <p14:modId xmlns:p14="http://schemas.microsoft.com/office/powerpoint/2010/main" val="2667212364"/>
+              </p:ext>
+            </p:extLst>
+          </p:nvPr>
+        </p:nvGraphicFramePr>
+        <p:xfrm>
+          <a:off x="833005" y="1872442"/>
+          <a:ext cx="10712178" cy="4485415"/>
+        </p:xfrm>
+        <a:graphic>
+          <a:graphicData uri="http://schemas.openxmlformats.org/drawingml/2006/table">
+            <a:tbl>
+              <a:tblPr firstRow="1" bandRow="1">
+                <a:tableStyleId>{5C22544A-7EE6-4342-B048-85BDC9FD1C3A}</a:tableStyleId>
+              </a:tblPr>
+              <a:tblGrid>
+                <a:gridCol w="5356089">
+                  <a:extLst>
+                    <a:ext uri="{9D8B030D-6E8A-4147-A177-3AD203B41FA5}">
+                      <a16:colId xmlns:a16="http://schemas.microsoft.com/office/drawing/2014/main" val="2610086112"/>
+                    </a:ext>
+                  </a:extLst>
+                </a:gridCol>
+                <a:gridCol w="5356089">
+                  <a:extLst>
+                    <a:ext uri="{9D8B030D-6E8A-4147-A177-3AD203B41FA5}">
+                      <a16:colId xmlns:a16="http://schemas.microsoft.com/office/drawing/2014/main" val="1069078501"/>
+                    </a:ext>
+                  </a:extLst>
+                </a:gridCol>
+              </a:tblGrid>
+              <a:tr h="970311">
+                <a:tc>
+                  <a:txBody>
+                    <a:bodyPr/>
+                    <a:lstStyle/>
+                    <a:p>
+                      <a:pPr algn="ctr" fontAlgn="ctr"/>
+                      <a:r>
+                        <a:rPr lang="ko-KR" altLang="en-US" dirty="0">
+                          <a:effectLst/>
+                        </a:rPr>
+                        <a:t>항목</a:t>
+                      </a:r>
+                      <a:endParaRPr lang="ko-KR" altLang="en-US" b="0" dirty="0">
+                        <a:solidFill>
+                          <a:srgbClr val="202124"/>
+                        </a:solidFill>
+                        <a:effectLst/>
+                        <a:latin typeface="Roboto"/>
+                      </a:endParaRPr>
+                    </a:p>
+                  </a:txBody>
+                  <a:tcPr marL="76200" marR="76200" marT="76200" marB="76200" anchor="ctr"/>
+                </a:tc>
+                <a:tc>
+                  <a:txBody>
+                    <a:bodyPr/>
+                    <a:lstStyle/>
+                    <a:p>
+                      <a:pPr algn="ctr" fontAlgn="ctr"/>
+                      <a:r>
+                        <a:rPr lang="ko-KR" altLang="en-US" dirty="0">
+                          <a:effectLst/>
+                        </a:rPr>
+                        <a:t>가격</a:t>
+                      </a:r>
+                      <a:endParaRPr lang="ko-KR" altLang="en-US" b="0" dirty="0">
+                        <a:solidFill>
+                          <a:srgbClr val="202124"/>
+                        </a:solidFill>
+                        <a:effectLst/>
+                        <a:latin typeface="Roboto"/>
+                      </a:endParaRPr>
+                    </a:p>
+                  </a:txBody>
+                  <a:tcPr marL="76200" marR="76200" marT="76200" marB="76200" anchor="ctr"/>
+                </a:tc>
+                <a:extLst>
+                  <a:ext uri="{0D108BD9-81ED-4DB2-BD59-A6C34878D82A}">
+                    <a16:rowId xmlns:a16="http://schemas.microsoft.com/office/drawing/2014/main" val="2991363585"/>
+                  </a:ext>
+                </a:extLst>
+              </a:tr>
+              <a:tr h="878776">
+                <a:tc>
+                  <a:txBody>
+                    <a:bodyPr/>
+                    <a:lstStyle/>
+                    <a:p>
+                      <a:pPr algn="ctr" fontAlgn="t"/>
+                      <a:r>
+                        <a:rPr lang="ko-KR" altLang="en-US" dirty="0">
+                          <a:effectLst/>
+                        </a:rPr>
+                        <a:t>캐시 </a:t>
+                      </a:r>
+                      <a:r>
+                        <a:rPr lang="ko-KR" altLang="en-US" dirty="0" err="1">
+                          <a:effectLst/>
+                        </a:rPr>
+                        <a:t>이그레스</a:t>
+                      </a:r>
+                    </a:p>
+                  </a:txBody>
+                  <a:tcPr marL="76200" marR="76200" marT="66675" marB="76200" anchor="ctr"/>
+                </a:tc>
+                <a:tc>
+                  <a:txBody>
+                    <a:bodyPr/>
+                    <a:lstStyle/>
+                    <a:p>
+                      <a:pPr algn="ctr" fontAlgn="t"/>
+                      <a:r>
+                        <a:rPr lang="af-ZA" dirty="0">
+                          <a:effectLst/>
+                        </a:rPr>
+                        <a:t>1GB</a:t>
+                      </a:r>
+                      <a:r>
+                        <a:rPr lang="ko-KR" altLang="en-US" dirty="0">
+                          <a:effectLst/>
+                        </a:rPr>
+                        <a:t>당 </a:t>
+                      </a:r>
+                      <a:r>
+                        <a:rPr lang="en-US" altLang="ko-KR" dirty="0">
+                          <a:effectLst/>
+                        </a:rPr>
+                        <a:t>$0.02~$0.20</a:t>
+                      </a:r>
+                    </a:p>
+                  </a:txBody>
+                  <a:tcPr marL="76200" marR="76200" marT="66675" marB="76200" anchor="ctr"/>
+                </a:tc>
+                <a:extLst>
+                  <a:ext uri="{0D108BD9-81ED-4DB2-BD59-A6C34878D82A}">
+                    <a16:rowId xmlns:a16="http://schemas.microsoft.com/office/drawing/2014/main" val="3007900029"/>
+                  </a:ext>
+                </a:extLst>
+              </a:tr>
+              <a:tr h="878776">
+                <a:tc>
+                  <a:txBody>
+                    <a:bodyPr/>
+                    <a:lstStyle/>
+                    <a:p>
+                      <a:pPr algn="ctr" fontAlgn="t"/>
+                      <a:r>
+                        <a:rPr lang="ko-KR" altLang="en-US" dirty="0">
+                          <a:effectLst/>
+                        </a:rPr>
+                        <a:t>캐시 채우기</a:t>
+                      </a:r>
+                    </a:p>
+                  </a:txBody>
+                  <a:tcPr marL="76200" marR="76200" marT="66675" marB="76200" anchor="ctr"/>
+                </a:tc>
+                <a:tc>
+                  <a:txBody>
+                    <a:bodyPr/>
+                    <a:lstStyle/>
+                    <a:p>
+                      <a:pPr algn="ctr" fontAlgn="t"/>
+                      <a:r>
+                        <a:rPr lang="af-ZA" dirty="0">
+                          <a:effectLst/>
+                        </a:rPr>
+                        <a:t>1GB</a:t>
+                      </a:r>
+                      <a:r>
+                        <a:rPr lang="ko-KR" altLang="en-US" dirty="0">
+                          <a:effectLst/>
+                        </a:rPr>
+                        <a:t>당 </a:t>
+                      </a:r>
+                      <a:r>
+                        <a:rPr lang="en-US" altLang="ko-KR" dirty="0">
+                          <a:effectLst/>
+                        </a:rPr>
+                        <a:t>$0.04~$0.15</a:t>
+                      </a:r>
+                    </a:p>
+                  </a:txBody>
+                  <a:tcPr marL="76200" marR="76200" marT="66675" marB="76200" anchor="ctr"/>
+                </a:tc>
+                <a:extLst>
+                  <a:ext uri="{0D108BD9-81ED-4DB2-BD59-A6C34878D82A}">
+                    <a16:rowId xmlns:a16="http://schemas.microsoft.com/office/drawing/2014/main" val="2487752692"/>
+                  </a:ext>
+                </a:extLst>
+              </a:tr>
+              <a:tr h="878776">
+                <a:tc>
+                  <a:txBody>
+                    <a:bodyPr/>
+                    <a:lstStyle/>
+                    <a:p>
+                      <a:pPr algn="ctr" fontAlgn="t"/>
+                      <a:r>
+                        <a:rPr lang="af-ZA" dirty="0">
+                          <a:effectLst/>
+                        </a:rPr>
+                        <a:t>HTTP/HTTPS </a:t>
+                      </a:r>
+                      <a:r>
+                        <a:rPr lang="ko-KR" altLang="en-US" dirty="0">
+                          <a:effectLst/>
+                        </a:rPr>
+                        <a:t>캐시 조회 요청</a:t>
+                      </a:r>
+                    </a:p>
+                  </a:txBody>
+                  <a:tcPr marL="76200" marR="76200" marT="66675" marB="76200" anchor="ctr"/>
+                </a:tc>
+                <a:tc>
+                  <a:txBody>
+                    <a:bodyPr/>
+                    <a:lstStyle/>
+                    <a:p>
+                      <a:pPr algn="ctr" fontAlgn="t"/>
+                      <a:r>
+                        <a:rPr lang="ko-KR" altLang="en-US" dirty="0">
+                          <a:effectLst/>
+                        </a:rPr>
+                        <a:t>요청 </a:t>
+                      </a:r>
+                      <a:r>
+                        <a:rPr lang="en-US" altLang="ko-KR" dirty="0">
+                          <a:effectLst/>
+                        </a:rPr>
+                        <a:t>10,000</a:t>
+                      </a:r>
+                      <a:r>
+                        <a:rPr lang="ko-KR" altLang="en-US" dirty="0">
+                          <a:effectLst/>
+                        </a:rPr>
+                        <a:t>건당 </a:t>
+                      </a:r>
+                      <a:r>
+                        <a:rPr lang="en-US" altLang="ko-KR" dirty="0">
+                          <a:effectLst/>
+                        </a:rPr>
+                        <a:t>$0.0075</a:t>
+                      </a:r>
+                    </a:p>
+                  </a:txBody>
+                  <a:tcPr marL="76200" marR="76200" marT="66675" marB="76200" anchor="ctr"/>
+                </a:tc>
+                <a:extLst>
+                  <a:ext uri="{0D108BD9-81ED-4DB2-BD59-A6C34878D82A}">
+                    <a16:rowId xmlns:a16="http://schemas.microsoft.com/office/drawing/2014/main" val="3166393885"/>
+                  </a:ext>
+                </a:extLst>
+              </a:tr>
+              <a:tr h="878776">
+                <a:tc>
+                  <a:txBody>
+                    <a:bodyPr/>
+                    <a:lstStyle/>
+                    <a:p>
+                      <a:pPr algn="ctr" fontAlgn="t"/>
+                      <a:r>
+                        <a:rPr lang="ko-KR" altLang="en-US" dirty="0">
+                          <a:effectLst/>
+                        </a:rPr>
+                        <a:t>캐시 무효화</a:t>
+                      </a:r>
+                    </a:p>
+                  </a:txBody>
+                  <a:tcPr marL="76200" marR="76200" marT="66675" marB="76200" anchor="ctr"/>
+                </a:tc>
+                <a:tc>
+                  <a:txBody>
+                    <a:bodyPr/>
+                    <a:lstStyle/>
+                    <a:p>
+                      <a:pPr algn="ctr" fontAlgn="t"/>
+                      <a:r>
+                        <a:rPr lang="ko-KR" altLang="en-US" dirty="0">
+                          <a:effectLst/>
+                        </a:rPr>
+                        <a:t>무효화 건당 </a:t>
+                      </a:r>
+                      <a:r>
+                        <a:rPr lang="en-US" altLang="ko-KR" dirty="0">
+                          <a:effectLst/>
+                        </a:rPr>
+                        <a:t>$0.005</a:t>
+                      </a:r>
+                    </a:p>
+                  </a:txBody>
+                  <a:tcPr marL="76200" marR="76200" marT="66675" marB="76200" anchor="ctr"/>
+                </a:tc>
+                <a:extLst>
+                  <a:ext uri="{0D108BD9-81ED-4DB2-BD59-A6C34878D82A}">
+                    <a16:rowId xmlns:a16="http://schemas.microsoft.com/office/drawing/2014/main" val="1042743465"/>
+                  </a:ext>
+                </a:extLst>
+              </a:tr>
+            </a:tbl>
+          </a:graphicData>
+        </a:graphic>
+      </p:graphicFrame>
     </p:spTree>
     <p:extLst>
       <p:ext uri="{BB962C8B-B14F-4D97-AF65-F5344CB8AC3E}">
-        <p14:creationId xmlns:p14="http://schemas.microsoft.com/office/powerpoint/2010/main" val="1619812541"/>
+        <p14:creationId xmlns:p14="http://schemas.microsoft.com/office/powerpoint/2010/main" val="2039007882"/>
       </p:ext>
     </p:extLst>
   </p:cSld>
